--- a/FINALPPT.pptx
+++ b/FINALPPT.pptx
@@ -3125,7 +3125,7 @@
           <a:p>
             <a:fld id="{52B6698B-9BB7-4512-A36B-6B752C9A47EA}" type="datetimeFigureOut">
               <a:rPr lang="en-IN" smtClean="0"/>
-              <a:t>01-02-2024</a:t>
+              <a:t>17-02-2024</a:t>
             </a:fld>
             <a:endParaRPr lang="en-IN"/>
           </a:p>
@@ -3542,7 +3542,7 @@
           <a:p>
             <a:fld id="{73AB8A70-E3AE-41E2-9696-E727EF4F852B}" type="datetimeFigureOut">
               <a:rPr lang="en-IN" smtClean="0"/>
-              <a:t>01-02-2024</a:t>
+              <a:t>17-02-2024</a:t>
             </a:fld>
             <a:endParaRPr lang="en-IN"/>
           </a:p>
@@ -3742,7 +3742,7 @@
           <a:p>
             <a:fld id="{73AB8A70-E3AE-41E2-9696-E727EF4F852B}" type="datetimeFigureOut">
               <a:rPr lang="en-IN" smtClean="0"/>
-              <a:t>01-02-2024</a:t>
+              <a:t>17-02-2024</a:t>
             </a:fld>
             <a:endParaRPr lang="en-IN"/>
           </a:p>
@@ -3952,7 +3952,7 @@
           <a:p>
             <a:fld id="{73AB8A70-E3AE-41E2-9696-E727EF4F852B}" type="datetimeFigureOut">
               <a:rPr lang="en-IN" smtClean="0"/>
-              <a:t>01-02-2024</a:t>
+              <a:t>17-02-2024</a:t>
             </a:fld>
             <a:endParaRPr lang="en-IN"/>
           </a:p>
@@ -4152,7 +4152,7 @@
           <a:p>
             <a:fld id="{73AB8A70-E3AE-41E2-9696-E727EF4F852B}" type="datetimeFigureOut">
               <a:rPr lang="en-IN" smtClean="0"/>
-              <a:t>01-02-2024</a:t>
+              <a:t>17-02-2024</a:t>
             </a:fld>
             <a:endParaRPr lang="en-IN"/>
           </a:p>
@@ -4428,7 +4428,7 @@
           <a:p>
             <a:fld id="{73AB8A70-E3AE-41E2-9696-E727EF4F852B}" type="datetimeFigureOut">
               <a:rPr lang="en-IN" smtClean="0"/>
-              <a:t>01-02-2024</a:t>
+              <a:t>17-02-2024</a:t>
             </a:fld>
             <a:endParaRPr lang="en-IN"/>
           </a:p>
@@ -4696,7 +4696,7 @@
           <a:p>
             <a:fld id="{73AB8A70-E3AE-41E2-9696-E727EF4F852B}" type="datetimeFigureOut">
               <a:rPr lang="en-IN" smtClean="0"/>
-              <a:t>01-02-2024</a:t>
+              <a:t>17-02-2024</a:t>
             </a:fld>
             <a:endParaRPr lang="en-IN"/>
           </a:p>
@@ -5111,7 +5111,7 @@
           <a:p>
             <a:fld id="{73AB8A70-E3AE-41E2-9696-E727EF4F852B}" type="datetimeFigureOut">
               <a:rPr lang="en-IN" smtClean="0"/>
-              <a:t>01-02-2024</a:t>
+              <a:t>17-02-2024</a:t>
             </a:fld>
             <a:endParaRPr lang="en-IN"/>
           </a:p>
@@ -5253,7 +5253,7 @@
           <a:p>
             <a:fld id="{73AB8A70-E3AE-41E2-9696-E727EF4F852B}" type="datetimeFigureOut">
               <a:rPr lang="en-IN" smtClean="0"/>
-              <a:t>01-02-2024</a:t>
+              <a:t>17-02-2024</a:t>
             </a:fld>
             <a:endParaRPr lang="en-IN"/>
           </a:p>
@@ -5366,7 +5366,7 @@
           <a:p>
             <a:fld id="{73AB8A70-E3AE-41E2-9696-E727EF4F852B}" type="datetimeFigureOut">
               <a:rPr lang="en-IN" smtClean="0"/>
-              <a:t>01-02-2024</a:t>
+              <a:t>17-02-2024</a:t>
             </a:fld>
             <a:endParaRPr lang="en-IN"/>
           </a:p>
@@ -5679,7 +5679,7 @@
           <a:p>
             <a:fld id="{73AB8A70-E3AE-41E2-9696-E727EF4F852B}" type="datetimeFigureOut">
               <a:rPr lang="en-IN" smtClean="0"/>
-              <a:t>01-02-2024</a:t>
+              <a:t>17-02-2024</a:t>
             </a:fld>
             <a:endParaRPr lang="en-IN"/>
           </a:p>
@@ -5968,7 +5968,7 @@
           <a:p>
             <a:fld id="{73AB8A70-E3AE-41E2-9696-E727EF4F852B}" type="datetimeFigureOut">
               <a:rPr lang="en-IN" smtClean="0"/>
-              <a:t>01-02-2024</a:t>
+              <a:t>17-02-2024</a:t>
             </a:fld>
             <a:endParaRPr lang="en-IN"/>
           </a:p>
@@ -6211,7 +6211,7 @@
           <a:p>
             <a:fld id="{73AB8A70-E3AE-41E2-9696-E727EF4F852B}" type="datetimeFigureOut">
               <a:rPr lang="en-IN" smtClean="0"/>
-              <a:t>01-02-2024</a:t>
+              <a:t>17-02-2024</a:t>
             </a:fld>
             <a:endParaRPr lang="en-IN"/>
           </a:p>
@@ -12080,57 +12080,6 @@
       </p:grpSpPr>
       <p:sp>
         <p:nvSpPr>
-          <p:cNvPr id="5" name="Rectangle 4">
-            <a:extLst>
-              <a:ext uri="{FF2B5EF4-FFF2-40B4-BE49-F238E27FC236}">
-                <a16:creationId xmlns:a16="http://schemas.microsoft.com/office/drawing/2014/main" id="{6A3A30BA-5E16-7F53-61C1-A7091F4DD527}"/>
-              </a:ext>
-            </a:extLst>
-          </p:cNvPr>
-          <p:cNvSpPr/>
-          <p:nvPr/>
-        </p:nvSpPr>
-        <p:spPr>
-          <a:xfrm>
-            <a:off x="0" y="0"/>
-            <a:ext cx="3150704" cy="6858000"/>
-          </a:xfrm>
-          <a:prstGeom prst="rect">
-            <a:avLst/>
-          </a:prstGeom>
-          <a:solidFill>
-            <a:srgbClr val="16207B">
-              <a:alpha val="96000"/>
-            </a:srgbClr>
-          </a:solidFill>
-        </p:spPr>
-        <p:style>
-          <a:lnRef idx="2">
-            <a:schemeClr val="accent1">
-              <a:shade val="15000"/>
-            </a:schemeClr>
-          </a:lnRef>
-          <a:fillRef idx="1">
-            <a:schemeClr val="accent1"/>
-          </a:fillRef>
-          <a:effectRef idx="0">
-            <a:schemeClr val="accent1"/>
-          </a:effectRef>
-          <a:fontRef idx="minor">
-            <a:schemeClr val="lt1"/>
-          </a:fontRef>
-        </p:style>
-        <p:txBody>
-          <a:bodyPr rtlCol="0" anchor="ctr"/>
-          <a:lstStyle/>
-          <a:p>
-            <a:pPr algn="ctr"/>
-            <a:endParaRPr lang="en-IN" dirty="0"/>
-          </a:p>
-        </p:txBody>
-      </p:sp>
-      <p:sp>
-        <p:nvSpPr>
           <p:cNvPr id="6" name="TextBox 30">
             <a:extLst>
               <a:ext uri="{FF2B5EF4-FFF2-40B4-BE49-F238E27FC236}">
@@ -12149,7 +12098,9 @@
           <a:prstGeom prst="rect">
             <a:avLst/>
           </a:prstGeom>
-          <a:noFill/>
+          <a:solidFill>
+            <a:schemeClr val="tx1"/>
+          </a:solidFill>
           <a:ln>
             <a:solidFill>
               <a:schemeClr val="bg1"/>
@@ -12274,10 +12225,10 @@
       </p:sp>
       <p:sp>
         <p:nvSpPr>
-          <p:cNvPr id="8" name="TextBox 30">
-            <a:extLst>
-              <a:ext uri="{FF2B5EF4-FFF2-40B4-BE49-F238E27FC236}">
-                <a16:creationId xmlns:a16="http://schemas.microsoft.com/office/drawing/2014/main" id="{F94C7274-C216-6262-D023-D726D4AD9682}"/>
+          <p:cNvPr id="3" name="TextBox 2">
+            <a:extLst>
+              <a:ext uri="{FF2B5EF4-FFF2-40B4-BE49-F238E27FC236}">
+                <a16:creationId xmlns:a16="http://schemas.microsoft.com/office/drawing/2014/main" id="{4E8056DF-CB83-18BA-C320-7B7EA07DC3BC}"/>
               </a:ext>
             </a:extLst>
           </p:cNvPr>
@@ -12286,136 +12237,612 @@
         </p:nvSpPr>
         <p:spPr>
           <a:xfrm>
-            <a:off x="3390698" y="165186"/>
-            <a:ext cx="2347494" cy="461665"/>
+            <a:off x="97533" y="811229"/>
+            <a:ext cx="2877680" cy="646331"/>
           </a:xfrm>
           <a:prstGeom prst="rect">
             <a:avLst/>
           </a:prstGeom>
           <a:noFill/>
-          <a:ln>
-            <a:solidFill>
-              <a:schemeClr val="tx1"/>
-            </a:solidFill>
-          </a:ln>
         </p:spPr>
         <p:txBody>
-          <a:bodyPr wrap="square" rtlCol="0">
+          <a:bodyPr wrap="square">
             <a:spAutoFit/>
           </a:bodyPr>
-          <a:lstStyle>
-            <a:defPPr>
-              <a:defRPr lang="en-US"/>
-            </a:defPPr>
-            <a:lvl1pPr marL="0" algn="l" defTabSz="914400" rtl="0" eaLnBrk="1" latinLnBrk="0" hangingPunct="1">
-              <a:defRPr sz="1800" kern="1200">
-                <a:solidFill>
-                  <a:schemeClr val="tx1"/>
-                </a:solidFill>
-                <a:latin typeface="+mn-lt"/>
-                <a:ea typeface="+mn-ea"/>
-                <a:cs typeface="+mn-cs"/>
-              </a:defRPr>
-            </a:lvl1pPr>
-            <a:lvl2pPr marL="457200" algn="l" defTabSz="914400" rtl="0" eaLnBrk="1" latinLnBrk="0" hangingPunct="1">
-              <a:defRPr sz="1800" kern="1200">
-                <a:solidFill>
-                  <a:schemeClr val="tx1"/>
-                </a:solidFill>
-                <a:latin typeface="+mn-lt"/>
-                <a:ea typeface="+mn-ea"/>
-                <a:cs typeface="+mn-cs"/>
-              </a:defRPr>
-            </a:lvl2pPr>
-            <a:lvl3pPr marL="914400" algn="l" defTabSz="914400" rtl="0" eaLnBrk="1" latinLnBrk="0" hangingPunct="1">
-              <a:defRPr sz="1800" kern="1200">
-                <a:solidFill>
-                  <a:schemeClr val="tx1"/>
-                </a:solidFill>
-                <a:latin typeface="+mn-lt"/>
-                <a:ea typeface="+mn-ea"/>
-                <a:cs typeface="+mn-cs"/>
-              </a:defRPr>
-            </a:lvl3pPr>
-            <a:lvl4pPr marL="1371600" algn="l" defTabSz="914400" rtl="0" eaLnBrk="1" latinLnBrk="0" hangingPunct="1">
-              <a:defRPr sz="1800" kern="1200">
-                <a:solidFill>
-                  <a:schemeClr val="tx1"/>
-                </a:solidFill>
-                <a:latin typeface="+mn-lt"/>
-                <a:ea typeface="+mn-ea"/>
-                <a:cs typeface="+mn-cs"/>
-              </a:defRPr>
-            </a:lvl4pPr>
-            <a:lvl5pPr marL="1828800" algn="l" defTabSz="914400" rtl="0" eaLnBrk="1" latinLnBrk="0" hangingPunct="1">
-              <a:defRPr sz="1800" kern="1200">
-                <a:solidFill>
-                  <a:schemeClr val="tx1"/>
-                </a:solidFill>
-                <a:latin typeface="+mn-lt"/>
-                <a:ea typeface="+mn-ea"/>
-                <a:cs typeface="+mn-cs"/>
-              </a:defRPr>
-            </a:lvl5pPr>
-            <a:lvl6pPr marL="2286000" algn="l" defTabSz="914400" rtl="0" eaLnBrk="1" latinLnBrk="0" hangingPunct="1">
-              <a:defRPr sz="1800" kern="1200">
-                <a:solidFill>
-                  <a:schemeClr val="tx1"/>
-                </a:solidFill>
-                <a:latin typeface="+mn-lt"/>
-                <a:ea typeface="+mn-ea"/>
-                <a:cs typeface="+mn-cs"/>
-              </a:defRPr>
-            </a:lvl6pPr>
-            <a:lvl7pPr marL="2743200" algn="l" defTabSz="914400" rtl="0" eaLnBrk="1" latinLnBrk="0" hangingPunct="1">
-              <a:defRPr sz="1800" kern="1200">
-                <a:solidFill>
-                  <a:schemeClr val="tx1"/>
-                </a:solidFill>
-                <a:latin typeface="+mn-lt"/>
-                <a:ea typeface="+mn-ea"/>
-                <a:cs typeface="+mn-cs"/>
-              </a:defRPr>
-            </a:lvl7pPr>
-            <a:lvl8pPr marL="3200400" algn="l" defTabSz="914400" rtl="0" eaLnBrk="1" latinLnBrk="0" hangingPunct="1">
-              <a:defRPr sz="1800" kern="1200">
-                <a:solidFill>
-                  <a:schemeClr val="tx1"/>
-                </a:solidFill>
-                <a:latin typeface="+mn-lt"/>
-                <a:ea typeface="+mn-ea"/>
-                <a:cs typeface="+mn-cs"/>
-              </a:defRPr>
-            </a:lvl8pPr>
-            <a:lvl9pPr marL="3657600" algn="l" defTabSz="914400" rtl="0" eaLnBrk="1" latinLnBrk="0" hangingPunct="1">
-              <a:defRPr sz="1800" kern="1200">
-                <a:solidFill>
-                  <a:schemeClr val="tx1"/>
-                </a:solidFill>
-                <a:latin typeface="+mn-lt"/>
-                <a:ea typeface="+mn-ea"/>
-                <a:cs typeface="+mn-cs"/>
-              </a:defRPr>
-            </a:lvl9pPr>
-          </a:lstStyle>
-          <a:p>
-            <a:r>
-              <a:rPr lang="en-IN" sz="2400" b="1" dirty="0"/>
-              <a:t>SOME INSIGHTS</a:t>
-            </a:r>
-            <a:r>
-              <a:rPr lang="en-IN" sz="2400" b="1" dirty="0">
-                <a:solidFill>
-                  <a:schemeClr val="bg1"/>
-                </a:solidFill>
+          <a:lstStyle/>
+          <a:p>
+            <a:r>
+              <a:rPr lang="en-IN" b="1" i="0" dirty="0">
+                <a:solidFill>
+                  <a:srgbClr val="1F2328"/>
+                </a:solidFill>
+                <a:effectLst/>
+                <a:latin typeface="-apple-system"/>
               </a:rPr>
-              <a:t> </a:t>
-            </a:r>
-            <a:endParaRPr lang="en-US" sz="2400" b="1" dirty="0">
+              <a:t>(OCCUPATION_TYPE)</a:t>
+            </a:r>
+          </a:p>
+          <a:p>
+            <a:r>
+              <a:rPr lang="en-IN" b="1" i="0" dirty="0">
+                <a:solidFill>
+                  <a:srgbClr val="1F2328"/>
+                </a:solidFill>
+                <a:effectLst/>
+                <a:latin typeface="-apple-system"/>
+              </a:rPr>
+              <a:t>(OWN_CAR_AGE)</a:t>
+            </a:r>
+            <a:endParaRPr lang="en-IN" dirty="0"/>
+          </a:p>
+        </p:txBody>
+      </p:sp>
+      <p:cxnSp>
+        <p:nvCxnSpPr>
+          <p:cNvPr id="7" name="Straight Connector 6">
+            <a:extLst>
+              <a:ext uri="{FF2B5EF4-FFF2-40B4-BE49-F238E27FC236}">
+                <a16:creationId xmlns:a16="http://schemas.microsoft.com/office/drawing/2014/main" id="{1D749262-BD62-1994-A2A1-D7387947EB92}"/>
+              </a:ext>
+            </a:extLst>
+          </p:cNvPr>
+          <p:cNvCxnSpPr>
+            <a:cxnSpLocks/>
+          </p:cNvCxnSpPr>
+          <p:nvPr/>
+        </p:nvCxnSpPr>
+        <p:spPr>
+          <a:xfrm>
+            <a:off x="5622878" y="464024"/>
+            <a:ext cx="0" cy="6032310"/>
+          </a:xfrm>
+          <a:prstGeom prst="line">
+            <a:avLst/>
+          </a:prstGeom>
+        </p:spPr>
+        <p:style>
+          <a:lnRef idx="1">
+            <a:schemeClr val="accent1"/>
+          </a:lnRef>
+          <a:fillRef idx="0">
+            <a:schemeClr val="accent1"/>
+          </a:fillRef>
+          <a:effectRef idx="0">
+            <a:schemeClr val="accent1"/>
+          </a:effectRef>
+          <a:fontRef idx="minor">
+            <a:schemeClr val="tx1"/>
+          </a:fontRef>
+        </p:style>
+      </p:cxnSp>
+      <p:sp>
+        <p:nvSpPr>
+          <p:cNvPr id="12" name="TextBox 11">
+            <a:extLst>
+              <a:ext uri="{FF2B5EF4-FFF2-40B4-BE49-F238E27FC236}">
+                <a16:creationId xmlns:a16="http://schemas.microsoft.com/office/drawing/2014/main" id="{0D88DA2B-8969-D4EF-F3EB-27882A1C677F}"/>
+              </a:ext>
+            </a:extLst>
+          </p:cNvPr>
+          <p:cNvSpPr txBox="1"/>
+          <p:nvPr/>
+        </p:nvSpPr>
+        <p:spPr>
+          <a:xfrm>
+            <a:off x="241388" y="1679686"/>
+            <a:ext cx="6093724" cy="3600986"/>
+          </a:xfrm>
+          <a:prstGeom prst="rect">
+            <a:avLst/>
+          </a:prstGeom>
+          <a:noFill/>
+        </p:spPr>
+        <p:txBody>
+          <a:bodyPr wrap="square">
+            <a:spAutoFit/>
+          </a:bodyPr>
+          <a:lstStyle/>
+          <a:p>
+            <a:r>
+              <a:rPr lang="en-IN" b="1" dirty="0">
+                <a:solidFill>
+                  <a:srgbClr val="1F2328"/>
+                </a:solidFill>
+                <a:latin typeface="-apple-system"/>
+              </a:rPr>
+              <a:t>Columns with less than 15% missing values</a:t>
+            </a:r>
+          </a:p>
+          <a:p>
+            <a:endParaRPr lang="en-IN" b="1" i="0" dirty="0">
               <a:solidFill>
-                <a:schemeClr val="bg1"/>
+                <a:srgbClr val="1F2328"/>
               </a:solidFill>
+              <a:effectLst/>
+              <a:latin typeface="-apple-system"/>
             </a:endParaRPr>
+          </a:p>
+          <a:p>
+            <a:r>
+              <a:rPr lang="en-IN" sz="1200" i="0" dirty="0">
+                <a:solidFill>
+                  <a:srgbClr val="1F2328"/>
+                </a:solidFill>
+                <a:effectLst/>
+                <a:latin typeface="-apple-system"/>
+              </a:rPr>
+              <a:t>AMT_REQ_CREDIT_BUREAU_HOUR    13.494982</a:t>
+            </a:r>
+          </a:p>
+          <a:p>
+            <a:r>
+              <a:rPr lang="en-IN" sz="1200" i="0" dirty="0">
+                <a:solidFill>
+                  <a:srgbClr val="1F2328"/>
+                </a:solidFill>
+                <a:effectLst/>
+                <a:latin typeface="-apple-system"/>
+              </a:rPr>
+              <a:t>AMT_REQ_CREDIT_BUREAU_DAY     13.494982</a:t>
+            </a:r>
+          </a:p>
+          <a:p>
+            <a:r>
+              <a:rPr lang="en-IN" sz="1200" i="0" dirty="0">
+                <a:solidFill>
+                  <a:srgbClr val="1F2328"/>
+                </a:solidFill>
+                <a:effectLst/>
+                <a:latin typeface="-apple-system"/>
+              </a:rPr>
+              <a:t>AMT_REQ_CREDIT_BUREAU_WEEK    13.494982</a:t>
+            </a:r>
+          </a:p>
+          <a:p>
+            <a:r>
+              <a:rPr lang="en-IN" sz="1200" i="0" dirty="0">
+                <a:solidFill>
+                  <a:srgbClr val="1F2328"/>
+                </a:solidFill>
+                <a:effectLst/>
+                <a:latin typeface="-apple-system"/>
+              </a:rPr>
+              <a:t>AMT_REQ_CREDIT_BUREAU_MON     13.494982</a:t>
+            </a:r>
+          </a:p>
+          <a:p>
+            <a:r>
+              <a:rPr lang="en-IN" sz="1200" i="0" dirty="0">
+                <a:solidFill>
+                  <a:srgbClr val="1F2328"/>
+                </a:solidFill>
+                <a:effectLst/>
+                <a:latin typeface="-apple-system"/>
+              </a:rPr>
+              <a:t>AMT_REQ_CREDIT_BUREAU_QRT     13.494982</a:t>
+            </a:r>
+          </a:p>
+          <a:p>
+            <a:r>
+              <a:rPr lang="en-IN" sz="1200" i="0" dirty="0">
+                <a:solidFill>
+                  <a:srgbClr val="1F2328"/>
+                </a:solidFill>
+                <a:effectLst/>
+                <a:latin typeface="-apple-system"/>
+              </a:rPr>
+              <a:t>AMT_REQ_CREDIT_BUREAU_YEAR    13.494982</a:t>
+            </a:r>
+          </a:p>
+          <a:p>
+            <a:endParaRPr lang="en-IN" sz="1200" i="0" dirty="0">
+              <a:solidFill>
+                <a:srgbClr val="1F2328"/>
+              </a:solidFill>
+              <a:effectLst/>
+              <a:latin typeface="-apple-system"/>
+            </a:endParaRPr>
+          </a:p>
+          <a:p>
+            <a:r>
+              <a:rPr lang="en-IN" sz="1200" i="0" dirty="0">
+                <a:solidFill>
+                  <a:srgbClr val="1F2328"/>
+                </a:solidFill>
+                <a:effectLst/>
+                <a:latin typeface="-apple-system"/>
+              </a:rPr>
+              <a:t>NAME_TYPE_SUITE                0.419796</a:t>
+            </a:r>
+          </a:p>
+          <a:p>
+            <a:r>
+              <a:rPr lang="en-IN" sz="1200" i="0" dirty="0">
+                <a:solidFill>
+                  <a:srgbClr val="1F2328"/>
+                </a:solidFill>
+                <a:effectLst/>
+                <a:latin typeface="-apple-system"/>
+              </a:rPr>
+              <a:t>OBS_30_CNT_SOCIAL_CIRCLE       0.331281</a:t>
+            </a:r>
+          </a:p>
+          <a:p>
+            <a:r>
+              <a:rPr lang="en-IN" sz="1200" i="0" dirty="0">
+                <a:solidFill>
+                  <a:srgbClr val="1F2328"/>
+                </a:solidFill>
+                <a:effectLst/>
+                <a:latin typeface="-apple-system"/>
+              </a:rPr>
+              <a:t>DEF_30_CNT_SOCIAL_CIRCLE       0.331281</a:t>
+            </a:r>
+          </a:p>
+          <a:p>
+            <a:r>
+              <a:rPr lang="en-IN" sz="1200" i="0" dirty="0">
+                <a:solidFill>
+                  <a:srgbClr val="1F2328"/>
+                </a:solidFill>
+                <a:effectLst/>
+                <a:latin typeface="-apple-system"/>
+              </a:rPr>
+              <a:t>OBS_60_CNT_SOCIAL_CIRCLE       0.331281</a:t>
+            </a:r>
+          </a:p>
+          <a:p>
+            <a:r>
+              <a:rPr lang="en-IN" sz="1200" i="0" dirty="0">
+                <a:solidFill>
+                  <a:srgbClr val="1F2328"/>
+                </a:solidFill>
+                <a:effectLst/>
+                <a:latin typeface="-apple-system"/>
+              </a:rPr>
+              <a:t>DEF_60_CNT_SOCIAL_CIRCLE       0.331281</a:t>
+            </a:r>
+          </a:p>
+          <a:p>
+            <a:r>
+              <a:rPr lang="en-IN" sz="1200" i="0" dirty="0">
+                <a:solidFill>
+                  <a:srgbClr val="1F2328"/>
+                </a:solidFill>
+                <a:effectLst/>
+                <a:latin typeface="-apple-system"/>
+              </a:rPr>
+              <a:t>EXT_SOURCE_2                   0.214779</a:t>
+            </a:r>
+          </a:p>
+          <a:p>
+            <a:r>
+              <a:rPr lang="en-IN" sz="1200" i="0" dirty="0">
+                <a:solidFill>
+                  <a:srgbClr val="1F2328"/>
+                </a:solidFill>
+                <a:effectLst/>
+                <a:latin typeface="-apple-system"/>
+              </a:rPr>
+              <a:t>AMT_GOODS_PRICE                0.090468</a:t>
+            </a:r>
+          </a:p>
+          <a:p>
+            <a:r>
+              <a:rPr lang="en-IN" sz="1200" i="0" dirty="0">
+                <a:solidFill>
+                  <a:srgbClr val="1F2328"/>
+                </a:solidFill>
+                <a:effectLst/>
+                <a:latin typeface="-apple-system"/>
+              </a:rPr>
+              <a:t>AMT_ANNUITY                    0.003905</a:t>
+            </a:r>
+          </a:p>
+          <a:p>
+            <a:r>
+              <a:rPr lang="en-IN" sz="1200" i="0" dirty="0">
+                <a:solidFill>
+                  <a:srgbClr val="1F2328"/>
+                </a:solidFill>
+                <a:effectLst/>
+                <a:latin typeface="-apple-system"/>
+              </a:rPr>
+              <a:t>CNT_FAM_MEMBERS                0.000651</a:t>
+            </a:r>
+          </a:p>
+        </p:txBody>
+      </p:sp>
+      <p:sp>
+        <p:nvSpPr>
+          <p:cNvPr id="15" name="TextBox 14">
+            <a:extLst>
+              <a:ext uri="{FF2B5EF4-FFF2-40B4-BE49-F238E27FC236}">
+                <a16:creationId xmlns:a16="http://schemas.microsoft.com/office/drawing/2014/main" id="{CD78DF6E-FB91-5AD6-4B7E-452BF1D43EA2}"/>
+              </a:ext>
+            </a:extLst>
+          </p:cNvPr>
+          <p:cNvSpPr txBox="1"/>
+          <p:nvPr/>
+        </p:nvSpPr>
+        <p:spPr>
+          <a:xfrm>
+            <a:off x="5753869" y="464024"/>
+            <a:ext cx="6093724" cy="3785652"/>
+          </a:xfrm>
+          <a:prstGeom prst="rect">
+            <a:avLst/>
+          </a:prstGeom>
+          <a:noFill/>
+        </p:spPr>
+        <p:txBody>
+          <a:bodyPr wrap="square">
+            <a:spAutoFit/>
+          </a:bodyPr>
+          <a:lstStyle/>
+          <a:p>
+            <a:r>
+              <a:rPr lang="en-IN" sz="1200" i="0" dirty="0">
+                <a:solidFill>
+                  <a:srgbClr val="1F2328"/>
+                </a:solidFill>
+                <a:effectLst/>
+                <a:latin typeface="-apple-system"/>
+              </a:rPr>
+              <a:t>OBS_30_CNT_SOCIAL_CIRCLE       0.331281</a:t>
+            </a:r>
+          </a:p>
+          <a:p>
+            <a:r>
+              <a:rPr lang="en-IN" sz="1200" i="0" dirty="0">
+                <a:solidFill>
+                  <a:srgbClr val="1F2328"/>
+                </a:solidFill>
+                <a:effectLst/>
+                <a:latin typeface="-apple-system"/>
+              </a:rPr>
+              <a:t>DEF_30_CNT_SOCIAL_CIRCLE       0.331281</a:t>
+            </a:r>
+          </a:p>
+          <a:p>
+            <a:r>
+              <a:rPr lang="en-IN" sz="1200" i="0" dirty="0">
+                <a:solidFill>
+                  <a:srgbClr val="1F2328"/>
+                </a:solidFill>
+                <a:effectLst/>
+                <a:latin typeface="-apple-system"/>
+              </a:rPr>
+              <a:t>OBS_60_CNT_SOCIAL_CIRCLE       0.331281</a:t>
+            </a:r>
+          </a:p>
+          <a:p>
+            <a:r>
+              <a:rPr lang="en-IN" sz="1200" i="0" dirty="0">
+                <a:solidFill>
+                  <a:srgbClr val="1F2328"/>
+                </a:solidFill>
+                <a:effectLst/>
+                <a:latin typeface="-apple-system"/>
+              </a:rPr>
+              <a:t>DEF_60_CNT_SOCIAL_CIRCLE       0.331281</a:t>
+            </a:r>
+          </a:p>
+          <a:p>
+            <a:endParaRPr lang="en-IN" sz="1200" dirty="0">
+              <a:solidFill>
+                <a:srgbClr val="1F2328"/>
+              </a:solidFill>
+              <a:latin typeface="-apple-system"/>
+            </a:endParaRPr>
+          </a:p>
+          <a:p>
+            <a:pPr marL="228600" indent="-228600">
+              <a:buAutoNum type="arabicPeriod"/>
+            </a:pPr>
+            <a:r>
+              <a:rPr lang="en-IN" sz="1200" i="0" dirty="0">
+                <a:solidFill>
+                  <a:srgbClr val="1F2328"/>
+                </a:solidFill>
+                <a:effectLst/>
+                <a:latin typeface="-apple-system"/>
+              </a:rPr>
+              <a:t>OBS_30_CNT_SOCIAL_CIRCLE :</a:t>
+            </a:r>
+            <a:r>
+              <a:rPr lang="en-US" sz="1200" b="0" i="0" dirty="0">
+                <a:solidFill>
+                  <a:srgbClr val="0D0D0D"/>
+                </a:solidFill>
+                <a:effectLst/>
+                <a:latin typeface="Söhne"/>
+              </a:rPr>
+              <a:t> counting the number of times people around the client (like friends or family) have faced payment issues where they didn't pay their bills on time, specifically when the delay is 30 days or more.</a:t>
+            </a:r>
+            <a:r>
+              <a:rPr lang="en-IN" sz="1200" i="0" dirty="0">
+                <a:solidFill>
+                  <a:srgbClr val="1F2328"/>
+                </a:solidFill>
+                <a:effectLst/>
+                <a:latin typeface="-apple-system"/>
+              </a:rPr>
+              <a:t>  </a:t>
+            </a:r>
+          </a:p>
+          <a:p>
+            <a:pPr marL="228600" indent="-228600">
+              <a:buAutoNum type="arabicPeriod"/>
+            </a:pPr>
+            <a:endParaRPr lang="en-IN" sz="1200" dirty="0">
+              <a:solidFill>
+                <a:srgbClr val="1F2328"/>
+              </a:solidFill>
+              <a:latin typeface="-apple-system"/>
+            </a:endParaRPr>
+          </a:p>
+          <a:p>
+            <a:r>
+              <a:rPr lang="en-US" sz="1200" b="0" i="0" dirty="0">
+                <a:solidFill>
+                  <a:srgbClr val="0D0D0D"/>
+                </a:solidFill>
+                <a:effectLst/>
+                <a:latin typeface="Söhne"/>
+              </a:rPr>
+              <a:t>The key difference is in the first one, where it focuses on defaults that are specifically noticeable or observable, while the second one just counts all instances of 30 days past due defaults without emphasizing whether they are easy to observe.</a:t>
+            </a:r>
+            <a:endParaRPr lang="en-IN" sz="1200" b="0" dirty="0">
+              <a:solidFill>
+                <a:srgbClr val="1F2328"/>
+              </a:solidFill>
+              <a:latin typeface="-apple-system"/>
+            </a:endParaRPr>
+          </a:p>
+          <a:p>
+            <a:endParaRPr lang="en-IN" sz="1200" dirty="0">
+              <a:solidFill>
+                <a:srgbClr val="1F2328"/>
+              </a:solidFill>
+              <a:latin typeface="-apple-system"/>
+            </a:endParaRPr>
+          </a:p>
+          <a:p>
+            <a:r>
+              <a:rPr lang="en-IN" sz="1200" dirty="0">
+                <a:solidFill>
+                  <a:srgbClr val="1F2328"/>
+                </a:solidFill>
+                <a:latin typeface="-apple-system"/>
+              </a:rPr>
+              <a:t>2. </a:t>
+            </a:r>
+            <a:r>
+              <a:rPr lang="en-IN" sz="1200" i="0" dirty="0">
+                <a:solidFill>
+                  <a:srgbClr val="1F2328"/>
+                </a:solidFill>
+                <a:effectLst/>
+                <a:latin typeface="-apple-system"/>
+              </a:rPr>
+              <a:t>NAME_TYPE_SUITE : </a:t>
+            </a:r>
+            <a:r>
+              <a:rPr lang="en-US" sz="1200" i="0" dirty="0">
+                <a:solidFill>
+                  <a:srgbClr val="1F2328"/>
+                </a:solidFill>
+                <a:effectLst/>
+                <a:latin typeface="-apple-system"/>
+              </a:rPr>
+              <a:t>Who accompanied client when applying for the previous application</a:t>
+            </a:r>
+            <a:endParaRPr lang="en-IN" sz="1200" dirty="0">
+              <a:solidFill>
+                <a:srgbClr val="1F2328"/>
+              </a:solidFill>
+              <a:latin typeface="-apple-system"/>
+            </a:endParaRPr>
+          </a:p>
+          <a:p>
+            <a:r>
+              <a:rPr lang="en-IN" sz="1200" dirty="0"/>
+              <a:t>3. </a:t>
+            </a:r>
+            <a:r>
+              <a:rPr lang="en-IN" sz="1200" i="0" dirty="0">
+                <a:solidFill>
+                  <a:srgbClr val="1F2328"/>
+                </a:solidFill>
+                <a:effectLst/>
+                <a:latin typeface="-apple-system"/>
+              </a:rPr>
+              <a:t>EXT_SOURCE_2 : </a:t>
+            </a:r>
+            <a:r>
+              <a:rPr lang="en-US" sz="1200" i="0" dirty="0">
+                <a:solidFill>
+                  <a:srgbClr val="1F2328"/>
+                </a:solidFill>
+                <a:effectLst/>
+                <a:latin typeface="-apple-system"/>
+              </a:rPr>
+              <a:t>Normalized score from external data source</a:t>
+            </a:r>
+          </a:p>
+          <a:p>
+            <a:r>
+              <a:rPr lang="en-US" sz="1200" dirty="0">
+                <a:solidFill>
+                  <a:srgbClr val="1F2328"/>
+                </a:solidFill>
+                <a:latin typeface="-apple-system"/>
+              </a:rPr>
+              <a:t>4. </a:t>
+            </a:r>
+            <a:r>
+              <a:rPr lang="en-IN" sz="1200" i="0" dirty="0">
+                <a:solidFill>
+                  <a:srgbClr val="1F2328"/>
+                </a:solidFill>
+                <a:effectLst/>
+                <a:latin typeface="-apple-system"/>
+              </a:rPr>
+              <a:t>AMT_GOODS_PRICE  : </a:t>
+            </a:r>
+            <a:r>
+              <a:rPr lang="en-US" sz="1200" dirty="0">
+                <a:solidFill>
+                  <a:srgbClr val="1F2328"/>
+                </a:solidFill>
+                <a:latin typeface="-apple-system"/>
+              </a:rPr>
+              <a:t>For consumer loans it is the price of the goods for which the loan is given</a:t>
+            </a:r>
+          </a:p>
+          <a:p>
+            <a:r>
+              <a:rPr lang="en-US" sz="1200" dirty="0">
+                <a:solidFill>
+                  <a:srgbClr val="1F2328"/>
+                </a:solidFill>
+                <a:latin typeface="-apple-system"/>
+              </a:rPr>
+              <a:t>5. </a:t>
+            </a:r>
+            <a:r>
+              <a:rPr lang="en-IN" sz="1200" i="0" dirty="0">
+                <a:solidFill>
+                  <a:srgbClr val="1F2328"/>
+                </a:solidFill>
+                <a:effectLst/>
+                <a:latin typeface="-apple-system"/>
+              </a:rPr>
+              <a:t>AMT_ANNUITY : Amount paid / year</a:t>
+            </a:r>
+          </a:p>
+          <a:p>
+            <a:r>
+              <a:rPr lang="en-US" sz="1200" i="0" dirty="0">
+                <a:solidFill>
+                  <a:srgbClr val="1F2328"/>
+                </a:solidFill>
+                <a:effectLst/>
+                <a:latin typeface="-apple-system"/>
+              </a:rPr>
+              <a:t>6. CNT_FAM_MEMBERS: How many family members does client have</a:t>
+            </a:r>
+            <a:endParaRPr lang="en-IN" sz="1200" i="0" dirty="0">
+              <a:solidFill>
+                <a:srgbClr val="1F2328"/>
+              </a:solidFill>
+              <a:effectLst/>
+              <a:latin typeface="-apple-system"/>
+            </a:endParaRPr>
+          </a:p>
+          <a:p>
+            <a:endParaRPr lang="en-IN" sz="1200" dirty="0"/>
           </a:p>
         </p:txBody>
       </p:sp>

--- a/FINALPPT.pptx
+++ b/FINALPPT.pptx
@@ -5,15 +5,17 @@
     <p:sldMasterId id="2147483648" r:id="rId1"/>
   </p:sldMasterIdLst>
   <p:notesMasterIdLst>
-    <p:notesMasterId r:id="rId8"/>
+    <p:notesMasterId r:id="rId10"/>
   </p:notesMasterIdLst>
   <p:sldIdLst>
     <p:sldId id="270" r:id="rId2"/>
     <p:sldId id="268" r:id="rId3"/>
     <p:sldId id="257" r:id="rId4"/>
-    <p:sldId id="269" r:id="rId5"/>
-    <p:sldId id="272" r:id="rId6"/>
-    <p:sldId id="271" r:id="rId7"/>
+    <p:sldId id="274" r:id="rId5"/>
+    <p:sldId id="269" r:id="rId6"/>
+    <p:sldId id="272" r:id="rId7"/>
+    <p:sldId id="273" r:id="rId8"/>
+    <p:sldId id="271" r:id="rId9"/>
   </p:sldIdLst>
   <p:sldSz cx="12192000" cy="6858000"/>
   <p:notesSz cx="6858000" cy="9144000"/>
@@ -1037,37 +1039,6 @@
         <a:effectLst/>
       </c:spPr>
     </c:plotArea>
-    <c:legend>
-      <c:legendPos val="b"/>
-      <c:overlay val="0"/>
-      <c:spPr>
-        <a:noFill/>
-        <a:ln>
-          <a:noFill/>
-        </a:ln>
-        <a:effectLst/>
-      </c:spPr>
-      <c:txPr>
-        <a:bodyPr rot="0" spcFirstLastPara="1" vertOverflow="ellipsis" vert="horz" wrap="square" anchor="ctr" anchorCtr="1"/>
-        <a:lstStyle/>
-        <a:p>
-          <a:pPr>
-            <a:defRPr sz="900" b="0" i="0" u="none" strike="noStrike" kern="1200" baseline="0">
-              <a:solidFill>
-                <a:schemeClr val="tx1">
-                  <a:lumMod val="65000"/>
-                  <a:lumOff val="35000"/>
-                </a:schemeClr>
-              </a:solidFill>
-              <a:latin typeface="+mn-lt"/>
-              <a:ea typeface="+mn-ea"/>
-              <a:cs typeface="+mn-cs"/>
-            </a:defRPr>
-          </a:pPr>
-          <a:endParaRPr lang="en-US"/>
-        </a:p>
-      </c:txPr>
-    </c:legend>
     <c:plotVisOnly val="1"/>
     <c:dispBlanksAs val="gap"/>
     <c:extLst>
@@ -1084,6 +1055,950 @@
     <a:ln>
       <a:solidFill>
         <a:schemeClr val="tx1"/>
+      </a:solidFill>
+    </a:ln>
+    <a:effectLst/>
+  </c:spPr>
+  <c:txPr>
+    <a:bodyPr/>
+    <a:lstStyle/>
+    <a:p>
+      <a:pPr>
+        <a:defRPr/>
+      </a:pPr>
+      <a:endParaRPr lang="en-US"/>
+    </a:p>
+  </c:txPr>
+  <c:externalData r:id="rId3">
+    <c:autoUpdate val="0"/>
+  </c:externalData>
+</c:chartSpace>
+</file>
+
+<file path=ppt/charts/chart4.xml><?xml version="1.0" encoding="utf-8"?>
+<c:chartSpace xmlns:c="http://schemas.openxmlformats.org/drawingml/2006/chart" xmlns:a="http://schemas.openxmlformats.org/drawingml/2006/main" xmlns:r="http://schemas.openxmlformats.org/officeDocument/2006/relationships" xmlns:c16r2="http://schemas.microsoft.com/office/drawing/2015/06/chart">
+  <c:date1904 val="0"/>
+  <c:lang val="en-US"/>
+  <c:roundedCorners val="0"/>
+  <mc:AlternateContent xmlns:mc="http://schemas.openxmlformats.org/markup-compatibility/2006">
+    <mc:Choice xmlns:c14="http://schemas.microsoft.com/office/drawing/2007/8/2/chart" Requires="c14">
+      <c14:style val="102"/>
+    </mc:Choice>
+    <mc:Fallback>
+      <c:style val="2"/>
+    </mc:Fallback>
+  </mc:AlternateContent>
+  <c:chart>
+    <c:title>
+      <c:tx>
+        <c:rich>
+          <a:bodyPr rot="0" spcFirstLastPara="1" vertOverflow="ellipsis" vert="horz" wrap="square" anchor="ctr" anchorCtr="1"/>
+          <a:lstStyle/>
+          <a:p>
+            <a:pPr>
+              <a:defRPr sz="1800" b="1" i="0" u="none" strike="noStrike" kern="1200" cap="all" baseline="0">
+                <a:solidFill>
+                  <a:schemeClr val="tx1">
+                    <a:lumMod val="65000"/>
+                    <a:lumOff val="35000"/>
+                  </a:schemeClr>
+                </a:solidFill>
+                <a:latin typeface="+mn-lt"/>
+                <a:ea typeface="+mn-ea"/>
+                <a:cs typeface="+mn-cs"/>
+              </a:defRPr>
+            </a:pPr>
+            <a:r>
+              <a:rPr lang="en-US" sz="1000" baseline="0" dirty="0">
+                <a:solidFill>
+                  <a:schemeClr val="bg1"/>
+                </a:solidFill>
+              </a:rPr>
+              <a:t>CAR AGE </a:t>
+            </a:r>
+            <a:endParaRPr lang="en-US" sz="1000" dirty="0">
+              <a:solidFill>
+                <a:schemeClr val="bg1"/>
+              </a:solidFill>
+            </a:endParaRPr>
+          </a:p>
+        </c:rich>
+      </c:tx>
+      <c:overlay val="0"/>
+      <c:spPr>
+        <a:noFill/>
+        <a:ln>
+          <a:noFill/>
+        </a:ln>
+        <a:effectLst/>
+      </c:spPr>
+      <c:txPr>
+        <a:bodyPr rot="0" spcFirstLastPara="1" vertOverflow="ellipsis" vert="horz" wrap="square" anchor="ctr" anchorCtr="1"/>
+        <a:lstStyle/>
+        <a:p>
+          <a:pPr>
+            <a:defRPr sz="1800" b="1" i="0" u="none" strike="noStrike" kern="1200" cap="all" baseline="0">
+              <a:solidFill>
+                <a:schemeClr val="tx1">
+                  <a:lumMod val="65000"/>
+                  <a:lumOff val="35000"/>
+                </a:schemeClr>
+              </a:solidFill>
+              <a:latin typeface="+mn-lt"/>
+              <a:ea typeface="+mn-ea"/>
+              <a:cs typeface="+mn-cs"/>
+            </a:defRPr>
+          </a:pPr>
+          <a:endParaRPr lang="en-US"/>
+        </a:p>
+      </c:txPr>
+    </c:title>
+    <c:autoTitleDeleted val="0"/>
+    <c:view3D>
+      <c:rotX val="50"/>
+      <c:rotY val="344"/>
+      <c:depthPercent val="100"/>
+      <c:rAngAx val="0"/>
+    </c:view3D>
+    <c:floor>
+      <c:thickness val="0"/>
+      <c:spPr>
+        <a:noFill/>
+        <a:ln>
+          <a:noFill/>
+        </a:ln>
+        <a:effectLst/>
+        <a:sp3d/>
+      </c:spPr>
+    </c:floor>
+    <c:sideWall>
+      <c:thickness val="0"/>
+      <c:spPr>
+        <a:noFill/>
+        <a:ln>
+          <a:noFill/>
+        </a:ln>
+        <a:effectLst/>
+        <a:sp3d/>
+      </c:spPr>
+    </c:sideWall>
+    <c:backWall>
+      <c:thickness val="0"/>
+      <c:spPr>
+        <a:noFill/>
+        <a:ln>
+          <a:noFill/>
+        </a:ln>
+        <a:effectLst/>
+        <a:sp3d/>
+      </c:spPr>
+    </c:backWall>
+    <c:plotArea>
+      <c:layout/>
+      <c:pie3DChart>
+        <c:varyColors val="1"/>
+        <c:ser>
+          <c:idx val="0"/>
+          <c:order val="0"/>
+          <c:tx>
+            <c:strRef>
+              <c:f>[Book1]Sheet1!$B$1</c:f>
+              <c:strCache>
+                <c:ptCount val="1"/>
+                <c:pt idx="0">
+                  <c:v>COUNT</c:v>
+                </c:pt>
+              </c:strCache>
+            </c:strRef>
+          </c:tx>
+          <c:spPr>
+            <a:solidFill>
+              <a:srgbClr val="D6E5E3">
+                <a:alpha val="90000"/>
+              </a:srgbClr>
+            </a:solidFill>
+          </c:spPr>
+          <c:dPt>
+            <c:idx val="0"/>
+            <c:bubble3D val="0"/>
+            <c:spPr>
+              <a:solidFill>
+                <a:srgbClr val="D6E5E3">
+                  <a:alpha val="90000"/>
+                </a:srgbClr>
+              </a:solidFill>
+              <a:ln w="19050">
+                <a:solidFill>
+                  <a:schemeClr val="accent1">
+                    <a:lumMod val="75000"/>
+                  </a:schemeClr>
+                </a:solidFill>
+              </a:ln>
+              <a:effectLst>
+                <a:innerShdw blurRad="114300">
+                  <a:schemeClr val="accent1">
+                    <a:lumMod val="75000"/>
+                  </a:schemeClr>
+                </a:innerShdw>
+              </a:effectLst>
+              <a:scene3d>
+                <a:camera prst="orthographicFront"/>
+                <a:lightRig rig="threePt" dir="t"/>
+              </a:scene3d>
+              <a:sp3d contourW="19050" prstMaterial="flat">
+                <a:contourClr>
+                  <a:schemeClr val="accent1">
+                    <a:lumMod val="75000"/>
+                  </a:schemeClr>
+                </a:contourClr>
+              </a:sp3d>
+            </c:spPr>
+            <c:extLst>
+              <c:ext xmlns:c16="http://schemas.microsoft.com/office/drawing/2014/chart" uri="{C3380CC4-5D6E-409C-BE32-E72D297353CC}">
+                <c16:uniqueId val="{00000001-1BC5-404F-9A24-888E2263D4CF}"/>
+              </c:ext>
+            </c:extLst>
+          </c:dPt>
+          <c:dPt>
+            <c:idx val="1"/>
+            <c:bubble3D val="0"/>
+            <c:spPr>
+              <a:solidFill>
+                <a:srgbClr val="E34A6F">
+                  <a:alpha val="90000"/>
+                </a:srgbClr>
+              </a:solidFill>
+              <a:ln w="19050">
+                <a:solidFill>
+                  <a:schemeClr val="accent2">
+                    <a:lumMod val="75000"/>
+                  </a:schemeClr>
+                </a:solidFill>
+              </a:ln>
+              <a:effectLst>
+                <a:innerShdw blurRad="114300">
+                  <a:schemeClr val="accent2">
+                    <a:lumMod val="75000"/>
+                  </a:schemeClr>
+                </a:innerShdw>
+              </a:effectLst>
+              <a:scene3d>
+                <a:camera prst="orthographicFront"/>
+                <a:lightRig rig="threePt" dir="t"/>
+              </a:scene3d>
+              <a:sp3d contourW="19050" prstMaterial="flat">
+                <a:contourClr>
+                  <a:schemeClr val="accent2">
+                    <a:lumMod val="75000"/>
+                  </a:schemeClr>
+                </a:contourClr>
+              </a:sp3d>
+            </c:spPr>
+            <c:extLst>
+              <c:ext xmlns:c16="http://schemas.microsoft.com/office/drawing/2014/chart" uri="{C3380CC4-5D6E-409C-BE32-E72D297353CC}">
+                <c16:uniqueId val="{00000003-1BC5-404F-9A24-888E2263D4CF}"/>
+              </c:ext>
+            </c:extLst>
+          </c:dPt>
+          <c:dLbls>
+            <c:dLbl>
+              <c:idx val="0"/>
+              <c:delete val="1"/>
+              <c:extLst>
+                <c:ext xmlns:c15="http://schemas.microsoft.com/office/drawing/2012/chart" uri="{CE6537A1-D6FC-4f65-9D91-7224C49458BB}"/>
+                <c:ext xmlns:c16="http://schemas.microsoft.com/office/drawing/2014/chart" uri="{C3380CC4-5D6E-409C-BE32-E72D297353CC}">
+                  <c16:uniqueId val="{00000001-1BC5-404F-9A24-888E2263D4CF}"/>
+                </c:ext>
+              </c:extLst>
+            </c:dLbl>
+            <c:dLbl>
+              <c:idx val="1"/>
+              <c:layout>
+                <c:manualLayout>
+                  <c:x val="9.3824295163676658E-2"/>
+                  <c:y val="7.0292909658020652E-2"/>
+                </c:manualLayout>
+              </c:layout>
+              <c:tx>
+                <c:rich>
+                  <a:bodyPr rot="0" spcFirstLastPara="1" vertOverflow="clip" horzOverflow="clip" vert="horz" wrap="square" lIns="38100" tIns="19050" rIns="38100" bIns="19050" anchor="ctr" anchorCtr="1">
+                    <a:spAutoFit/>
+                  </a:bodyPr>
+                  <a:lstStyle/>
+                  <a:p>
+                    <a:pPr>
+                      <a:defRPr sz="1000" b="0" i="0" u="none" strike="noStrike" kern="1200" baseline="0">
+                        <a:solidFill>
+                          <a:schemeClr val="accent1"/>
+                        </a:solidFill>
+                        <a:effectLst/>
+                        <a:latin typeface="+mn-lt"/>
+                        <a:ea typeface="+mn-ea"/>
+                        <a:cs typeface="+mn-cs"/>
+                      </a:defRPr>
+                    </a:pPr>
+                    <a:r>
+                      <a:rPr lang="en-US" dirty="0"/>
+                      <a:t>MISSING</a:t>
+                    </a:r>
+                  </a:p>
+                </c:rich>
+              </c:tx>
+              <c:spPr>
+                <a:solidFill>
+                  <a:schemeClr val="lt1">
+                    <a:alpha val="90000"/>
+                  </a:schemeClr>
+                </a:solidFill>
+                <a:ln w="12700" cap="flat" cmpd="sng" algn="ctr">
+                  <a:solidFill>
+                    <a:schemeClr val="accent2"/>
+                  </a:solidFill>
+                  <a:round/>
+                </a:ln>
+                <a:effectLst>
+                  <a:outerShdw blurRad="50800" dist="38100" dir="2700000" algn="tl" rotWithShape="0">
+                    <a:schemeClr val="accent2">
+                      <a:lumMod val="75000"/>
+                      <a:alpha val="40000"/>
+                    </a:schemeClr>
+                  </a:outerShdw>
+                </a:effectLst>
+              </c:spPr>
+              <c:txPr>
+                <a:bodyPr rot="0" spcFirstLastPara="1" vertOverflow="clip" horzOverflow="clip" vert="horz" wrap="square" lIns="38100" tIns="19050" rIns="38100" bIns="19050" anchor="ctr" anchorCtr="1">
+                  <a:spAutoFit/>
+                </a:bodyPr>
+                <a:lstStyle/>
+                <a:p>
+                  <a:pPr>
+                    <a:defRPr sz="1000" b="0" i="0" u="none" strike="noStrike" kern="1200" baseline="0">
+                      <a:solidFill>
+                        <a:schemeClr val="accent1"/>
+                      </a:solidFill>
+                      <a:effectLst/>
+                      <a:latin typeface="+mn-lt"/>
+                      <a:ea typeface="+mn-ea"/>
+                      <a:cs typeface="+mn-cs"/>
+                    </a:defRPr>
+                  </a:pPr>
+                  <a:endParaRPr lang="en-US"/>
+                </a:p>
+              </c:txPr>
+              <c:dLblPos val="bestFit"/>
+              <c:showLegendKey val="0"/>
+              <c:showVal val="0"/>
+              <c:showCatName val="1"/>
+              <c:showSerName val="0"/>
+              <c:showPercent val="0"/>
+              <c:showBubbleSize val="0"/>
+              <c:extLst>
+                <c:ext xmlns:c15="http://schemas.microsoft.com/office/drawing/2012/chart" uri="{CE6537A1-D6FC-4f65-9D91-7224C49458BB}">
+                  <c15:layout>
+                    <c:manualLayout>
+                      <c:w val="0.31855636150930905"/>
+                      <c:h val="0.18102457537304043"/>
+                    </c:manualLayout>
+                  </c15:layout>
+                  <c15:showDataLabelsRange val="0"/>
+                </c:ext>
+                <c:ext xmlns:c16="http://schemas.microsoft.com/office/drawing/2014/chart" uri="{C3380CC4-5D6E-409C-BE32-E72D297353CC}">
+                  <c16:uniqueId val="{00000003-1BC5-404F-9A24-888E2263D4CF}"/>
+                </c:ext>
+              </c:extLst>
+            </c:dLbl>
+            <c:spPr>
+              <a:solidFill>
+                <a:sysClr val="window" lastClr="FFFFFF">
+                  <a:alpha val="90000"/>
+                </a:sysClr>
+              </a:solidFill>
+              <a:ln w="12700" cap="flat" cmpd="sng" algn="ctr">
+                <a:solidFill>
+                  <a:srgbClr val="4472C4"/>
+                </a:solidFill>
+                <a:round/>
+              </a:ln>
+              <a:effectLst>
+                <a:outerShdw blurRad="50800" dist="38100" dir="2700000" algn="tl" rotWithShape="0">
+                  <a:srgbClr val="4472C4">
+                    <a:lumMod val="75000"/>
+                    <a:alpha val="40000"/>
+                  </a:srgbClr>
+                </a:outerShdw>
+              </a:effectLst>
+            </c:spPr>
+            <c:dLblPos val="inEnd"/>
+            <c:showLegendKey val="0"/>
+            <c:showVal val="0"/>
+            <c:showCatName val="1"/>
+            <c:showSerName val="0"/>
+            <c:showPercent val="0"/>
+            <c:showBubbleSize val="0"/>
+            <c:showLeaderLines val="1"/>
+            <c:leaderLines>
+              <c:spPr>
+                <a:ln w="9525">
+                  <a:solidFill>
+                    <a:schemeClr val="tx1">
+                      <a:lumMod val="35000"/>
+                      <a:lumOff val="65000"/>
+                    </a:schemeClr>
+                  </a:solidFill>
+                </a:ln>
+                <a:effectLst/>
+              </c:spPr>
+            </c:leaderLines>
+            <c:extLst>
+              <c:ext xmlns:c15="http://schemas.microsoft.com/office/drawing/2012/chart" uri="{CE6537A1-D6FC-4f65-9D91-7224C49458BB}"/>
+            </c:extLst>
+          </c:dLbls>
+          <c:cat>
+            <c:strRef>
+              <c:f>[Book1]Sheet1!$A$2:$A$3</c:f>
+              <c:strCache>
+                <c:ptCount val="2"/>
+                <c:pt idx="0">
+                  <c:v>YES</c:v>
+                </c:pt>
+                <c:pt idx="1">
+                  <c:v>NO</c:v>
+                </c:pt>
+              </c:strCache>
+            </c:strRef>
+          </c:cat>
+          <c:val>
+            <c:numRef>
+              <c:f>[Book1]Sheet1!$B$2:$B$3</c:f>
+              <c:numCache>
+                <c:formatCode>General</c:formatCode>
+                <c:ptCount val="2"/>
+                <c:pt idx="0">
+                  <c:v>202793</c:v>
+                </c:pt>
+                <c:pt idx="1">
+                  <c:v>104499</c:v>
+                </c:pt>
+              </c:numCache>
+            </c:numRef>
+          </c:val>
+          <c:extLst>
+            <c:ext xmlns:c16="http://schemas.microsoft.com/office/drawing/2014/chart" uri="{C3380CC4-5D6E-409C-BE32-E72D297353CC}">
+              <c16:uniqueId val="{00000004-1BC5-404F-9A24-888E2263D4CF}"/>
+            </c:ext>
+          </c:extLst>
+        </c:ser>
+        <c:dLbls>
+          <c:dLblPos val="inEnd"/>
+          <c:showLegendKey val="0"/>
+          <c:showVal val="0"/>
+          <c:showCatName val="1"/>
+          <c:showSerName val="0"/>
+          <c:showPercent val="0"/>
+          <c:showBubbleSize val="0"/>
+          <c:showLeaderLines val="1"/>
+        </c:dLbls>
+      </c:pie3DChart>
+      <c:spPr>
+        <a:noFill/>
+        <a:ln>
+          <a:noFill/>
+        </a:ln>
+        <a:effectLst/>
+      </c:spPr>
+    </c:plotArea>
+    <c:plotVisOnly val="1"/>
+    <c:dispBlanksAs val="gap"/>
+    <c:extLst>
+      <c:ext xmlns:c16r3="http://schemas.microsoft.com/office/drawing/2017/03/chart" uri="{56B9EC1D-385E-4148-901F-78D8002777C0}">
+        <c16r3:dataDisplayOptions16>
+          <c16r3:dispNaAsBlank val="1"/>
+        </c16r3:dataDisplayOptions16>
+      </c:ext>
+    </c:extLst>
+    <c:showDLblsOverMax val="0"/>
+  </c:chart>
+  <c:spPr>
+    <a:noFill/>
+    <a:ln>
+      <a:solidFill>
+        <a:schemeClr val="bg1">
+          <a:lumMod val="50000"/>
+        </a:schemeClr>
+      </a:solidFill>
+    </a:ln>
+    <a:effectLst/>
+  </c:spPr>
+  <c:txPr>
+    <a:bodyPr/>
+    <a:lstStyle/>
+    <a:p>
+      <a:pPr>
+        <a:defRPr/>
+      </a:pPr>
+      <a:endParaRPr lang="en-US"/>
+    </a:p>
+  </c:txPr>
+  <c:externalData r:id="rId3">
+    <c:autoUpdate val="0"/>
+  </c:externalData>
+</c:chartSpace>
+</file>
+
+<file path=ppt/charts/chart5.xml><?xml version="1.0" encoding="utf-8"?>
+<c:chartSpace xmlns:c="http://schemas.openxmlformats.org/drawingml/2006/chart" xmlns:a="http://schemas.openxmlformats.org/drawingml/2006/main" xmlns:r="http://schemas.openxmlformats.org/officeDocument/2006/relationships" xmlns:c16r2="http://schemas.microsoft.com/office/drawing/2015/06/chart">
+  <c:date1904 val="0"/>
+  <c:lang val="en-US"/>
+  <c:roundedCorners val="0"/>
+  <mc:AlternateContent xmlns:mc="http://schemas.openxmlformats.org/markup-compatibility/2006">
+    <mc:Choice xmlns:c14="http://schemas.microsoft.com/office/drawing/2007/8/2/chart" Requires="c14">
+      <c14:style val="102"/>
+    </mc:Choice>
+    <mc:Fallback>
+      <c:style val="2"/>
+    </mc:Fallback>
+  </mc:AlternateContent>
+  <c:chart>
+    <c:title>
+      <c:tx>
+        <c:rich>
+          <a:bodyPr rot="0" spcFirstLastPara="1" vertOverflow="ellipsis" vert="horz" wrap="square" anchor="ctr" anchorCtr="1"/>
+          <a:lstStyle/>
+          <a:p>
+            <a:pPr>
+              <a:defRPr sz="1800" b="1" i="0" u="none" strike="noStrike" kern="1200" cap="all" baseline="0">
+                <a:solidFill>
+                  <a:schemeClr val="tx1">
+                    <a:lumMod val="65000"/>
+                    <a:lumOff val="35000"/>
+                  </a:schemeClr>
+                </a:solidFill>
+                <a:latin typeface="+mn-lt"/>
+                <a:ea typeface="+mn-ea"/>
+                <a:cs typeface="+mn-cs"/>
+              </a:defRPr>
+            </a:pPr>
+            <a:r>
+              <a:rPr lang="en-US" sz="1200" dirty="0">
+                <a:solidFill>
+                  <a:schemeClr val="bg1"/>
+                </a:solidFill>
+              </a:rPr>
+              <a:t>Own</a:t>
+            </a:r>
+            <a:r>
+              <a:rPr lang="en-US" sz="1200" baseline="0" dirty="0">
+                <a:solidFill>
+                  <a:schemeClr val="bg1"/>
+                </a:solidFill>
+              </a:rPr>
+              <a:t> a car or not</a:t>
+            </a:r>
+            <a:endParaRPr lang="en-US" sz="1200" dirty="0">
+              <a:solidFill>
+                <a:schemeClr val="bg1"/>
+              </a:solidFill>
+            </a:endParaRPr>
+          </a:p>
+        </c:rich>
+      </c:tx>
+      <c:overlay val="0"/>
+      <c:spPr>
+        <a:noFill/>
+        <a:ln>
+          <a:noFill/>
+        </a:ln>
+        <a:effectLst/>
+      </c:spPr>
+      <c:txPr>
+        <a:bodyPr rot="0" spcFirstLastPara="1" vertOverflow="ellipsis" vert="horz" wrap="square" anchor="ctr" anchorCtr="1"/>
+        <a:lstStyle/>
+        <a:p>
+          <a:pPr>
+            <a:defRPr sz="1800" b="1" i="0" u="none" strike="noStrike" kern="1200" cap="all" baseline="0">
+              <a:solidFill>
+                <a:schemeClr val="tx1">
+                  <a:lumMod val="65000"/>
+                  <a:lumOff val="35000"/>
+                </a:schemeClr>
+              </a:solidFill>
+              <a:latin typeface="+mn-lt"/>
+              <a:ea typeface="+mn-ea"/>
+              <a:cs typeface="+mn-cs"/>
+            </a:defRPr>
+          </a:pPr>
+          <a:endParaRPr lang="en-US"/>
+        </a:p>
+      </c:txPr>
+    </c:title>
+    <c:autoTitleDeleted val="0"/>
+    <c:view3D>
+      <c:rotX val="50"/>
+      <c:rotY val="0"/>
+      <c:depthPercent val="100"/>
+      <c:rAngAx val="0"/>
+    </c:view3D>
+    <c:floor>
+      <c:thickness val="0"/>
+      <c:spPr>
+        <a:noFill/>
+        <a:ln>
+          <a:noFill/>
+        </a:ln>
+        <a:effectLst/>
+        <a:sp3d/>
+      </c:spPr>
+    </c:floor>
+    <c:sideWall>
+      <c:thickness val="0"/>
+      <c:spPr>
+        <a:noFill/>
+        <a:ln>
+          <a:noFill/>
+        </a:ln>
+        <a:effectLst/>
+        <a:sp3d/>
+      </c:spPr>
+    </c:sideWall>
+    <c:backWall>
+      <c:thickness val="0"/>
+      <c:spPr>
+        <a:noFill/>
+        <a:ln>
+          <a:noFill/>
+        </a:ln>
+        <a:effectLst/>
+        <a:sp3d/>
+      </c:spPr>
+    </c:backWall>
+    <c:plotArea>
+      <c:layout/>
+      <c:pie3DChart>
+        <c:varyColors val="1"/>
+        <c:ser>
+          <c:idx val="0"/>
+          <c:order val="0"/>
+          <c:tx>
+            <c:strRef>
+              <c:f>Sheet1!$B$1</c:f>
+              <c:strCache>
+                <c:ptCount val="1"/>
+                <c:pt idx="0">
+                  <c:v>COUNT</c:v>
+                </c:pt>
+              </c:strCache>
+            </c:strRef>
+          </c:tx>
+          <c:dPt>
+            <c:idx val="0"/>
+            <c:bubble3D val="0"/>
+            <c:spPr>
+              <a:solidFill>
+                <a:schemeClr val="accent1">
+                  <a:lumMod val="20000"/>
+                  <a:lumOff val="80000"/>
+                </a:schemeClr>
+              </a:solidFill>
+              <a:ln w="19050">
+                <a:solidFill>
+                  <a:schemeClr val="accent1">
+                    <a:lumMod val="75000"/>
+                  </a:schemeClr>
+                </a:solidFill>
+              </a:ln>
+              <a:effectLst>
+                <a:innerShdw blurRad="114300">
+                  <a:schemeClr val="accent1">
+                    <a:lumMod val="75000"/>
+                  </a:schemeClr>
+                </a:innerShdw>
+              </a:effectLst>
+              <a:scene3d>
+                <a:camera prst="orthographicFront"/>
+                <a:lightRig rig="threePt" dir="t"/>
+              </a:scene3d>
+              <a:sp3d contourW="19050" prstMaterial="flat">
+                <a:contourClr>
+                  <a:schemeClr val="accent1">
+                    <a:lumMod val="75000"/>
+                  </a:schemeClr>
+                </a:contourClr>
+              </a:sp3d>
+            </c:spPr>
+            <c:extLst>
+              <c:ext xmlns:c16="http://schemas.microsoft.com/office/drawing/2014/chart" uri="{C3380CC4-5D6E-409C-BE32-E72D297353CC}">
+                <c16:uniqueId val="{00000001-1E46-49FE-9082-26B554ECA776}"/>
+              </c:ext>
+            </c:extLst>
+          </c:dPt>
+          <c:dPt>
+            <c:idx val="1"/>
+            <c:bubble3D val="0"/>
+            <c:spPr>
+              <a:solidFill>
+                <a:schemeClr val="accent2">
+                  <a:alpha val="90000"/>
+                </a:schemeClr>
+              </a:solidFill>
+              <a:ln w="19050">
+                <a:solidFill>
+                  <a:srgbClr val="FF0000"/>
+                </a:solidFill>
+              </a:ln>
+              <a:effectLst>
+                <a:innerShdw blurRad="114300">
+                  <a:schemeClr val="accent2">
+                    <a:lumMod val="75000"/>
+                  </a:schemeClr>
+                </a:innerShdw>
+              </a:effectLst>
+              <a:scene3d>
+                <a:camera prst="orthographicFront"/>
+                <a:lightRig rig="threePt" dir="t"/>
+              </a:scene3d>
+              <a:sp3d contourW="19050" prstMaterial="flat">
+                <a:contourClr>
+                  <a:srgbClr val="FF0000"/>
+                </a:contourClr>
+              </a:sp3d>
+            </c:spPr>
+            <c:extLst>
+              <c:ext xmlns:c16="http://schemas.microsoft.com/office/drawing/2014/chart" uri="{C3380CC4-5D6E-409C-BE32-E72D297353CC}">
+                <c16:uniqueId val="{00000003-1E46-49FE-9082-26B554ECA776}"/>
+              </c:ext>
+            </c:extLst>
+          </c:dPt>
+          <c:dLbls>
+            <c:dLbl>
+              <c:idx val="0"/>
+              <c:spPr>
+                <a:solidFill>
+                  <a:schemeClr val="lt1">
+                    <a:alpha val="90000"/>
+                  </a:schemeClr>
+                </a:solidFill>
+                <a:ln w="12700" cap="flat" cmpd="sng" algn="ctr">
+                  <a:solidFill>
+                    <a:schemeClr val="accent1"/>
+                  </a:solidFill>
+                  <a:round/>
+                </a:ln>
+                <a:effectLst>
+                  <a:outerShdw blurRad="50800" dist="38100" dir="2700000" algn="tl" rotWithShape="0">
+                    <a:schemeClr val="accent1">
+                      <a:lumMod val="75000"/>
+                      <a:alpha val="40000"/>
+                    </a:schemeClr>
+                  </a:outerShdw>
+                </a:effectLst>
+              </c:spPr>
+              <c:txPr>
+                <a:bodyPr rot="0" spcFirstLastPara="1" vertOverflow="clip" horzOverflow="clip" vert="horz" wrap="square" lIns="38100" tIns="19050" rIns="38100" bIns="19050" anchor="ctr" anchorCtr="1">
+                  <a:spAutoFit/>
+                </a:bodyPr>
+                <a:lstStyle/>
+                <a:p>
+                  <a:pPr>
+                    <a:defRPr sz="1000" b="0" i="0" u="none" strike="noStrike" kern="1200" baseline="0">
+                      <a:solidFill>
+                        <a:schemeClr val="accent1"/>
+                      </a:solidFill>
+                      <a:effectLst/>
+                      <a:latin typeface="+mn-lt"/>
+                      <a:ea typeface="+mn-ea"/>
+                      <a:cs typeface="+mn-cs"/>
+                    </a:defRPr>
+                  </a:pPr>
+                  <a:endParaRPr lang="en-US"/>
+                </a:p>
+              </c:txPr>
+              <c:dLblPos val="inEnd"/>
+              <c:showLegendKey val="0"/>
+              <c:showVal val="0"/>
+              <c:showCatName val="1"/>
+              <c:showSerName val="0"/>
+              <c:showPercent val="0"/>
+              <c:showBubbleSize val="0"/>
+              <c:extLst>
+                <c:ext xmlns:c16="http://schemas.microsoft.com/office/drawing/2014/chart" uri="{C3380CC4-5D6E-409C-BE32-E72D297353CC}">
+                  <c16:uniqueId val="{00000001-1E46-49FE-9082-26B554ECA776}"/>
+                </c:ext>
+              </c:extLst>
+            </c:dLbl>
+            <c:dLbl>
+              <c:idx val="1"/>
+              <c:spPr>
+                <a:solidFill>
+                  <a:schemeClr val="lt1">
+                    <a:alpha val="90000"/>
+                  </a:schemeClr>
+                </a:solidFill>
+                <a:ln w="12700" cap="flat" cmpd="sng" algn="ctr">
+                  <a:solidFill>
+                    <a:schemeClr val="accent2"/>
+                  </a:solidFill>
+                  <a:round/>
+                </a:ln>
+                <a:effectLst>
+                  <a:outerShdw blurRad="50800" dist="38100" dir="2700000" algn="tl" rotWithShape="0">
+                    <a:schemeClr val="accent2">
+                      <a:lumMod val="75000"/>
+                      <a:alpha val="40000"/>
+                    </a:schemeClr>
+                  </a:outerShdw>
+                </a:effectLst>
+              </c:spPr>
+              <c:txPr>
+                <a:bodyPr rot="0" spcFirstLastPara="1" vertOverflow="clip" horzOverflow="clip" vert="horz" wrap="square" lIns="38100" tIns="19050" rIns="38100" bIns="19050" anchor="ctr" anchorCtr="1">
+                  <a:spAutoFit/>
+                </a:bodyPr>
+                <a:lstStyle/>
+                <a:p>
+                  <a:pPr>
+                    <a:defRPr sz="1000" b="0" i="0" u="none" strike="noStrike" kern="1200" baseline="0">
+                      <a:solidFill>
+                        <a:schemeClr val="accent2"/>
+                      </a:solidFill>
+                      <a:effectLst/>
+                      <a:latin typeface="+mn-lt"/>
+                      <a:ea typeface="+mn-ea"/>
+                      <a:cs typeface="+mn-cs"/>
+                    </a:defRPr>
+                  </a:pPr>
+                  <a:endParaRPr lang="en-US"/>
+                </a:p>
+              </c:txPr>
+              <c:dLblPos val="inEnd"/>
+              <c:showLegendKey val="0"/>
+              <c:showVal val="0"/>
+              <c:showCatName val="1"/>
+              <c:showSerName val="0"/>
+              <c:showPercent val="0"/>
+              <c:showBubbleSize val="0"/>
+              <c:extLst>
+                <c:ext xmlns:c16="http://schemas.microsoft.com/office/drawing/2014/chart" uri="{C3380CC4-5D6E-409C-BE32-E72D297353CC}">
+                  <c16:uniqueId val="{00000003-1E46-49FE-9082-26B554ECA776}"/>
+                </c:ext>
+              </c:extLst>
+            </c:dLbl>
+            <c:spPr>
+              <a:solidFill>
+                <a:sysClr val="window" lastClr="FFFFFF">
+                  <a:alpha val="90000"/>
+                </a:sysClr>
+              </a:solidFill>
+              <a:ln w="12700" cap="flat" cmpd="sng" algn="ctr">
+                <a:solidFill>
+                  <a:srgbClr val="4472C4"/>
+                </a:solidFill>
+                <a:round/>
+              </a:ln>
+              <a:effectLst>
+                <a:outerShdw blurRad="50800" dist="38100" dir="2700000" algn="tl" rotWithShape="0">
+                  <a:srgbClr val="4472C4">
+                    <a:lumMod val="75000"/>
+                    <a:alpha val="40000"/>
+                  </a:srgbClr>
+                </a:outerShdw>
+              </a:effectLst>
+            </c:spPr>
+            <c:dLblPos val="inEnd"/>
+            <c:showLegendKey val="0"/>
+            <c:showVal val="0"/>
+            <c:showCatName val="1"/>
+            <c:showSerName val="0"/>
+            <c:showPercent val="0"/>
+            <c:showBubbleSize val="0"/>
+            <c:showLeaderLines val="1"/>
+            <c:leaderLines>
+              <c:spPr>
+                <a:ln w="9525">
+                  <a:solidFill>
+                    <a:schemeClr val="tx1">
+                      <a:lumMod val="35000"/>
+                      <a:lumOff val="65000"/>
+                    </a:schemeClr>
+                  </a:solidFill>
+                </a:ln>
+                <a:effectLst/>
+              </c:spPr>
+            </c:leaderLines>
+            <c:extLst>
+              <c:ext xmlns:c15="http://schemas.microsoft.com/office/drawing/2012/chart" uri="{CE6537A1-D6FC-4f65-9D91-7224C49458BB}"/>
+            </c:extLst>
+          </c:dLbls>
+          <c:cat>
+            <c:strRef>
+              <c:f>Sheet1!$A$2:$A$3</c:f>
+              <c:strCache>
+                <c:ptCount val="2"/>
+                <c:pt idx="0">
+                  <c:v>YES</c:v>
+                </c:pt>
+                <c:pt idx="1">
+                  <c:v>NO</c:v>
+                </c:pt>
+              </c:strCache>
+            </c:strRef>
+          </c:cat>
+          <c:val>
+            <c:numRef>
+              <c:f>Sheet1!$B$2:$B$3</c:f>
+              <c:numCache>
+                <c:formatCode>General</c:formatCode>
+                <c:ptCount val="2"/>
+                <c:pt idx="0">
+                  <c:v>202793</c:v>
+                </c:pt>
+                <c:pt idx="1">
+                  <c:v>104499</c:v>
+                </c:pt>
+              </c:numCache>
+            </c:numRef>
+          </c:val>
+          <c:extLst>
+            <c:ext xmlns:c16="http://schemas.microsoft.com/office/drawing/2014/chart" uri="{C3380CC4-5D6E-409C-BE32-E72D297353CC}">
+              <c16:uniqueId val="{00000004-1E46-49FE-9082-26B554ECA776}"/>
+            </c:ext>
+          </c:extLst>
+        </c:ser>
+        <c:dLbls>
+          <c:dLblPos val="inEnd"/>
+          <c:showLegendKey val="0"/>
+          <c:showVal val="0"/>
+          <c:showCatName val="1"/>
+          <c:showSerName val="0"/>
+          <c:showPercent val="0"/>
+          <c:showBubbleSize val="0"/>
+          <c:showLeaderLines val="1"/>
+        </c:dLbls>
+      </c:pie3DChart>
+      <c:spPr>
+        <a:noFill/>
+        <a:ln>
+          <a:noFill/>
+        </a:ln>
+        <a:effectLst/>
+      </c:spPr>
+    </c:plotArea>
+    <c:plotVisOnly val="1"/>
+    <c:dispBlanksAs val="gap"/>
+    <c:extLst>
+      <c:ext xmlns:c16r3="http://schemas.microsoft.com/office/drawing/2017/03/chart" uri="{56B9EC1D-385E-4148-901F-78D8002777C0}">
+        <c16r3:dataDisplayOptions16>
+          <c16r3:dispNaAsBlank val="1"/>
+        </c16r3:dataDisplayOptions16>
+      </c:ext>
+    </c:extLst>
+    <c:showDLblsOverMax val="0"/>
+  </c:chart>
+  <c:spPr>
+    <a:noFill/>
+    <a:ln>
+      <a:solidFill>
+        <a:schemeClr val="bg2">
+          <a:lumMod val="90000"/>
+        </a:schemeClr>
       </a:solidFill>
     </a:ln>
     <a:effectLst/>
@@ -1185,6 +2100,86 @@
 </file>
 
 <file path=ppt/charts/colors3.xml><?xml version="1.0" encoding="utf-8"?>
+<cs:colorStyle xmlns:cs="http://schemas.microsoft.com/office/drawing/2012/chartStyle" xmlns:a="http://schemas.openxmlformats.org/drawingml/2006/main" meth="cycle" id="10">
+  <a:schemeClr val="accent1"/>
+  <a:schemeClr val="accent2"/>
+  <a:schemeClr val="accent3"/>
+  <a:schemeClr val="accent4"/>
+  <a:schemeClr val="accent5"/>
+  <a:schemeClr val="accent6"/>
+  <cs:variation/>
+  <cs:variation>
+    <a:lumMod val="60000"/>
+  </cs:variation>
+  <cs:variation>
+    <a:lumMod val="80000"/>
+    <a:lumOff val="20000"/>
+  </cs:variation>
+  <cs:variation>
+    <a:lumMod val="80000"/>
+  </cs:variation>
+  <cs:variation>
+    <a:lumMod val="60000"/>
+    <a:lumOff val="40000"/>
+  </cs:variation>
+  <cs:variation>
+    <a:lumMod val="50000"/>
+  </cs:variation>
+  <cs:variation>
+    <a:lumMod val="70000"/>
+    <a:lumOff val="30000"/>
+  </cs:variation>
+  <cs:variation>
+    <a:lumMod val="70000"/>
+  </cs:variation>
+  <cs:variation>
+    <a:lumMod val="50000"/>
+    <a:lumOff val="50000"/>
+  </cs:variation>
+</cs:colorStyle>
+</file>
+
+<file path=ppt/charts/colors4.xml><?xml version="1.0" encoding="utf-8"?>
+<cs:colorStyle xmlns:cs="http://schemas.microsoft.com/office/drawing/2012/chartStyle" xmlns:a="http://schemas.openxmlformats.org/drawingml/2006/main" meth="cycle" id="10">
+  <a:schemeClr val="accent1"/>
+  <a:schemeClr val="accent2"/>
+  <a:schemeClr val="accent3"/>
+  <a:schemeClr val="accent4"/>
+  <a:schemeClr val="accent5"/>
+  <a:schemeClr val="accent6"/>
+  <cs:variation/>
+  <cs:variation>
+    <a:lumMod val="60000"/>
+  </cs:variation>
+  <cs:variation>
+    <a:lumMod val="80000"/>
+    <a:lumOff val="20000"/>
+  </cs:variation>
+  <cs:variation>
+    <a:lumMod val="80000"/>
+  </cs:variation>
+  <cs:variation>
+    <a:lumMod val="60000"/>
+    <a:lumOff val="40000"/>
+  </cs:variation>
+  <cs:variation>
+    <a:lumMod val="50000"/>
+  </cs:variation>
+  <cs:variation>
+    <a:lumMod val="70000"/>
+    <a:lumOff val="30000"/>
+  </cs:variation>
+  <cs:variation>
+    <a:lumMod val="70000"/>
+  </cs:variation>
+  <cs:variation>
+    <a:lumMod val="50000"/>
+    <a:lumOff val="50000"/>
+  </cs:variation>
+</cs:colorStyle>
+</file>
+
+<file path=ppt/charts/colors5.xml><?xml version="1.0" encoding="utf-8"?>
 <cs:colorStyle xmlns:cs="http://schemas.microsoft.com/office/drawing/2012/chartStyle" xmlns:a="http://schemas.openxmlformats.org/drawingml/2006/main" meth="cycle" id="10">
   <a:schemeClr val="accent1"/>
   <a:schemeClr val="accent2"/>
@@ -2765,6 +3760,1142 @@
 </cs:chartStyle>
 </file>
 
+<file path=ppt/charts/style4.xml><?xml version="1.0" encoding="utf-8"?>
+<cs:chartStyle xmlns:cs="http://schemas.microsoft.com/office/drawing/2012/chartStyle" xmlns:a="http://schemas.openxmlformats.org/drawingml/2006/main" id="263">
+  <cs:axisTitle>
+    <cs:lnRef idx="0"/>
+    <cs:fillRef idx="0"/>
+    <cs:effectRef idx="0"/>
+    <cs:fontRef idx="minor">
+      <a:schemeClr val="tx1">
+        <a:lumMod val="50000"/>
+        <a:lumOff val="50000"/>
+      </a:schemeClr>
+    </cs:fontRef>
+    <cs:defRPr sz="900" kern="1200"/>
+  </cs:axisTitle>
+  <cs:categoryAxis>
+    <cs:lnRef idx="0"/>
+    <cs:fillRef idx="0"/>
+    <cs:effectRef idx="0"/>
+    <cs:fontRef idx="minor">
+      <a:schemeClr val="tx1">
+        <a:lumMod val="65000"/>
+        <a:lumOff val="35000"/>
+      </a:schemeClr>
+    </cs:fontRef>
+    <cs:spPr>
+      <a:ln w="15875" cap="flat" cmpd="sng" algn="ctr">
+        <a:solidFill>
+          <a:schemeClr val="tx1">
+            <a:lumMod val="25000"/>
+            <a:lumOff val="75000"/>
+          </a:schemeClr>
+        </a:solidFill>
+        <a:round/>
+      </a:ln>
+    </cs:spPr>
+    <cs:defRPr sz="900" kern="1200"/>
+  </cs:categoryAxis>
+  <cs:chartArea mods="allowNoFillOverride allowNoLineOverride">
+    <cs:lnRef idx="0"/>
+    <cs:fillRef idx="0"/>
+    <cs:effectRef idx="0"/>
+    <cs:fontRef idx="minor">
+      <a:schemeClr val="tx1"/>
+    </cs:fontRef>
+    <cs:spPr>
+      <a:solidFill>
+        <a:schemeClr val="bg1"/>
+      </a:solidFill>
+      <a:ln w="9525" cap="flat" cmpd="sng" algn="ctr">
+        <a:solidFill>
+          <a:schemeClr val="tx1">
+            <a:lumMod val="15000"/>
+            <a:lumOff val="85000"/>
+          </a:schemeClr>
+        </a:solidFill>
+        <a:round/>
+      </a:ln>
+    </cs:spPr>
+    <cs:defRPr sz="1000" kern="1200"/>
+  </cs:chartArea>
+  <cs:dataLabel>
+    <cs:lnRef idx="0">
+      <cs:styleClr val="auto"/>
+    </cs:lnRef>
+    <cs:fillRef idx="0"/>
+    <cs:effectRef idx="0">
+      <cs:styleClr val="auto"/>
+    </cs:effectRef>
+    <cs:fontRef idx="minor">
+      <cs:styleClr val="auto"/>
+    </cs:fontRef>
+    <cs:spPr>
+      <a:solidFill>
+        <a:schemeClr val="lt1">
+          <a:alpha val="90000"/>
+        </a:schemeClr>
+      </a:solidFill>
+      <a:ln w="12700" cap="flat" cmpd="sng" algn="ctr">
+        <a:solidFill>
+          <a:schemeClr val="phClr"/>
+        </a:solidFill>
+        <a:round/>
+      </a:ln>
+      <a:effectLst>
+        <a:outerShdw blurRad="50800" dist="38100" dir="2700000" algn="tl" rotWithShape="0">
+          <a:schemeClr val="phClr">
+            <a:lumMod val="75000"/>
+            <a:alpha val="40000"/>
+          </a:schemeClr>
+        </a:outerShdw>
+      </a:effectLst>
+    </cs:spPr>
+    <cs:defRPr sz="1000" b="0" i="0" u="none" strike="noStrike" kern="1200" baseline="0">
+      <a:effectLst/>
+    </cs:defRPr>
+    <cs:bodyPr rot="0" spcFirstLastPara="1" vertOverflow="clip" horzOverflow="clip" vert="horz" wrap="square" lIns="38100" tIns="19050" rIns="38100" bIns="19050" anchor="ctr" anchorCtr="1">
+      <a:spAutoFit/>
+    </cs:bodyPr>
+  </cs:dataLabel>
+  <cs:dataLabelCallout>
+    <cs:lnRef idx="0">
+      <cs:styleClr val="auto"/>
+    </cs:lnRef>
+    <cs:fillRef idx="0"/>
+    <cs:effectRef idx="0">
+      <cs:styleClr val="auto"/>
+    </cs:effectRef>
+    <cs:fontRef idx="minor">
+      <cs:styleClr val="auto"/>
+    </cs:fontRef>
+    <cs:spPr>
+      <a:solidFill>
+        <a:schemeClr val="lt1">
+          <a:alpha val="90000"/>
+        </a:schemeClr>
+      </a:solidFill>
+      <a:ln w="12700" cap="flat" cmpd="sng" algn="ctr">
+        <a:solidFill>
+          <a:schemeClr val="phClr"/>
+        </a:solidFill>
+        <a:round/>
+      </a:ln>
+      <a:effectLst>
+        <a:outerShdw blurRad="50800" dist="38100" dir="2700000" algn="tl" rotWithShape="0">
+          <a:schemeClr val="phClr">
+            <a:lumMod val="75000"/>
+            <a:alpha val="40000"/>
+          </a:schemeClr>
+        </a:outerShdw>
+      </a:effectLst>
+    </cs:spPr>
+    <cs:defRPr sz="1000" b="0" i="0" u="none" strike="noStrike" kern="1200" baseline="0">
+      <a:effectLst/>
+    </cs:defRPr>
+    <cs:bodyPr rot="0" spcFirstLastPara="1" vertOverflow="clip" horzOverflow="clip" vert="horz" wrap="square" lIns="36576" tIns="18288" rIns="36576" bIns="18288" anchor="ctr" anchorCtr="1">
+      <a:spAutoFit/>
+    </cs:bodyPr>
+  </cs:dataLabelCallout>
+  <cs:dataPoint>
+    <cs:lnRef idx="0"/>
+    <cs:fillRef idx="0">
+      <cs:styleClr val="auto"/>
+    </cs:fillRef>
+    <cs:effectRef idx="0"/>
+    <cs:fontRef idx="minor">
+      <a:schemeClr val="tx1"/>
+    </cs:fontRef>
+    <cs:spPr>
+      <a:solidFill>
+        <a:schemeClr val="phClr">
+          <a:alpha val="70000"/>
+        </a:schemeClr>
+      </a:solidFill>
+    </cs:spPr>
+  </cs:dataPoint>
+  <cs:dataPoint3D>
+    <cs:lnRef idx="0">
+      <cs:styleClr val="auto"/>
+    </cs:lnRef>
+    <cs:fillRef idx="0">
+      <cs:styleClr val="auto"/>
+    </cs:fillRef>
+    <cs:effectRef idx="0">
+      <cs:styleClr val="auto"/>
+    </cs:effectRef>
+    <cs:fontRef idx="minor">
+      <a:schemeClr val="tx1"/>
+    </cs:fontRef>
+    <cs:spPr>
+      <a:solidFill>
+        <a:schemeClr val="phClr">
+          <a:alpha val="90000"/>
+        </a:schemeClr>
+      </a:solidFill>
+      <a:ln w="19050">
+        <a:solidFill>
+          <a:schemeClr val="phClr">
+            <a:lumMod val="75000"/>
+          </a:schemeClr>
+        </a:solidFill>
+      </a:ln>
+      <a:effectLst>
+        <a:innerShdw blurRad="114300">
+          <a:schemeClr val="phClr">
+            <a:lumMod val="75000"/>
+          </a:schemeClr>
+        </a:innerShdw>
+      </a:effectLst>
+      <a:scene3d>
+        <a:camera prst="orthographicFront"/>
+        <a:lightRig rig="threePt" dir="t"/>
+      </a:scene3d>
+      <a:sp3d contourW="19050" prstMaterial="flat">
+        <a:contourClr>
+          <a:schemeClr val="accent4">
+            <a:lumMod val="75000"/>
+          </a:schemeClr>
+        </a:contourClr>
+      </a:sp3d>
+    </cs:spPr>
+  </cs:dataPoint3D>
+  <cs:dataPointLine>
+    <cs:lnRef idx="0">
+      <cs:styleClr val="auto"/>
+    </cs:lnRef>
+    <cs:fillRef idx="0"/>
+    <cs:effectRef idx="0"/>
+    <cs:fontRef idx="minor">
+      <a:schemeClr val="tx1"/>
+    </cs:fontRef>
+    <cs:spPr>
+      <a:ln w="28575" cap="rnd">
+        <a:solidFill>
+          <a:schemeClr val="phClr"/>
+        </a:solidFill>
+        <a:round/>
+      </a:ln>
+    </cs:spPr>
+  </cs:dataPointLine>
+  <cs:dataPointMarker>
+    <cs:lnRef idx="0"/>
+    <cs:fillRef idx="0">
+      <cs:styleClr val="auto"/>
+    </cs:fillRef>
+    <cs:effectRef idx="0"/>
+    <cs:fontRef idx="minor">
+      <a:schemeClr val="tx1"/>
+    </cs:fontRef>
+    <cs:spPr>
+      <a:solidFill>
+        <a:schemeClr val="phClr"/>
+      </a:solidFill>
+      <a:ln w="9525">
+        <a:solidFill>
+          <a:schemeClr val="lt1"/>
+        </a:solidFill>
+      </a:ln>
+    </cs:spPr>
+  </cs:dataPointMarker>
+  <cs:dataPointMarkerLayout symbol="circle" size="6"/>
+  <cs:dataPointWireframe>
+    <cs:lnRef idx="0">
+      <cs:styleClr val="auto"/>
+    </cs:lnRef>
+    <cs:fillRef idx="0"/>
+    <cs:effectRef idx="0"/>
+    <cs:fontRef idx="minor">
+      <a:schemeClr val="tx1"/>
+    </cs:fontRef>
+    <cs:spPr>
+      <a:ln w="9525" cap="rnd">
+        <a:solidFill>
+          <a:schemeClr val="phClr"/>
+        </a:solidFill>
+        <a:round/>
+      </a:ln>
+    </cs:spPr>
+  </cs:dataPointWireframe>
+  <cs:dataTable>
+    <cs:lnRef idx="0"/>
+    <cs:fillRef idx="0"/>
+    <cs:effectRef idx="0"/>
+    <cs:fontRef idx="minor">
+      <a:schemeClr val="tx1">
+        <a:lumMod val="65000"/>
+        <a:lumOff val="35000"/>
+      </a:schemeClr>
+    </cs:fontRef>
+    <cs:spPr>
+      <a:ln w="9525">
+        <a:solidFill>
+          <a:schemeClr val="tx1">
+            <a:lumMod val="15000"/>
+            <a:lumOff val="85000"/>
+          </a:schemeClr>
+        </a:solidFill>
+      </a:ln>
+    </cs:spPr>
+    <cs:defRPr sz="900" kern="1200"/>
+  </cs:dataTable>
+  <cs:downBar>
+    <cs:lnRef idx="0"/>
+    <cs:fillRef idx="0"/>
+    <cs:effectRef idx="0"/>
+    <cs:fontRef idx="minor">
+      <a:schemeClr val="dk1"/>
+    </cs:fontRef>
+    <cs:spPr>
+      <a:solidFill>
+        <a:schemeClr val="dk1">
+          <a:lumMod val="75000"/>
+          <a:lumOff val="25000"/>
+        </a:schemeClr>
+      </a:solidFill>
+      <a:ln w="9525">
+        <a:solidFill>
+          <a:schemeClr val="tx1">
+            <a:lumMod val="65000"/>
+            <a:lumOff val="35000"/>
+          </a:schemeClr>
+        </a:solidFill>
+      </a:ln>
+    </cs:spPr>
+  </cs:downBar>
+  <cs:dropLine>
+    <cs:lnRef idx="0"/>
+    <cs:fillRef idx="0"/>
+    <cs:effectRef idx="0"/>
+    <cs:fontRef idx="minor">
+      <a:schemeClr val="dk1"/>
+    </cs:fontRef>
+    <cs:spPr>
+      <a:ln w="9525">
+        <a:solidFill>
+          <a:schemeClr val="tx1">
+            <a:lumMod val="35000"/>
+            <a:lumOff val="65000"/>
+          </a:schemeClr>
+        </a:solidFill>
+        <a:round/>
+      </a:ln>
+    </cs:spPr>
+  </cs:dropLine>
+  <cs:errorBar>
+    <cs:lnRef idx="0"/>
+    <cs:fillRef idx="0"/>
+    <cs:effectRef idx="0"/>
+    <cs:fontRef idx="minor">
+      <a:schemeClr val="dk1"/>
+    </cs:fontRef>
+    <cs:spPr>
+      <a:ln w="9525">
+        <a:solidFill>
+          <a:schemeClr val="tx1">
+            <a:lumMod val="65000"/>
+            <a:lumOff val="35000"/>
+          </a:schemeClr>
+        </a:solidFill>
+        <a:round/>
+      </a:ln>
+    </cs:spPr>
+  </cs:errorBar>
+  <cs:floor>
+    <cs:lnRef idx="0"/>
+    <cs:fillRef idx="0"/>
+    <cs:effectRef idx="0"/>
+    <cs:fontRef idx="minor">
+      <a:schemeClr val="dk1"/>
+    </cs:fontRef>
+  </cs:floor>
+  <cs:gridlineMajor>
+    <cs:lnRef idx="0"/>
+    <cs:fillRef idx="0"/>
+    <cs:effectRef idx="0"/>
+    <cs:fontRef idx="minor">
+      <a:schemeClr val="dk1"/>
+    </cs:fontRef>
+    <cs:spPr>
+      <a:ln w="9525" cap="flat" cmpd="sng" algn="ctr">
+        <a:solidFill>
+          <a:schemeClr val="tx1">
+            <a:lumMod val="5000"/>
+            <a:lumOff val="95000"/>
+          </a:schemeClr>
+        </a:solidFill>
+        <a:round/>
+      </a:ln>
+    </cs:spPr>
+  </cs:gridlineMajor>
+  <cs:gridlineMinor>
+    <cs:lnRef idx="0"/>
+    <cs:fillRef idx="0"/>
+    <cs:effectRef idx="0"/>
+    <cs:fontRef idx="minor">
+      <a:schemeClr val="dk1"/>
+    </cs:fontRef>
+    <cs:spPr>
+      <a:ln>
+        <a:solidFill>
+          <a:schemeClr val="tx1">
+            <a:lumMod val="5000"/>
+            <a:lumOff val="95000"/>
+          </a:schemeClr>
+        </a:solidFill>
+      </a:ln>
+    </cs:spPr>
+  </cs:gridlineMinor>
+  <cs:hiLoLine>
+    <cs:lnRef idx="0"/>
+    <cs:fillRef idx="0"/>
+    <cs:effectRef idx="0"/>
+    <cs:fontRef idx="minor">
+      <a:schemeClr val="dk1"/>
+    </cs:fontRef>
+    <cs:spPr>
+      <a:ln w="9525">
+        <a:solidFill>
+          <a:schemeClr val="tx1">
+            <a:lumMod val="35000"/>
+            <a:lumOff val="65000"/>
+          </a:schemeClr>
+        </a:solidFill>
+        <a:round/>
+      </a:ln>
+    </cs:spPr>
+  </cs:hiLoLine>
+  <cs:leaderLine>
+    <cs:lnRef idx="0"/>
+    <cs:fillRef idx="0"/>
+    <cs:effectRef idx="0"/>
+    <cs:fontRef idx="minor">
+      <a:schemeClr val="dk1"/>
+    </cs:fontRef>
+    <cs:spPr>
+      <a:ln w="9525">
+        <a:solidFill>
+          <a:schemeClr val="tx1">
+            <a:lumMod val="35000"/>
+            <a:lumOff val="65000"/>
+          </a:schemeClr>
+        </a:solidFill>
+      </a:ln>
+    </cs:spPr>
+  </cs:leaderLine>
+  <cs:legend>
+    <cs:lnRef idx="0"/>
+    <cs:fillRef idx="0"/>
+    <cs:effectRef idx="0"/>
+    <cs:fontRef idx="minor">
+      <a:schemeClr val="tx1">
+        <a:lumMod val="50000"/>
+        <a:lumOff val="50000"/>
+      </a:schemeClr>
+    </cs:fontRef>
+    <cs:defRPr sz="900" kern="1200"/>
+  </cs:legend>
+  <cs:plotArea mods="allowNoFillOverride allowNoLineOverride">
+    <cs:lnRef idx="0"/>
+    <cs:fillRef idx="0"/>
+    <cs:effectRef idx="0"/>
+    <cs:fontRef idx="minor">
+      <a:schemeClr val="tx1"/>
+    </cs:fontRef>
+  </cs:plotArea>
+  <cs:plotArea3D mods="allowNoFillOverride allowNoLineOverride">
+    <cs:lnRef idx="0"/>
+    <cs:fillRef idx="0"/>
+    <cs:effectRef idx="0"/>
+    <cs:fontRef idx="minor">
+      <a:schemeClr val="tx1"/>
+    </cs:fontRef>
+  </cs:plotArea3D>
+  <cs:seriesAxis>
+    <cs:lnRef idx="0"/>
+    <cs:fillRef idx="0"/>
+    <cs:effectRef idx="0"/>
+    <cs:fontRef idx="minor">
+      <a:schemeClr val="tx1">
+        <a:lumMod val="65000"/>
+        <a:lumOff val="35000"/>
+      </a:schemeClr>
+    </cs:fontRef>
+    <cs:defRPr sz="900" kern="1200"/>
+  </cs:seriesAxis>
+  <cs:seriesLine>
+    <cs:lnRef idx="0"/>
+    <cs:fillRef idx="0"/>
+    <cs:effectRef idx="0"/>
+    <cs:fontRef idx="minor">
+      <a:schemeClr val="dk1"/>
+    </cs:fontRef>
+    <cs:spPr>
+      <a:ln w="9525">
+        <a:solidFill>
+          <a:schemeClr val="tx1">
+            <a:lumMod val="35000"/>
+            <a:lumOff val="65000"/>
+          </a:schemeClr>
+        </a:solidFill>
+        <a:round/>
+      </a:ln>
+    </cs:spPr>
+  </cs:seriesLine>
+  <cs:title>
+    <cs:lnRef idx="0"/>
+    <cs:fillRef idx="0"/>
+    <cs:effectRef idx="0"/>
+    <cs:fontRef idx="minor">
+      <a:schemeClr val="tx1">
+        <a:lumMod val="65000"/>
+        <a:lumOff val="35000"/>
+      </a:schemeClr>
+    </cs:fontRef>
+    <cs:defRPr sz="1800" b="1" kern="1200" cap="all" baseline="0"/>
+  </cs:title>
+  <cs:trendline>
+    <cs:lnRef idx="0">
+      <cs:styleClr val="auto"/>
+    </cs:lnRef>
+    <cs:fillRef idx="0"/>
+    <cs:effectRef idx="0"/>
+    <cs:fontRef idx="minor">
+      <a:schemeClr val="dk1"/>
+    </cs:fontRef>
+    <cs:spPr>
+      <a:ln w="15875" cap="rnd">
+        <a:solidFill>
+          <a:schemeClr val="phClr"/>
+        </a:solidFill>
+      </a:ln>
+    </cs:spPr>
+  </cs:trendline>
+  <cs:trendlineLabel>
+    <cs:lnRef idx="0"/>
+    <cs:fillRef idx="0"/>
+    <cs:effectRef idx="0"/>
+    <cs:fontRef idx="minor">
+      <a:schemeClr val="tx1">
+        <a:lumMod val="65000"/>
+        <a:lumOff val="35000"/>
+      </a:schemeClr>
+    </cs:fontRef>
+    <cs:defRPr sz="900" kern="1200"/>
+  </cs:trendlineLabel>
+  <cs:upBar>
+    <cs:lnRef idx="0"/>
+    <cs:fillRef idx="0"/>
+    <cs:effectRef idx="0"/>
+    <cs:fontRef idx="minor">
+      <a:schemeClr val="dk1"/>
+    </cs:fontRef>
+    <cs:spPr>
+      <a:solidFill>
+        <a:schemeClr val="lt1"/>
+      </a:solidFill>
+      <a:ln w="9525">
+        <a:solidFill>
+          <a:schemeClr val="tx1">
+            <a:lumMod val="65000"/>
+            <a:lumOff val="35000"/>
+          </a:schemeClr>
+        </a:solidFill>
+      </a:ln>
+    </cs:spPr>
+  </cs:upBar>
+  <cs:valueAxis>
+    <cs:lnRef idx="0"/>
+    <cs:fillRef idx="0"/>
+    <cs:effectRef idx="0"/>
+    <cs:fontRef idx="minor">
+      <a:schemeClr val="tx1">
+        <a:lumMod val="65000"/>
+        <a:lumOff val="35000"/>
+      </a:schemeClr>
+    </cs:fontRef>
+    <cs:defRPr sz="900" kern="1200" spc="20" baseline="0"/>
+  </cs:valueAxis>
+  <cs:wall>
+    <cs:lnRef idx="0"/>
+    <cs:fillRef idx="0"/>
+    <cs:effectRef idx="0"/>
+    <cs:fontRef idx="minor">
+      <a:schemeClr val="dk1"/>
+    </cs:fontRef>
+  </cs:wall>
+</cs:chartStyle>
+</file>
+
+<file path=ppt/charts/style5.xml><?xml version="1.0" encoding="utf-8"?>
+<cs:chartStyle xmlns:cs="http://schemas.microsoft.com/office/drawing/2012/chartStyle" xmlns:a="http://schemas.openxmlformats.org/drawingml/2006/main" id="263">
+  <cs:axisTitle>
+    <cs:lnRef idx="0"/>
+    <cs:fillRef idx="0"/>
+    <cs:effectRef idx="0"/>
+    <cs:fontRef idx="minor">
+      <a:schemeClr val="tx1">
+        <a:lumMod val="50000"/>
+        <a:lumOff val="50000"/>
+      </a:schemeClr>
+    </cs:fontRef>
+    <cs:defRPr sz="900" kern="1200"/>
+  </cs:axisTitle>
+  <cs:categoryAxis>
+    <cs:lnRef idx="0"/>
+    <cs:fillRef idx="0"/>
+    <cs:effectRef idx="0"/>
+    <cs:fontRef idx="minor">
+      <a:schemeClr val="tx1">
+        <a:lumMod val="65000"/>
+        <a:lumOff val="35000"/>
+      </a:schemeClr>
+    </cs:fontRef>
+    <cs:spPr>
+      <a:ln w="15875" cap="flat" cmpd="sng" algn="ctr">
+        <a:solidFill>
+          <a:schemeClr val="tx1">
+            <a:lumMod val="25000"/>
+            <a:lumOff val="75000"/>
+          </a:schemeClr>
+        </a:solidFill>
+        <a:round/>
+      </a:ln>
+    </cs:spPr>
+    <cs:defRPr sz="900" kern="1200"/>
+  </cs:categoryAxis>
+  <cs:chartArea mods="allowNoFillOverride allowNoLineOverride">
+    <cs:lnRef idx="0"/>
+    <cs:fillRef idx="0"/>
+    <cs:effectRef idx="0"/>
+    <cs:fontRef idx="minor">
+      <a:schemeClr val="tx1"/>
+    </cs:fontRef>
+    <cs:spPr>
+      <a:solidFill>
+        <a:schemeClr val="bg1"/>
+      </a:solidFill>
+      <a:ln w="9525" cap="flat" cmpd="sng" algn="ctr">
+        <a:solidFill>
+          <a:schemeClr val="tx1">
+            <a:lumMod val="15000"/>
+            <a:lumOff val="85000"/>
+          </a:schemeClr>
+        </a:solidFill>
+        <a:round/>
+      </a:ln>
+    </cs:spPr>
+    <cs:defRPr sz="1000" kern="1200"/>
+  </cs:chartArea>
+  <cs:dataLabel>
+    <cs:lnRef idx="0">
+      <cs:styleClr val="auto"/>
+    </cs:lnRef>
+    <cs:fillRef idx="0"/>
+    <cs:effectRef idx="0">
+      <cs:styleClr val="auto"/>
+    </cs:effectRef>
+    <cs:fontRef idx="minor">
+      <cs:styleClr val="auto"/>
+    </cs:fontRef>
+    <cs:spPr>
+      <a:solidFill>
+        <a:schemeClr val="lt1">
+          <a:alpha val="90000"/>
+        </a:schemeClr>
+      </a:solidFill>
+      <a:ln w="12700" cap="flat" cmpd="sng" algn="ctr">
+        <a:solidFill>
+          <a:schemeClr val="phClr"/>
+        </a:solidFill>
+        <a:round/>
+      </a:ln>
+      <a:effectLst>
+        <a:outerShdw blurRad="50800" dist="38100" dir="2700000" algn="tl" rotWithShape="0">
+          <a:schemeClr val="phClr">
+            <a:lumMod val="75000"/>
+            <a:alpha val="40000"/>
+          </a:schemeClr>
+        </a:outerShdw>
+      </a:effectLst>
+    </cs:spPr>
+    <cs:defRPr sz="1000" b="0" i="0" u="none" strike="noStrike" kern="1200" baseline="0">
+      <a:effectLst/>
+    </cs:defRPr>
+    <cs:bodyPr rot="0" spcFirstLastPara="1" vertOverflow="clip" horzOverflow="clip" vert="horz" wrap="square" lIns="38100" tIns="19050" rIns="38100" bIns="19050" anchor="ctr" anchorCtr="1">
+      <a:spAutoFit/>
+    </cs:bodyPr>
+  </cs:dataLabel>
+  <cs:dataLabelCallout>
+    <cs:lnRef idx="0">
+      <cs:styleClr val="auto"/>
+    </cs:lnRef>
+    <cs:fillRef idx="0"/>
+    <cs:effectRef idx="0">
+      <cs:styleClr val="auto"/>
+    </cs:effectRef>
+    <cs:fontRef idx="minor">
+      <cs:styleClr val="auto"/>
+    </cs:fontRef>
+    <cs:spPr>
+      <a:solidFill>
+        <a:schemeClr val="lt1">
+          <a:alpha val="90000"/>
+        </a:schemeClr>
+      </a:solidFill>
+      <a:ln w="12700" cap="flat" cmpd="sng" algn="ctr">
+        <a:solidFill>
+          <a:schemeClr val="phClr"/>
+        </a:solidFill>
+        <a:round/>
+      </a:ln>
+      <a:effectLst>
+        <a:outerShdw blurRad="50800" dist="38100" dir="2700000" algn="tl" rotWithShape="0">
+          <a:schemeClr val="phClr">
+            <a:lumMod val="75000"/>
+            <a:alpha val="40000"/>
+          </a:schemeClr>
+        </a:outerShdw>
+      </a:effectLst>
+    </cs:spPr>
+    <cs:defRPr sz="1000" b="0" i="0" u="none" strike="noStrike" kern="1200" baseline="0">
+      <a:effectLst/>
+    </cs:defRPr>
+    <cs:bodyPr rot="0" spcFirstLastPara="1" vertOverflow="clip" horzOverflow="clip" vert="horz" wrap="square" lIns="36576" tIns="18288" rIns="36576" bIns="18288" anchor="ctr" anchorCtr="1">
+      <a:spAutoFit/>
+    </cs:bodyPr>
+  </cs:dataLabelCallout>
+  <cs:dataPoint>
+    <cs:lnRef idx="0"/>
+    <cs:fillRef idx="0">
+      <cs:styleClr val="auto"/>
+    </cs:fillRef>
+    <cs:effectRef idx="0"/>
+    <cs:fontRef idx="minor">
+      <a:schemeClr val="tx1"/>
+    </cs:fontRef>
+    <cs:spPr>
+      <a:solidFill>
+        <a:schemeClr val="phClr">
+          <a:alpha val="70000"/>
+        </a:schemeClr>
+      </a:solidFill>
+    </cs:spPr>
+  </cs:dataPoint>
+  <cs:dataPoint3D>
+    <cs:lnRef idx="0">
+      <cs:styleClr val="auto"/>
+    </cs:lnRef>
+    <cs:fillRef idx="0">
+      <cs:styleClr val="auto"/>
+    </cs:fillRef>
+    <cs:effectRef idx="0">
+      <cs:styleClr val="auto"/>
+    </cs:effectRef>
+    <cs:fontRef idx="minor">
+      <a:schemeClr val="tx1"/>
+    </cs:fontRef>
+    <cs:spPr>
+      <a:solidFill>
+        <a:schemeClr val="phClr">
+          <a:alpha val="90000"/>
+        </a:schemeClr>
+      </a:solidFill>
+      <a:ln w="19050">
+        <a:solidFill>
+          <a:schemeClr val="phClr">
+            <a:lumMod val="75000"/>
+          </a:schemeClr>
+        </a:solidFill>
+      </a:ln>
+      <a:effectLst>
+        <a:innerShdw blurRad="114300">
+          <a:schemeClr val="phClr">
+            <a:lumMod val="75000"/>
+          </a:schemeClr>
+        </a:innerShdw>
+      </a:effectLst>
+      <a:scene3d>
+        <a:camera prst="orthographicFront"/>
+        <a:lightRig rig="threePt" dir="t"/>
+      </a:scene3d>
+      <a:sp3d contourW="19050" prstMaterial="flat">
+        <a:contourClr>
+          <a:schemeClr val="accent4">
+            <a:lumMod val="75000"/>
+          </a:schemeClr>
+        </a:contourClr>
+      </a:sp3d>
+    </cs:spPr>
+  </cs:dataPoint3D>
+  <cs:dataPointLine>
+    <cs:lnRef idx="0">
+      <cs:styleClr val="auto"/>
+    </cs:lnRef>
+    <cs:fillRef idx="0"/>
+    <cs:effectRef idx="0"/>
+    <cs:fontRef idx="minor">
+      <a:schemeClr val="tx1"/>
+    </cs:fontRef>
+    <cs:spPr>
+      <a:ln w="28575" cap="rnd">
+        <a:solidFill>
+          <a:schemeClr val="phClr"/>
+        </a:solidFill>
+        <a:round/>
+      </a:ln>
+    </cs:spPr>
+  </cs:dataPointLine>
+  <cs:dataPointMarker>
+    <cs:lnRef idx="0"/>
+    <cs:fillRef idx="0">
+      <cs:styleClr val="auto"/>
+    </cs:fillRef>
+    <cs:effectRef idx="0"/>
+    <cs:fontRef idx="minor">
+      <a:schemeClr val="tx1"/>
+    </cs:fontRef>
+    <cs:spPr>
+      <a:solidFill>
+        <a:schemeClr val="phClr"/>
+      </a:solidFill>
+      <a:ln w="9525">
+        <a:solidFill>
+          <a:schemeClr val="lt1"/>
+        </a:solidFill>
+      </a:ln>
+    </cs:spPr>
+  </cs:dataPointMarker>
+  <cs:dataPointMarkerLayout symbol="circle" size="6"/>
+  <cs:dataPointWireframe>
+    <cs:lnRef idx="0">
+      <cs:styleClr val="auto"/>
+    </cs:lnRef>
+    <cs:fillRef idx="0"/>
+    <cs:effectRef idx="0"/>
+    <cs:fontRef idx="minor">
+      <a:schemeClr val="tx1"/>
+    </cs:fontRef>
+    <cs:spPr>
+      <a:ln w="9525" cap="rnd">
+        <a:solidFill>
+          <a:schemeClr val="phClr"/>
+        </a:solidFill>
+        <a:round/>
+      </a:ln>
+    </cs:spPr>
+  </cs:dataPointWireframe>
+  <cs:dataTable>
+    <cs:lnRef idx="0"/>
+    <cs:fillRef idx="0"/>
+    <cs:effectRef idx="0"/>
+    <cs:fontRef idx="minor">
+      <a:schemeClr val="tx1">
+        <a:lumMod val="65000"/>
+        <a:lumOff val="35000"/>
+      </a:schemeClr>
+    </cs:fontRef>
+    <cs:spPr>
+      <a:ln w="9525">
+        <a:solidFill>
+          <a:schemeClr val="tx1">
+            <a:lumMod val="15000"/>
+            <a:lumOff val="85000"/>
+          </a:schemeClr>
+        </a:solidFill>
+      </a:ln>
+    </cs:spPr>
+    <cs:defRPr sz="900" kern="1200"/>
+  </cs:dataTable>
+  <cs:downBar>
+    <cs:lnRef idx="0"/>
+    <cs:fillRef idx="0"/>
+    <cs:effectRef idx="0"/>
+    <cs:fontRef idx="minor">
+      <a:schemeClr val="dk1"/>
+    </cs:fontRef>
+    <cs:spPr>
+      <a:solidFill>
+        <a:schemeClr val="dk1">
+          <a:lumMod val="75000"/>
+          <a:lumOff val="25000"/>
+        </a:schemeClr>
+      </a:solidFill>
+      <a:ln w="9525">
+        <a:solidFill>
+          <a:schemeClr val="tx1">
+            <a:lumMod val="65000"/>
+            <a:lumOff val="35000"/>
+          </a:schemeClr>
+        </a:solidFill>
+      </a:ln>
+    </cs:spPr>
+  </cs:downBar>
+  <cs:dropLine>
+    <cs:lnRef idx="0"/>
+    <cs:fillRef idx="0"/>
+    <cs:effectRef idx="0"/>
+    <cs:fontRef idx="minor">
+      <a:schemeClr val="dk1"/>
+    </cs:fontRef>
+    <cs:spPr>
+      <a:ln w="9525">
+        <a:solidFill>
+          <a:schemeClr val="tx1">
+            <a:lumMod val="35000"/>
+            <a:lumOff val="65000"/>
+          </a:schemeClr>
+        </a:solidFill>
+        <a:round/>
+      </a:ln>
+    </cs:spPr>
+  </cs:dropLine>
+  <cs:errorBar>
+    <cs:lnRef idx="0"/>
+    <cs:fillRef idx="0"/>
+    <cs:effectRef idx="0"/>
+    <cs:fontRef idx="minor">
+      <a:schemeClr val="dk1"/>
+    </cs:fontRef>
+    <cs:spPr>
+      <a:ln w="9525">
+        <a:solidFill>
+          <a:schemeClr val="tx1">
+            <a:lumMod val="65000"/>
+            <a:lumOff val="35000"/>
+          </a:schemeClr>
+        </a:solidFill>
+        <a:round/>
+      </a:ln>
+    </cs:spPr>
+  </cs:errorBar>
+  <cs:floor>
+    <cs:lnRef idx="0"/>
+    <cs:fillRef idx="0"/>
+    <cs:effectRef idx="0"/>
+    <cs:fontRef idx="minor">
+      <a:schemeClr val="dk1"/>
+    </cs:fontRef>
+  </cs:floor>
+  <cs:gridlineMajor>
+    <cs:lnRef idx="0"/>
+    <cs:fillRef idx="0"/>
+    <cs:effectRef idx="0"/>
+    <cs:fontRef idx="minor">
+      <a:schemeClr val="dk1"/>
+    </cs:fontRef>
+    <cs:spPr>
+      <a:ln w="9525" cap="flat" cmpd="sng" algn="ctr">
+        <a:solidFill>
+          <a:schemeClr val="tx1">
+            <a:lumMod val="5000"/>
+            <a:lumOff val="95000"/>
+          </a:schemeClr>
+        </a:solidFill>
+        <a:round/>
+      </a:ln>
+    </cs:spPr>
+  </cs:gridlineMajor>
+  <cs:gridlineMinor>
+    <cs:lnRef idx="0"/>
+    <cs:fillRef idx="0"/>
+    <cs:effectRef idx="0"/>
+    <cs:fontRef idx="minor">
+      <a:schemeClr val="dk1"/>
+    </cs:fontRef>
+    <cs:spPr>
+      <a:ln>
+        <a:solidFill>
+          <a:schemeClr val="tx1">
+            <a:lumMod val="5000"/>
+            <a:lumOff val="95000"/>
+          </a:schemeClr>
+        </a:solidFill>
+      </a:ln>
+    </cs:spPr>
+  </cs:gridlineMinor>
+  <cs:hiLoLine>
+    <cs:lnRef idx="0"/>
+    <cs:fillRef idx="0"/>
+    <cs:effectRef idx="0"/>
+    <cs:fontRef idx="minor">
+      <a:schemeClr val="dk1"/>
+    </cs:fontRef>
+    <cs:spPr>
+      <a:ln w="9525">
+        <a:solidFill>
+          <a:schemeClr val="tx1">
+            <a:lumMod val="35000"/>
+            <a:lumOff val="65000"/>
+          </a:schemeClr>
+        </a:solidFill>
+        <a:round/>
+      </a:ln>
+    </cs:spPr>
+  </cs:hiLoLine>
+  <cs:leaderLine>
+    <cs:lnRef idx="0"/>
+    <cs:fillRef idx="0"/>
+    <cs:effectRef idx="0"/>
+    <cs:fontRef idx="minor">
+      <a:schemeClr val="dk1"/>
+    </cs:fontRef>
+    <cs:spPr>
+      <a:ln w="9525">
+        <a:solidFill>
+          <a:schemeClr val="tx1">
+            <a:lumMod val="35000"/>
+            <a:lumOff val="65000"/>
+          </a:schemeClr>
+        </a:solidFill>
+      </a:ln>
+    </cs:spPr>
+  </cs:leaderLine>
+  <cs:legend>
+    <cs:lnRef idx="0"/>
+    <cs:fillRef idx="0"/>
+    <cs:effectRef idx="0"/>
+    <cs:fontRef idx="minor">
+      <a:schemeClr val="tx1">
+        <a:lumMod val="50000"/>
+        <a:lumOff val="50000"/>
+      </a:schemeClr>
+    </cs:fontRef>
+    <cs:defRPr sz="900" kern="1200"/>
+  </cs:legend>
+  <cs:plotArea mods="allowNoFillOverride allowNoLineOverride">
+    <cs:lnRef idx="0"/>
+    <cs:fillRef idx="0"/>
+    <cs:effectRef idx="0"/>
+    <cs:fontRef idx="minor">
+      <a:schemeClr val="tx1"/>
+    </cs:fontRef>
+  </cs:plotArea>
+  <cs:plotArea3D mods="allowNoFillOverride allowNoLineOverride">
+    <cs:lnRef idx="0"/>
+    <cs:fillRef idx="0"/>
+    <cs:effectRef idx="0"/>
+    <cs:fontRef idx="minor">
+      <a:schemeClr val="tx1"/>
+    </cs:fontRef>
+  </cs:plotArea3D>
+  <cs:seriesAxis>
+    <cs:lnRef idx="0"/>
+    <cs:fillRef idx="0"/>
+    <cs:effectRef idx="0"/>
+    <cs:fontRef idx="minor">
+      <a:schemeClr val="tx1">
+        <a:lumMod val="65000"/>
+        <a:lumOff val="35000"/>
+      </a:schemeClr>
+    </cs:fontRef>
+    <cs:defRPr sz="900" kern="1200"/>
+  </cs:seriesAxis>
+  <cs:seriesLine>
+    <cs:lnRef idx="0"/>
+    <cs:fillRef idx="0"/>
+    <cs:effectRef idx="0"/>
+    <cs:fontRef idx="minor">
+      <a:schemeClr val="dk1"/>
+    </cs:fontRef>
+    <cs:spPr>
+      <a:ln w="9525">
+        <a:solidFill>
+          <a:schemeClr val="tx1">
+            <a:lumMod val="35000"/>
+            <a:lumOff val="65000"/>
+          </a:schemeClr>
+        </a:solidFill>
+        <a:round/>
+      </a:ln>
+    </cs:spPr>
+  </cs:seriesLine>
+  <cs:title>
+    <cs:lnRef idx="0"/>
+    <cs:fillRef idx="0"/>
+    <cs:effectRef idx="0"/>
+    <cs:fontRef idx="minor">
+      <a:schemeClr val="tx1">
+        <a:lumMod val="65000"/>
+        <a:lumOff val="35000"/>
+      </a:schemeClr>
+    </cs:fontRef>
+    <cs:defRPr sz="1800" b="1" kern="1200" cap="all" baseline="0"/>
+  </cs:title>
+  <cs:trendline>
+    <cs:lnRef idx="0">
+      <cs:styleClr val="auto"/>
+    </cs:lnRef>
+    <cs:fillRef idx="0"/>
+    <cs:effectRef idx="0"/>
+    <cs:fontRef idx="minor">
+      <a:schemeClr val="dk1"/>
+    </cs:fontRef>
+    <cs:spPr>
+      <a:ln w="15875" cap="rnd">
+        <a:solidFill>
+          <a:schemeClr val="phClr"/>
+        </a:solidFill>
+      </a:ln>
+    </cs:spPr>
+  </cs:trendline>
+  <cs:trendlineLabel>
+    <cs:lnRef idx="0"/>
+    <cs:fillRef idx="0"/>
+    <cs:effectRef idx="0"/>
+    <cs:fontRef idx="minor">
+      <a:schemeClr val="tx1">
+        <a:lumMod val="65000"/>
+        <a:lumOff val="35000"/>
+      </a:schemeClr>
+    </cs:fontRef>
+    <cs:defRPr sz="900" kern="1200"/>
+  </cs:trendlineLabel>
+  <cs:upBar>
+    <cs:lnRef idx="0"/>
+    <cs:fillRef idx="0"/>
+    <cs:effectRef idx="0"/>
+    <cs:fontRef idx="minor">
+      <a:schemeClr val="dk1"/>
+    </cs:fontRef>
+    <cs:spPr>
+      <a:solidFill>
+        <a:schemeClr val="lt1"/>
+      </a:solidFill>
+      <a:ln w="9525">
+        <a:solidFill>
+          <a:schemeClr val="tx1">
+            <a:lumMod val="65000"/>
+            <a:lumOff val="35000"/>
+          </a:schemeClr>
+        </a:solidFill>
+      </a:ln>
+    </cs:spPr>
+  </cs:upBar>
+  <cs:valueAxis>
+    <cs:lnRef idx="0"/>
+    <cs:fillRef idx="0"/>
+    <cs:effectRef idx="0"/>
+    <cs:fontRef idx="minor">
+      <a:schemeClr val="tx1">
+        <a:lumMod val="65000"/>
+        <a:lumOff val="35000"/>
+      </a:schemeClr>
+    </cs:fontRef>
+    <cs:defRPr sz="900" kern="1200" spc="20" baseline="0"/>
+  </cs:valueAxis>
+  <cs:wall>
+    <cs:lnRef idx="0"/>
+    <cs:fillRef idx="0"/>
+    <cs:effectRef idx="0"/>
+    <cs:fontRef idx="minor">
+      <a:schemeClr val="dk1"/>
+    </cs:fontRef>
+  </cs:wall>
+</cs:chartStyle>
+</file>
+
 <file path=ppt/drawings/drawing1.xml><?xml version="1.0" encoding="utf-8"?>
 <c:userShapes xmlns:c="http://schemas.openxmlformats.org/drawingml/2006/chart">
   <cdr:relSizeAnchor xmlns:cdr="http://schemas.openxmlformats.org/drawingml/2006/chartDrawing">
@@ -3125,7 +5256,7 @@
           <a:p>
             <a:fld id="{52B6698B-9BB7-4512-A36B-6B752C9A47EA}" type="datetimeFigureOut">
               <a:rPr lang="en-IN" smtClean="0"/>
-              <a:t>17-02-2024</a:t>
+              <a:t>27-02-2024</a:t>
             </a:fld>
             <a:endParaRPr lang="en-IN"/>
           </a:p>
@@ -3542,7 +5673,7 @@
           <a:p>
             <a:fld id="{73AB8A70-E3AE-41E2-9696-E727EF4F852B}" type="datetimeFigureOut">
               <a:rPr lang="en-IN" smtClean="0"/>
-              <a:t>17-02-2024</a:t>
+              <a:t>27-02-2024</a:t>
             </a:fld>
             <a:endParaRPr lang="en-IN"/>
           </a:p>
@@ -3742,7 +5873,7 @@
           <a:p>
             <a:fld id="{73AB8A70-E3AE-41E2-9696-E727EF4F852B}" type="datetimeFigureOut">
               <a:rPr lang="en-IN" smtClean="0"/>
-              <a:t>17-02-2024</a:t>
+              <a:t>27-02-2024</a:t>
             </a:fld>
             <a:endParaRPr lang="en-IN"/>
           </a:p>
@@ -3952,7 +6083,7 @@
           <a:p>
             <a:fld id="{73AB8A70-E3AE-41E2-9696-E727EF4F852B}" type="datetimeFigureOut">
               <a:rPr lang="en-IN" smtClean="0"/>
-              <a:t>17-02-2024</a:t>
+              <a:t>27-02-2024</a:t>
             </a:fld>
             <a:endParaRPr lang="en-IN"/>
           </a:p>
@@ -4152,7 +6283,7 @@
           <a:p>
             <a:fld id="{73AB8A70-E3AE-41E2-9696-E727EF4F852B}" type="datetimeFigureOut">
               <a:rPr lang="en-IN" smtClean="0"/>
-              <a:t>17-02-2024</a:t>
+              <a:t>27-02-2024</a:t>
             </a:fld>
             <a:endParaRPr lang="en-IN"/>
           </a:p>
@@ -4428,7 +6559,7 @@
           <a:p>
             <a:fld id="{73AB8A70-E3AE-41E2-9696-E727EF4F852B}" type="datetimeFigureOut">
               <a:rPr lang="en-IN" smtClean="0"/>
-              <a:t>17-02-2024</a:t>
+              <a:t>27-02-2024</a:t>
             </a:fld>
             <a:endParaRPr lang="en-IN"/>
           </a:p>
@@ -4696,7 +6827,7 @@
           <a:p>
             <a:fld id="{73AB8A70-E3AE-41E2-9696-E727EF4F852B}" type="datetimeFigureOut">
               <a:rPr lang="en-IN" smtClean="0"/>
-              <a:t>17-02-2024</a:t>
+              <a:t>27-02-2024</a:t>
             </a:fld>
             <a:endParaRPr lang="en-IN"/>
           </a:p>
@@ -5111,7 +7242,7 @@
           <a:p>
             <a:fld id="{73AB8A70-E3AE-41E2-9696-E727EF4F852B}" type="datetimeFigureOut">
               <a:rPr lang="en-IN" smtClean="0"/>
-              <a:t>17-02-2024</a:t>
+              <a:t>27-02-2024</a:t>
             </a:fld>
             <a:endParaRPr lang="en-IN"/>
           </a:p>
@@ -5253,7 +7384,7 @@
           <a:p>
             <a:fld id="{73AB8A70-E3AE-41E2-9696-E727EF4F852B}" type="datetimeFigureOut">
               <a:rPr lang="en-IN" smtClean="0"/>
-              <a:t>17-02-2024</a:t>
+              <a:t>27-02-2024</a:t>
             </a:fld>
             <a:endParaRPr lang="en-IN"/>
           </a:p>
@@ -5366,7 +7497,7 @@
           <a:p>
             <a:fld id="{73AB8A70-E3AE-41E2-9696-E727EF4F852B}" type="datetimeFigureOut">
               <a:rPr lang="en-IN" smtClean="0"/>
-              <a:t>17-02-2024</a:t>
+              <a:t>27-02-2024</a:t>
             </a:fld>
             <a:endParaRPr lang="en-IN"/>
           </a:p>
@@ -5679,7 +7810,7 @@
           <a:p>
             <a:fld id="{73AB8A70-E3AE-41E2-9696-E727EF4F852B}" type="datetimeFigureOut">
               <a:rPr lang="en-IN" smtClean="0"/>
-              <a:t>17-02-2024</a:t>
+              <a:t>27-02-2024</a:t>
             </a:fld>
             <a:endParaRPr lang="en-IN"/>
           </a:p>
@@ -5968,7 +8099,7 @@
           <a:p>
             <a:fld id="{73AB8A70-E3AE-41E2-9696-E727EF4F852B}" type="datetimeFigureOut">
               <a:rPr lang="en-IN" smtClean="0"/>
-              <a:t>17-02-2024</a:t>
+              <a:t>27-02-2024</a:t>
             </a:fld>
             <a:endParaRPr lang="en-IN"/>
           </a:p>
@@ -6211,7 +8342,7 @@
           <a:p>
             <a:fld id="{73AB8A70-E3AE-41E2-9696-E727EF4F852B}" type="datetimeFigureOut">
               <a:rPr lang="en-IN" smtClean="0"/>
-              <a:t>17-02-2024</a:t>
+              <a:t>27-02-2024</a:t>
             </a:fld>
             <a:endParaRPr lang="en-IN"/>
           </a:p>
@@ -8396,42 +10527,6 @@
           <a:chExt cx="0" cy="0"/>
         </a:xfrm>
       </p:grpSpPr>
-      <p:pic>
-        <p:nvPicPr>
-          <p:cNvPr id="3" name="Picture 2">
-            <a:extLst>
-              <a:ext uri="{FF2B5EF4-FFF2-40B4-BE49-F238E27FC236}">
-                <a16:creationId xmlns:a16="http://schemas.microsoft.com/office/drawing/2014/main" id="{02B656B5-E734-805D-0D3B-44133CB298BD}"/>
-              </a:ext>
-            </a:extLst>
-          </p:cNvPr>
-          <p:cNvPicPr>
-            <a:picLocks noChangeAspect="1"/>
-          </p:cNvPicPr>
-          <p:nvPr/>
-        </p:nvPicPr>
-        <p:blipFill>
-          <a:blip r:embed="rId2">
-            <a:extLst>
-              <a:ext uri="{28A0092B-C50C-407E-A947-70E740481C1C}">
-                <a14:useLocalDpi xmlns:a14="http://schemas.microsoft.com/office/drawing/2010/main" val="0"/>
-              </a:ext>
-            </a:extLst>
-          </a:blip>
-          <a:stretch>
-            <a:fillRect/>
-          </a:stretch>
-        </p:blipFill>
-        <p:spPr>
-          <a:xfrm>
-            <a:off x="-10407" y="1035293"/>
-            <a:ext cx="5803271" cy="5803271"/>
-          </a:xfrm>
-          <a:prstGeom prst="rect">
-            <a:avLst/>
-          </a:prstGeom>
-        </p:spPr>
-      </p:pic>
       <p:sp>
         <p:nvSpPr>
           <p:cNvPr id="4" name="Rectangle 3">
@@ -8447,7 +10542,7 @@
         <p:spPr>
           <a:xfrm>
             <a:off x="-25878" y="0"/>
-            <a:ext cx="5567881" cy="6858000"/>
+            <a:ext cx="5744706" cy="6858000"/>
           </a:xfrm>
           <a:prstGeom prst="rect">
             <a:avLst/>
@@ -11522,13 +13617,13 @@
           <p:nvPr/>
         </p:nvPicPr>
         <p:blipFill>
-          <a:blip r:embed="rId3">
+          <a:blip r:embed="rId2">
             <a:extLst>
               <a:ext uri="{28A0092B-C50C-407E-A947-70E740481C1C}">
                 <a14:useLocalDpi xmlns:a14="http://schemas.microsoft.com/office/drawing/2010/main" val="0"/>
               </a:ext>
               <a:ext uri="{96DAC541-7B7A-43D3-8B79-37D633B846F1}">
-                <asvg:svgBlip xmlns:asvg="http://schemas.microsoft.com/office/drawing/2016/SVG/main" r:embed="rId4"/>
+                <asvg:svgBlip xmlns:asvg="http://schemas.microsoft.com/office/drawing/2016/SVG/main" r:embed="rId3"/>
               </a:ext>
             </a:extLst>
           </a:blip>
@@ -11838,7 +13933,7 @@
           <p:nvPr/>
         </p:nvPicPr>
         <p:blipFill>
-          <a:blip r:embed="rId5"/>
+          <a:blip r:embed="rId4"/>
           <a:stretch>
             <a:fillRect/>
           </a:stretch>
@@ -11879,7 +13974,7 @@
         </p:xfrm>
         <a:graphic>
           <a:graphicData uri="http://schemas.openxmlformats.org/drawingml/2006/chart">
-            <c:chart xmlns:c="http://schemas.openxmlformats.org/drawingml/2006/chart" xmlns:r="http://schemas.openxmlformats.org/officeDocument/2006/relationships" r:id="rId6"/>
+            <c:chart xmlns:c="http://schemas.openxmlformats.org/drawingml/2006/chart" xmlns:r="http://schemas.openxmlformats.org/officeDocument/2006/relationships" r:id="rId5"/>
           </a:graphicData>
         </a:graphic>
       </p:graphicFrame>
@@ -11909,7 +14004,7 @@
         </p:xfrm>
         <a:graphic>
           <a:graphicData uri="http://schemas.openxmlformats.org/drawingml/2006/chart">
-            <c:chart xmlns:c="http://schemas.openxmlformats.org/drawingml/2006/chart" xmlns:r="http://schemas.openxmlformats.org/officeDocument/2006/relationships" r:id="rId7"/>
+            <c:chart xmlns:c="http://schemas.openxmlformats.org/drawingml/2006/chart" xmlns:r="http://schemas.openxmlformats.org/officeDocument/2006/relationships" r:id="rId6"/>
           </a:graphicData>
         </a:graphic>
       </p:graphicFrame>
@@ -11939,7 +14034,7 @@
         </p:xfrm>
         <a:graphic>
           <a:graphicData uri="http://schemas.openxmlformats.org/drawingml/2006/chart">
-            <c:chart xmlns:c="http://schemas.openxmlformats.org/drawingml/2006/chart" xmlns:r="http://schemas.openxmlformats.org/officeDocument/2006/relationships" r:id="rId8"/>
+            <c:chart xmlns:c="http://schemas.openxmlformats.org/drawingml/2006/chart" xmlns:r="http://schemas.openxmlformats.org/officeDocument/2006/relationships" r:id="rId7"/>
           </a:graphicData>
         </a:graphic>
       </p:graphicFrame>
@@ -12032,6 +14127,41 @@
                 <a:latin typeface="zeitung"/>
               </a:rPr>
               <a:t> :</a:t>
+            </a:r>
+          </a:p>
+        </p:txBody>
+      </p:sp>
+      <p:sp>
+        <p:nvSpPr>
+          <p:cNvPr id="2" name="TextBox 1">
+            <a:extLst>
+              <a:ext uri="{FF2B5EF4-FFF2-40B4-BE49-F238E27FC236}">
+                <a16:creationId xmlns:a16="http://schemas.microsoft.com/office/drawing/2014/main" id="{2DB9FB05-C3AF-9E43-B9C2-669B215D982F}"/>
+              </a:ext>
+            </a:extLst>
+          </p:cNvPr>
+          <p:cNvSpPr txBox="1"/>
+          <p:nvPr/>
+        </p:nvSpPr>
+        <p:spPr>
+          <a:xfrm>
+            <a:off x="10837653" y="5037520"/>
+            <a:ext cx="1354347" cy="246221"/>
+          </a:xfrm>
+          <a:prstGeom prst="rect">
+            <a:avLst/>
+          </a:prstGeom>
+          <a:noFill/>
+        </p:spPr>
+        <p:txBody>
+          <a:bodyPr wrap="square" rtlCol="0">
+            <a:spAutoFit/>
+          </a:bodyPr>
+          <a:lstStyle/>
+          <a:p>
+            <a:r>
+              <a:rPr lang="en-IN" sz="1000" dirty="0"/>
+              <a:t>RISK USERS</a:t>
             </a:r>
           </a:p>
         </p:txBody>
@@ -12078,12 +14208,42 @@
           <a:chExt cx="0" cy="0"/>
         </a:xfrm>
       </p:grpSpPr>
+    </p:spTree>
+    <p:extLst>
+      <p:ext uri="{BB962C8B-B14F-4D97-AF65-F5344CB8AC3E}">
+        <p14:creationId xmlns:p14="http://schemas.microsoft.com/office/powerpoint/2010/main" val="522114399"/>
+      </p:ext>
+    </p:extLst>
+  </p:cSld>
+  <p:clrMapOvr>
+    <a:masterClrMapping/>
+  </p:clrMapOvr>
+</p:sld>
+</file>
+
+<file path=ppt/slides/slide5.xml><?xml version="1.0" encoding="utf-8"?>
+<p:sld xmlns:a="http://schemas.openxmlformats.org/drawingml/2006/main" xmlns:r="http://schemas.openxmlformats.org/officeDocument/2006/relationships" xmlns:p="http://schemas.openxmlformats.org/presentationml/2006/main">
+  <p:cSld>
+    <p:spTree>
+      <p:nvGrpSpPr>
+        <p:cNvPr id="1" name=""/>
+        <p:cNvGrpSpPr/>
+        <p:nvPr/>
+      </p:nvGrpSpPr>
+      <p:grpSpPr>
+        <a:xfrm>
+          <a:off x="0" y="0"/>
+          <a:ext cx="0" cy="0"/>
+          <a:chOff x="0" y="0"/>
+          <a:chExt cx="0" cy="0"/>
+        </a:xfrm>
+      </p:grpSpPr>
       <p:sp>
         <p:nvSpPr>
-          <p:cNvPr id="6" name="TextBox 30">
+          <p:cNvPr id="8" name="TextBox 7">
             <a:extLst>
               <a:ext uri="{FF2B5EF4-FFF2-40B4-BE49-F238E27FC236}">
-                <a16:creationId xmlns:a16="http://schemas.microsoft.com/office/drawing/2014/main" id="{1C11AFAD-D44B-80E7-6D5D-C2B4CF437869}"/>
+                <a16:creationId xmlns:a16="http://schemas.microsoft.com/office/drawing/2014/main" id="{E5C906BA-EC39-0FBB-261D-97D69792C647}"/>
               </a:ext>
             </a:extLst>
           </p:cNvPr>
@@ -12092,15 +14252,221 @@
         </p:nvSpPr>
         <p:spPr>
           <a:xfrm>
-            <a:off x="97532" y="174782"/>
-            <a:ext cx="2347494" cy="461665"/>
+            <a:off x="127240" y="94692"/>
+            <a:ext cx="2452058" cy="369332"/>
+          </a:xfrm>
+          <a:prstGeom prst="rect">
+            <a:avLst/>
+          </a:prstGeom>
+          <a:noFill/>
+          <a:ln>
+            <a:solidFill>
+              <a:schemeClr val="tx1">
+                <a:lumMod val="65000"/>
+                <a:lumOff val="35000"/>
+              </a:schemeClr>
+            </a:solidFill>
+          </a:ln>
+        </p:spPr>
+        <p:txBody>
+          <a:bodyPr wrap="square">
+            <a:spAutoFit/>
+          </a:bodyPr>
+          <a:lstStyle/>
+          <a:p>
+            <a:r>
+              <a:rPr lang="en-IN" sz="1800" b="1" dirty="0"/>
+              <a:t>DATA PREPROCESSING</a:t>
+            </a:r>
+            <a:endParaRPr lang="en-IN" dirty="0"/>
+          </a:p>
+        </p:txBody>
+      </p:sp>
+      <p:sp>
+        <p:nvSpPr>
+          <p:cNvPr id="11" name="TextBox 10">
+            <a:extLst>
+              <a:ext uri="{FF2B5EF4-FFF2-40B4-BE49-F238E27FC236}">
+                <a16:creationId xmlns:a16="http://schemas.microsoft.com/office/drawing/2014/main" id="{53D5CD69-344F-5974-606B-B48CDA1302C9}"/>
+              </a:ext>
+            </a:extLst>
+          </p:cNvPr>
+          <p:cNvSpPr txBox="1"/>
+          <p:nvPr/>
+        </p:nvSpPr>
+        <p:spPr>
+          <a:xfrm>
+            <a:off x="66855" y="5011947"/>
+            <a:ext cx="3995602" cy="1384995"/>
+          </a:xfrm>
+          <a:prstGeom prst="rect">
+            <a:avLst/>
+          </a:prstGeom>
+          <a:noFill/>
+        </p:spPr>
+        <p:txBody>
+          <a:bodyPr wrap="square" rtlCol="0">
+            <a:spAutoFit/>
+          </a:bodyPr>
+          <a:lstStyle/>
+          <a:p>
+            <a:pPr marL="171450" indent="-171450">
+              <a:buFont typeface="Wingdings" panose="05000000000000000000" pitchFamily="2" charset="2"/>
+              <a:buChar char="§"/>
+            </a:pPr>
+            <a:r>
+              <a:rPr lang="en-IN" sz="1200" dirty="0"/>
+              <a:t>50 columns had more than 30% or more missing values</a:t>
+            </a:r>
+          </a:p>
+          <a:p>
+            <a:pPr marL="171450" indent="-171450">
+              <a:buFont typeface="Wingdings" panose="05000000000000000000" pitchFamily="2" charset="2"/>
+              <a:buChar char="§"/>
+            </a:pPr>
+            <a:r>
+              <a:rPr lang="en-IN" sz="1200" dirty="0"/>
+              <a:t>Base Model removed columns with null value % more than 35 % </a:t>
+            </a:r>
+          </a:p>
+          <a:p>
+            <a:pPr marL="171450" indent="-171450">
+              <a:buFont typeface="Wingdings" panose="05000000000000000000" pitchFamily="2" charset="2"/>
+              <a:buChar char="§"/>
+            </a:pPr>
+            <a:r>
+              <a:rPr lang="en-IN" sz="1200" dirty="0"/>
+              <a:t>Imputed these values with mean mode median</a:t>
+            </a:r>
+          </a:p>
+          <a:p>
+            <a:pPr marL="171450" indent="-171450">
+              <a:buFont typeface="Wingdings" panose="05000000000000000000" pitchFamily="2" charset="2"/>
+              <a:buChar char="§"/>
+            </a:pPr>
+            <a:r>
+              <a:rPr lang="en-IN" sz="1200" dirty="0"/>
+              <a:t>Final model- went with some unorthodox methods as well as standard methods </a:t>
+            </a:r>
+          </a:p>
+          <a:p>
+            <a:endParaRPr lang="en-IN" sz="1200" dirty="0"/>
+          </a:p>
+        </p:txBody>
+      </p:sp>
+      <p:pic>
+        <p:nvPicPr>
+          <p:cNvPr id="16" name="Picture 15">
+            <a:extLst>
+              <a:ext uri="{FF2B5EF4-FFF2-40B4-BE49-F238E27FC236}">
+                <a16:creationId xmlns:a16="http://schemas.microsoft.com/office/drawing/2014/main" id="{02B656B5-E734-805D-0D3B-44133CB298BD}"/>
+              </a:ext>
+            </a:extLst>
+          </p:cNvPr>
+          <p:cNvPicPr>
+            <a:picLocks noChangeAspect="1"/>
+          </p:cNvPicPr>
+          <p:nvPr/>
+        </p:nvPicPr>
+        <p:blipFill>
+          <a:blip r:embed="rId2">
+            <a:extLst>
+              <a:ext uri="{28A0092B-C50C-407E-A947-70E740481C1C}">
+                <a14:useLocalDpi xmlns:a14="http://schemas.microsoft.com/office/drawing/2010/main" val="0"/>
+              </a:ext>
+            </a:extLst>
+          </a:blip>
+          <a:stretch>
+            <a:fillRect/>
+          </a:stretch>
+        </p:blipFill>
+        <p:spPr>
+          <a:xfrm>
+            <a:off x="5355223" y="944587"/>
+            <a:ext cx="5803271" cy="5803271"/>
+          </a:xfrm>
+          <a:prstGeom prst="rect">
+            <a:avLst/>
+          </a:prstGeom>
+        </p:spPr>
+      </p:pic>
+      <p:sp>
+        <p:nvSpPr>
+          <p:cNvPr id="17" name="Rectangle 16">
+            <a:extLst>
+              <a:ext uri="{FF2B5EF4-FFF2-40B4-BE49-F238E27FC236}">
+                <a16:creationId xmlns:a16="http://schemas.microsoft.com/office/drawing/2014/main" id="{3F676193-EF04-E60D-DCBE-AD20AE6B43E0}"/>
+              </a:ext>
+            </a:extLst>
+          </p:cNvPr>
+          <p:cNvSpPr/>
+          <p:nvPr/>
+        </p:nvSpPr>
+        <p:spPr>
+          <a:xfrm>
+            <a:off x="4287328" y="0"/>
+            <a:ext cx="7904672" cy="6858000"/>
           </a:xfrm>
           <a:prstGeom prst="rect">
             <a:avLst/>
           </a:prstGeom>
           <a:solidFill>
-            <a:schemeClr val="tx1"/>
+            <a:srgbClr val="16207B">
+              <a:alpha val="96000"/>
+            </a:srgbClr>
           </a:solidFill>
+          <a:ln>
+            <a:solidFill>
+              <a:srgbClr val="D6E5E3"/>
+            </a:solidFill>
+          </a:ln>
+        </p:spPr>
+        <p:style>
+          <a:lnRef idx="2">
+            <a:schemeClr val="accent1">
+              <a:shade val="15000"/>
+            </a:schemeClr>
+          </a:lnRef>
+          <a:fillRef idx="1">
+            <a:schemeClr val="accent1"/>
+          </a:fillRef>
+          <a:effectRef idx="0">
+            <a:schemeClr val="accent1"/>
+          </a:effectRef>
+          <a:fontRef idx="minor">
+            <a:schemeClr val="lt1"/>
+          </a:fontRef>
+        </p:style>
+        <p:txBody>
+          <a:bodyPr rtlCol="0" anchor="ctr"/>
+          <a:lstStyle/>
+          <a:p>
+            <a:pPr algn="ctr"/>
+            <a:endParaRPr lang="en-IN" dirty="0"/>
+          </a:p>
+        </p:txBody>
+      </p:sp>
+      <p:sp>
+        <p:nvSpPr>
+          <p:cNvPr id="18" name="TextBox 17">
+            <a:extLst>
+              <a:ext uri="{FF2B5EF4-FFF2-40B4-BE49-F238E27FC236}">
+                <a16:creationId xmlns:a16="http://schemas.microsoft.com/office/drawing/2014/main" id="{4EEEB057-4EC8-3180-A1BB-A4EC87C0EE5B}"/>
+              </a:ext>
+            </a:extLst>
+          </p:cNvPr>
+          <p:cNvSpPr txBox="1"/>
+          <p:nvPr/>
+        </p:nvSpPr>
+        <p:spPr>
+          <a:xfrm>
+            <a:off x="4445546" y="142845"/>
+            <a:ext cx="2615960" cy="369332"/>
+          </a:xfrm>
+          <a:prstGeom prst="rect">
+            <a:avLst/>
+          </a:prstGeom>
+          <a:noFill/>
           <a:ln>
             <a:solidFill>
               <a:schemeClr val="bg1"/>
@@ -12111,111 +14477,20 @@
           <a:bodyPr wrap="square" rtlCol="0">
             <a:spAutoFit/>
           </a:bodyPr>
-          <a:lstStyle>
-            <a:defPPr>
-              <a:defRPr lang="en-US"/>
-            </a:defPPr>
-            <a:lvl1pPr marL="0" algn="l" defTabSz="914400" rtl="0" eaLnBrk="1" latinLnBrk="0" hangingPunct="1">
-              <a:defRPr sz="1800" kern="1200">
-                <a:solidFill>
-                  <a:schemeClr val="tx1"/>
-                </a:solidFill>
-                <a:latin typeface="+mn-lt"/>
-                <a:ea typeface="+mn-ea"/>
-                <a:cs typeface="+mn-cs"/>
-              </a:defRPr>
-            </a:lvl1pPr>
-            <a:lvl2pPr marL="457200" algn="l" defTabSz="914400" rtl="0" eaLnBrk="1" latinLnBrk="0" hangingPunct="1">
-              <a:defRPr sz="1800" kern="1200">
-                <a:solidFill>
-                  <a:schemeClr val="tx1"/>
-                </a:solidFill>
-                <a:latin typeface="+mn-lt"/>
-                <a:ea typeface="+mn-ea"/>
-                <a:cs typeface="+mn-cs"/>
-              </a:defRPr>
-            </a:lvl2pPr>
-            <a:lvl3pPr marL="914400" algn="l" defTabSz="914400" rtl="0" eaLnBrk="1" latinLnBrk="0" hangingPunct="1">
-              <a:defRPr sz="1800" kern="1200">
-                <a:solidFill>
-                  <a:schemeClr val="tx1"/>
-                </a:solidFill>
-                <a:latin typeface="+mn-lt"/>
-                <a:ea typeface="+mn-ea"/>
-                <a:cs typeface="+mn-cs"/>
-              </a:defRPr>
-            </a:lvl3pPr>
-            <a:lvl4pPr marL="1371600" algn="l" defTabSz="914400" rtl="0" eaLnBrk="1" latinLnBrk="0" hangingPunct="1">
-              <a:defRPr sz="1800" kern="1200">
-                <a:solidFill>
-                  <a:schemeClr val="tx1"/>
-                </a:solidFill>
-                <a:latin typeface="+mn-lt"/>
-                <a:ea typeface="+mn-ea"/>
-                <a:cs typeface="+mn-cs"/>
-              </a:defRPr>
-            </a:lvl4pPr>
-            <a:lvl5pPr marL="1828800" algn="l" defTabSz="914400" rtl="0" eaLnBrk="1" latinLnBrk="0" hangingPunct="1">
-              <a:defRPr sz="1800" kern="1200">
-                <a:solidFill>
-                  <a:schemeClr val="tx1"/>
-                </a:solidFill>
-                <a:latin typeface="+mn-lt"/>
-                <a:ea typeface="+mn-ea"/>
-                <a:cs typeface="+mn-cs"/>
-              </a:defRPr>
-            </a:lvl5pPr>
-            <a:lvl6pPr marL="2286000" algn="l" defTabSz="914400" rtl="0" eaLnBrk="1" latinLnBrk="0" hangingPunct="1">
-              <a:defRPr sz="1800" kern="1200">
-                <a:solidFill>
-                  <a:schemeClr val="tx1"/>
-                </a:solidFill>
-                <a:latin typeface="+mn-lt"/>
-                <a:ea typeface="+mn-ea"/>
-                <a:cs typeface="+mn-cs"/>
-              </a:defRPr>
-            </a:lvl6pPr>
-            <a:lvl7pPr marL="2743200" algn="l" defTabSz="914400" rtl="0" eaLnBrk="1" latinLnBrk="0" hangingPunct="1">
-              <a:defRPr sz="1800" kern="1200">
-                <a:solidFill>
-                  <a:schemeClr val="tx1"/>
-                </a:solidFill>
-                <a:latin typeface="+mn-lt"/>
-                <a:ea typeface="+mn-ea"/>
-                <a:cs typeface="+mn-cs"/>
-              </a:defRPr>
-            </a:lvl7pPr>
-            <a:lvl8pPr marL="3200400" algn="l" defTabSz="914400" rtl="0" eaLnBrk="1" latinLnBrk="0" hangingPunct="1">
-              <a:defRPr sz="1800" kern="1200">
-                <a:solidFill>
-                  <a:schemeClr val="tx1"/>
-                </a:solidFill>
-                <a:latin typeface="+mn-lt"/>
-                <a:ea typeface="+mn-ea"/>
-                <a:cs typeface="+mn-cs"/>
-              </a:defRPr>
-            </a:lvl8pPr>
-            <a:lvl9pPr marL="3657600" algn="l" defTabSz="914400" rtl="0" eaLnBrk="1" latinLnBrk="0" hangingPunct="1">
-              <a:defRPr sz="1800" kern="1200">
-                <a:solidFill>
-                  <a:schemeClr val="tx1"/>
-                </a:solidFill>
-                <a:latin typeface="+mn-lt"/>
-                <a:ea typeface="+mn-ea"/>
-                <a:cs typeface="+mn-cs"/>
-              </a:defRPr>
-            </a:lvl9pPr>
-          </a:lstStyle>
-          <a:p>
-            <a:r>
-              <a:rPr lang="en-IN" sz="2400" b="1" dirty="0">
+          <a:lstStyle/>
+          <a:p>
+            <a:r>
+              <a:rPr lang="en-US" sz="1800" b="1" kern="0" dirty="0">
                 <a:solidFill>
                   <a:schemeClr val="bg1"/>
                 </a:solidFill>
+                <a:effectLst/>
+                <a:latin typeface="Calibri" panose="020F0502020204030204" pitchFamily="34" charset="0"/>
+                <a:ea typeface="Calibri" panose="020F0502020204030204" pitchFamily="34" charset="0"/>
               </a:rPr>
-              <a:t>PREPROCESSING </a:t>
-            </a:r>
-            <a:endParaRPr lang="en-US" sz="2400" b="1" dirty="0">
+              <a:t>HANDLING NULL VALUES</a:t>
+            </a:r>
+            <a:endParaRPr lang="en-IN" b="1" dirty="0">
               <a:solidFill>
                 <a:schemeClr val="bg1"/>
               </a:solidFill>
@@ -12225,10 +14500,10 @@
       </p:sp>
       <p:sp>
         <p:nvSpPr>
-          <p:cNvPr id="3" name="TextBox 2">
+          <p:cNvPr id="20" name="TextBox 19">
             <a:extLst>
               <a:ext uri="{FF2B5EF4-FFF2-40B4-BE49-F238E27FC236}">
-                <a16:creationId xmlns:a16="http://schemas.microsoft.com/office/drawing/2014/main" id="{4E8056DF-CB83-18BA-C320-7B7EA07DC3BC}"/>
+                <a16:creationId xmlns:a16="http://schemas.microsoft.com/office/drawing/2014/main" id="{F83057D7-B641-9E8F-D1B8-7033E8F4C7FA}"/>
               </a:ext>
             </a:extLst>
           </p:cNvPr>
@@ -12237,8 +14512,684 @@
         </p:nvSpPr>
         <p:spPr>
           <a:xfrm>
-            <a:off x="97533" y="811229"/>
-            <a:ext cx="2877680" cy="646331"/>
+            <a:off x="4388572" y="760298"/>
+            <a:ext cx="3573609" cy="6063198"/>
+          </a:xfrm>
+          <a:prstGeom prst="rect">
+            <a:avLst/>
+          </a:prstGeom>
+          <a:noFill/>
+          <a:ln>
+            <a:solidFill>
+              <a:schemeClr val="tx2">
+                <a:lumMod val="40000"/>
+                <a:lumOff val="60000"/>
+              </a:schemeClr>
+            </a:solidFill>
+          </a:ln>
+        </p:spPr>
+        <p:txBody>
+          <a:bodyPr wrap="square" rtlCol="0">
+            <a:spAutoFit/>
+          </a:bodyPr>
+          <a:lstStyle/>
+          <a:p>
+            <a:r>
+              <a:rPr lang="en-US" sz="1200" b="1" dirty="0">
+                <a:solidFill>
+                  <a:schemeClr val="bg1"/>
+                </a:solidFill>
+              </a:rPr>
+              <a:t>1. OCCUPATION_TYPE</a:t>
+            </a:r>
+          </a:p>
+          <a:p>
+            <a:endParaRPr lang="en-US" sz="800" dirty="0">
+              <a:solidFill>
+                <a:schemeClr val="bg1"/>
+              </a:solidFill>
+            </a:endParaRPr>
+          </a:p>
+          <a:p>
+            <a:endParaRPr lang="en-US" sz="800" dirty="0">
+              <a:solidFill>
+                <a:schemeClr val="bg1"/>
+              </a:solidFill>
+            </a:endParaRPr>
+          </a:p>
+          <a:p>
+            <a:r>
+              <a:rPr lang="en-US" sz="800" dirty="0">
+                <a:solidFill>
+                  <a:schemeClr val="bg1"/>
+                </a:solidFill>
+              </a:rPr>
+              <a:t>AMT_INCOME_TOTAL            0.000000</a:t>
+            </a:r>
+          </a:p>
+          <a:p>
+            <a:r>
+              <a:rPr lang="en-US" sz="800" dirty="0">
+                <a:solidFill>
+                  <a:schemeClr val="bg1"/>
+                </a:solidFill>
+              </a:rPr>
+              <a:t>OCCUPATION_TYPE                31.345545</a:t>
+            </a:r>
+          </a:p>
+          <a:p>
+            <a:r>
+              <a:rPr lang="en-US" sz="800" dirty="0">
+                <a:solidFill>
+                  <a:schemeClr val="bg1"/>
+                </a:solidFill>
+              </a:rPr>
+              <a:t>ORGANIZATION_TYPE            0.000000</a:t>
+            </a:r>
+          </a:p>
+          <a:p>
+            <a:r>
+              <a:rPr lang="en-US" sz="800" dirty="0">
+                <a:solidFill>
+                  <a:schemeClr val="bg1"/>
+                </a:solidFill>
+              </a:rPr>
+              <a:t>NAME_INCOME_TYPE            0.000000</a:t>
+            </a:r>
+          </a:p>
+          <a:p>
+            <a:r>
+              <a:rPr lang="en-US" sz="800" dirty="0">
+                <a:solidFill>
+                  <a:schemeClr val="bg1"/>
+                </a:solidFill>
+              </a:rPr>
+              <a:t>NAME_EDUCATION_TYPE     0.000000</a:t>
+            </a:r>
+          </a:p>
+          <a:p>
+            <a:r>
+              <a:rPr lang="en-US" sz="800" dirty="0">
+                <a:solidFill>
+                  <a:schemeClr val="bg1"/>
+                </a:solidFill>
+              </a:rPr>
+              <a:t>DAYS_EMPLOYED                    0.000000</a:t>
+            </a:r>
+          </a:p>
+          <a:p>
+            <a:endParaRPr lang="en-US" sz="800" dirty="0">
+              <a:solidFill>
+                <a:schemeClr val="bg1"/>
+              </a:solidFill>
+            </a:endParaRPr>
+          </a:p>
+          <a:p>
+            <a:endParaRPr lang="en-US" sz="800" dirty="0">
+              <a:solidFill>
+                <a:schemeClr val="bg1"/>
+              </a:solidFill>
+            </a:endParaRPr>
+          </a:p>
+          <a:p>
+            <a:endParaRPr lang="en-US" sz="800" dirty="0">
+              <a:solidFill>
+                <a:schemeClr val="bg1"/>
+              </a:solidFill>
+            </a:endParaRPr>
+          </a:p>
+          <a:p>
+            <a:endParaRPr lang="en-US" sz="800" dirty="0">
+              <a:solidFill>
+                <a:schemeClr val="bg1"/>
+              </a:solidFill>
+            </a:endParaRPr>
+          </a:p>
+          <a:p>
+            <a:endParaRPr lang="en-US" sz="800" dirty="0">
+              <a:solidFill>
+                <a:schemeClr val="bg1"/>
+              </a:solidFill>
+            </a:endParaRPr>
+          </a:p>
+          <a:p>
+            <a:endParaRPr lang="en-US" sz="800" dirty="0">
+              <a:solidFill>
+                <a:schemeClr val="bg1"/>
+              </a:solidFill>
+            </a:endParaRPr>
+          </a:p>
+          <a:p>
+            <a:endParaRPr lang="en-US" sz="800" dirty="0">
+              <a:solidFill>
+                <a:schemeClr val="bg1"/>
+              </a:solidFill>
+            </a:endParaRPr>
+          </a:p>
+          <a:p>
+            <a:endParaRPr lang="en-US" sz="800" dirty="0">
+              <a:solidFill>
+                <a:schemeClr val="bg1"/>
+              </a:solidFill>
+            </a:endParaRPr>
+          </a:p>
+          <a:p>
+            <a:endParaRPr lang="en-US" sz="800" dirty="0">
+              <a:solidFill>
+                <a:schemeClr val="bg1"/>
+              </a:solidFill>
+            </a:endParaRPr>
+          </a:p>
+          <a:p>
+            <a:endParaRPr lang="en-US" sz="800" dirty="0">
+              <a:solidFill>
+                <a:schemeClr val="bg1"/>
+              </a:solidFill>
+            </a:endParaRPr>
+          </a:p>
+          <a:p>
+            <a:endParaRPr lang="en-US" sz="800" dirty="0">
+              <a:solidFill>
+                <a:schemeClr val="bg1"/>
+              </a:solidFill>
+            </a:endParaRPr>
+          </a:p>
+          <a:p>
+            <a:endParaRPr lang="en-US" sz="800" dirty="0">
+              <a:solidFill>
+                <a:schemeClr val="bg1"/>
+              </a:solidFill>
+            </a:endParaRPr>
+          </a:p>
+          <a:p>
+            <a:endParaRPr lang="en-US" sz="800" dirty="0">
+              <a:solidFill>
+                <a:schemeClr val="bg1"/>
+              </a:solidFill>
+            </a:endParaRPr>
+          </a:p>
+          <a:p>
+            <a:endParaRPr lang="en-US" sz="800" dirty="0">
+              <a:solidFill>
+                <a:schemeClr val="bg1"/>
+              </a:solidFill>
+            </a:endParaRPr>
+          </a:p>
+          <a:p>
+            <a:endParaRPr lang="en-US" sz="800" dirty="0">
+              <a:solidFill>
+                <a:schemeClr val="bg1"/>
+              </a:solidFill>
+            </a:endParaRPr>
+          </a:p>
+          <a:p>
+            <a:endParaRPr lang="en-US" sz="800" dirty="0">
+              <a:solidFill>
+                <a:schemeClr val="bg1"/>
+              </a:solidFill>
+            </a:endParaRPr>
+          </a:p>
+          <a:p>
+            <a:endParaRPr lang="en-US" sz="800" dirty="0">
+              <a:solidFill>
+                <a:schemeClr val="bg1"/>
+              </a:solidFill>
+            </a:endParaRPr>
+          </a:p>
+          <a:p>
+            <a:endParaRPr lang="en-US" sz="800" dirty="0">
+              <a:solidFill>
+                <a:schemeClr val="bg1"/>
+              </a:solidFill>
+            </a:endParaRPr>
+          </a:p>
+          <a:p>
+            <a:endParaRPr lang="en-US" sz="800" dirty="0">
+              <a:solidFill>
+                <a:schemeClr val="bg1"/>
+              </a:solidFill>
+            </a:endParaRPr>
+          </a:p>
+          <a:p>
+            <a:endParaRPr lang="en-US" sz="800" dirty="0">
+              <a:solidFill>
+                <a:schemeClr val="bg1"/>
+              </a:solidFill>
+            </a:endParaRPr>
+          </a:p>
+          <a:p>
+            <a:endParaRPr lang="en-US" sz="800" dirty="0">
+              <a:solidFill>
+                <a:schemeClr val="bg1"/>
+              </a:solidFill>
+            </a:endParaRPr>
+          </a:p>
+          <a:p>
+            <a:endParaRPr lang="en-US" sz="800" dirty="0">
+              <a:solidFill>
+                <a:schemeClr val="bg1"/>
+              </a:solidFill>
+            </a:endParaRPr>
+          </a:p>
+          <a:p>
+            <a:endParaRPr lang="en-US" sz="800" dirty="0">
+              <a:solidFill>
+                <a:schemeClr val="bg1"/>
+              </a:solidFill>
+            </a:endParaRPr>
+          </a:p>
+          <a:p>
+            <a:endParaRPr lang="en-US" sz="800" dirty="0">
+              <a:solidFill>
+                <a:schemeClr val="bg1"/>
+              </a:solidFill>
+            </a:endParaRPr>
+          </a:p>
+          <a:p>
+            <a:endParaRPr lang="en-US" sz="800" dirty="0">
+              <a:solidFill>
+                <a:schemeClr val="bg1"/>
+              </a:solidFill>
+            </a:endParaRPr>
+          </a:p>
+          <a:p>
+            <a:endParaRPr lang="en-US" sz="800" dirty="0">
+              <a:solidFill>
+                <a:schemeClr val="bg1"/>
+              </a:solidFill>
+            </a:endParaRPr>
+          </a:p>
+          <a:p>
+            <a:endParaRPr lang="en-US" sz="800" dirty="0">
+              <a:solidFill>
+                <a:schemeClr val="bg1"/>
+              </a:solidFill>
+            </a:endParaRPr>
+          </a:p>
+          <a:p>
+            <a:endParaRPr lang="en-US" sz="800" dirty="0">
+              <a:solidFill>
+                <a:schemeClr val="bg1"/>
+              </a:solidFill>
+            </a:endParaRPr>
+          </a:p>
+          <a:p>
+            <a:endParaRPr lang="en-US" sz="800" dirty="0">
+              <a:solidFill>
+                <a:schemeClr val="bg1"/>
+              </a:solidFill>
+            </a:endParaRPr>
+          </a:p>
+          <a:p>
+            <a:endParaRPr lang="en-US" sz="800" dirty="0">
+              <a:solidFill>
+                <a:schemeClr val="bg1"/>
+              </a:solidFill>
+            </a:endParaRPr>
+          </a:p>
+          <a:p>
+            <a:endParaRPr lang="en-US" sz="800" dirty="0">
+              <a:solidFill>
+                <a:schemeClr val="bg1"/>
+              </a:solidFill>
+            </a:endParaRPr>
+          </a:p>
+          <a:p>
+            <a:endParaRPr lang="en-US" sz="800" dirty="0">
+              <a:solidFill>
+                <a:schemeClr val="bg1"/>
+              </a:solidFill>
+            </a:endParaRPr>
+          </a:p>
+          <a:p>
+            <a:endParaRPr lang="en-US" sz="800" dirty="0">
+              <a:solidFill>
+                <a:schemeClr val="bg1"/>
+              </a:solidFill>
+            </a:endParaRPr>
+          </a:p>
+          <a:p>
+            <a:endParaRPr lang="en-US" sz="800" dirty="0">
+              <a:solidFill>
+                <a:schemeClr val="bg1"/>
+              </a:solidFill>
+            </a:endParaRPr>
+          </a:p>
+          <a:p>
+            <a:endParaRPr lang="en-US" sz="800" dirty="0">
+              <a:solidFill>
+                <a:schemeClr val="bg1"/>
+              </a:solidFill>
+            </a:endParaRPr>
+          </a:p>
+          <a:p>
+            <a:endParaRPr lang="en-US" sz="800" dirty="0">
+              <a:solidFill>
+                <a:schemeClr val="bg1"/>
+              </a:solidFill>
+            </a:endParaRPr>
+          </a:p>
+          <a:p>
+            <a:endParaRPr lang="en-US" sz="800" dirty="0">
+              <a:solidFill>
+                <a:schemeClr val="bg1"/>
+              </a:solidFill>
+            </a:endParaRPr>
+          </a:p>
+          <a:p>
+            <a:endParaRPr lang="en-US" sz="800" dirty="0">
+              <a:solidFill>
+                <a:schemeClr val="bg1"/>
+              </a:solidFill>
+            </a:endParaRPr>
+          </a:p>
+          <a:p>
+            <a:endParaRPr lang="en-IN" sz="800" dirty="0">
+              <a:solidFill>
+                <a:schemeClr val="bg1"/>
+              </a:solidFill>
+            </a:endParaRPr>
+          </a:p>
+        </p:txBody>
+      </p:sp>
+      <p:pic>
+        <p:nvPicPr>
+          <p:cNvPr id="1027" name="Picture 3">
+            <a:extLst>
+              <a:ext uri="{FF2B5EF4-FFF2-40B4-BE49-F238E27FC236}">
+                <a16:creationId xmlns:a16="http://schemas.microsoft.com/office/drawing/2014/main" id="{BB86631F-17FA-EEC2-5DF9-0122834A1A83}"/>
+              </a:ext>
+            </a:extLst>
+          </p:cNvPr>
+          <p:cNvPicPr>
+            <a:picLocks noChangeAspect="1" noChangeArrowheads="1"/>
+          </p:cNvPicPr>
+          <p:nvPr/>
+        </p:nvPicPr>
+        <p:blipFill>
+          <a:blip r:embed="rId3">
+            <a:extLst>
+              <a:ext uri="{28A0092B-C50C-407E-A947-70E740481C1C}">
+                <a14:useLocalDpi xmlns:a14="http://schemas.microsoft.com/office/drawing/2010/main" val="0"/>
+              </a:ext>
+            </a:extLst>
+          </a:blip>
+          <a:srcRect/>
+          <a:stretch>
+            <a:fillRect/>
+          </a:stretch>
+        </p:blipFill>
+        <p:spPr bwMode="auto">
+          <a:xfrm>
+            <a:off x="4388572" y="2135033"/>
+            <a:ext cx="1707428" cy="1418479"/>
+          </a:xfrm>
+          <a:prstGeom prst="rect">
+            <a:avLst/>
+          </a:prstGeom>
+          <a:noFill/>
+          <a:extLst>
+            <a:ext uri="{909E8E84-426E-40DD-AFC4-6F175D3DCCD1}">
+              <a14:hiddenFill xmlns:a14="http://schemas.microsoft.com/office/drawing/2010/main">
+                <a:solidFill>
+                  <a:srgbClr val="FFFFFF"/>
+                </a:solidFill>
+              </a14:hiddenFill>
+            </a:ext>
+          </a:extLst>
+        </p:spPr>
+      </p:pic>
+      <p:pic>
+        <p:nvPicPr>
+          <p:cNvPr id="1029" name="Picture 5">
+            <a:extLst>
+              <a:ext uri="{FF2B5EF4-FFF2-40B4-BE49-F238E27FC236}">
+                <a16:creationId xmlns:a16="http://schemas.microsoft.com/office/drawing/2014/main" id="{648D820F-0789-84CF-0B15-D4C024C90377}"/>
+              </a:ext>
+            </a:extLst>
+          </p:cNvPr>
+          <p:cNvPicPr>
+            <a:picLocks noChangeAspect="1" noChangeArrowheads="1"/>
+          </p:cNvPicPr>
+          <p:nvPr/>
+        </p:nvPicPr>
+        <p:blipFill>
+          <a:blip r:embed="rId4">
+            <a:extLst>
+              <a:ext uri="{28A0092B-C50C-407E-A947-70E740481C1C}">
+                <a14:useLocalDpi xmlns:a14="http://schemas.microsoft.com/office/drawing/2010/main" val="0"/>
+              </a:ext>
+            </a:extLst>
+          </a:blip>
+          <a:srcRect/>
+          <a:stretch>
+            <a:fillRect/>
+          </a:stretch>
+        </p:blipFill>
+        <p:spPr bwMode="auto">
+          <a:xfrm>
+            <a:off x="6151963" y="2133535"/>
+            <a:ext cx="1707428" cy="1418479"/>
+          </a:xfrm>
+          <a:prstGeom prst="rect">
+            <a:avLst/>
+          </a:prstGeom>
+          <a:noFill/>
+          <a:extLst>
+            <a:ext uri="{909E8E84-426E-40DD-AFC4-6F175D3DCCD1}">
+              <a14:hiddenFill xmlns:a14="http://schemas.microsoft.com/office/drawing/2010/main">
+                <a:solidFill>
+                  <a:srgbClr val="FFFFFF"/>
+                </a:solidFill>
+              </a14:hiddenFill>
+            </a:ext>
+          </a:extLst>
+        </p:spPr>
+      </p:pic>
+      <p:pic>
+        <p:nvPicPr>
+          <p:cNvPr id="1031" name="Picture 7">
+            <a:extLst>
+              <a:ext uri="{FF2B5EF4-FFF2-40B4-BE49-F238E27FC236}">
+                <a16:creationId xmlns:a16="http://schemas.microsoft.com/office/drawing/2014/main" id="{831874EF-FFF5-7AC5-5592-4E4D735E97CD}"/>
+              </a:ext>
+            </a:extLst>
+          </p:cNvPr>
+          <p:cNvPicPr>
+            <a:picLocks noChangeAspect="1" noChangeArrowheads="1"/>
+          </p:cNvPicPr>
+          <p:nvPr/>
+        </p:nvPicPr>
+        <p:blipFill>
+          <a:blip r:embed="rId5">
+            <a:extLst>
+              <a:ext uri="{28A0092B-C50C-407E-A947-70E740481C1C}">
+                <a14:useLocalDpi xmlns:a14="http://schemas.microsoft.com/office/drawing/2010/main" val="0"/>
+              </a:ext>
+            </a:extLst>
+          </a:blip>
+          <a:srcRect/>
+          <a:stretch>
+            <a:fillRect/>
+          </a:stretch>
+        </p:blipFill>
+        <p:spPr bwMode="auto">
+          <a:xfrm>
+            <a:off x="4388572" y="3650752"/>
+            <a:ext cx="1707428" cy="1418479"/>
+          </a:xfrm>
+          <a:prstGeom prst="rect">
+            <a:avLst/>
+          </a:prstGeom>
+          <a:noFill/>
+          <a:extLst>
+            <a:ext uri="{909E8E84-426E-40DD-AFC4-6F175D3DCCD1}">
+              <a14:hiddenFill xmlns:a14="http://schemas.microsoft.com/office/drawing/2010/main">
+                <a:solidFill>
+                  <a:srgbClr val="FFFFFF"/>
+                </a:solidFill>
+              </a14:hiddenFill>
+            </a:ext>
+          </a:extLst>
+        </p:spPr>
+      </p:pic>
+      <p:pic>
+        <p:nvPicPr>
+          <p:cNvPr id="1035" name="Picture 11">
+            <a:extLst>
+              <a:ext uri="{FF2B5EF4-FFF2-40B4-BE49-F238E27FC236}">
+                <a16:creationId xmlns:a16="http://schemas.microsoft.com/office/drawing/2014/main" id="{9F4FD8C8-03C3-54C4-C60F-CEB3C85C46AA}"/>
+              </a:ext>
+            </a:extLst>
+          </p:cNvPr>
+          <p:cNvPicPr>
+            <a:picLocks noChangeAspect="1" noChangeArrowheads="1"/>
+          </p:cNvPicPr>
+          <p:nvPr/>
+        </p:nvPicPr>
+        <p:blipFill>
+          <a:blip r:embed="rId6">
+            <a:extLst>
+              <a:ext uri="{28A0092B-C50C-407E-A947-70E740481C1C}">
+                <a14:useLocalDpi xmlns:a14="http://schemas.microsoft.com/office/drawing/2010/main" val="0"/>
+              </a:ext>
+            </a:extLst>
+          </a:blip>
+          <a:srcRect/>
+          <a:stretch>
+            <a:fillRect/>
+          </a:stretch>
+        </p:blipFill>
+        <p:spPr bwMode="auto">
+          <a:xfrm>
+            <a:off x="6162855" y="3658351"/>
+            <a:ext cx="1707428" cy="1418479"/>
+          </a:xfrm>
+          <a:prstGeom prst="rect">
+            <a:avLst/>
+          </a:prstGeom>
+          <a:noFill/>
+          <a:extLst>
+            <a:ext uri="{909E8E84-426E-40DD-AFC4-6F175D3DCCD1}">
+              <a14:hiddenFill xmlns:a14="http://schemas.microsoft.com/office/drawing/2010/main">
+                <a:solidFill>
+                  <a:srgbClr val="FFFFFF"/>
+                </a:solidFill>
+              </a14:hiddenFill>
+            </a:ext>
+          </a:extLst>
+        </p:spPr>
+      </p:pic>
+      <p:pic>
+        <p:nvPicPr>
+          <p:cNvPr id="1039" name="Picture 15">
+            <a:extLst>
+              <a:ext uri="{FF2B5EF4-FFF2-40B4-BE49-F238E27FC236}">
+                <a16:creationId xmlns:a16="http://schemas.microsoft.com/office/drawing/2014/main" id="{09EDCFBB-E1E0-B79F-31E4-4AE53049A2FE}"/>
+              </a:ext>
+            </a:extLst>
+          </p:cNvPr>
+          <p:cNvPicPr>
+            <a:picLocks noChangeAspect="1" noChangeArrowheads="1"/>
+          </p:cNvPicPr>
+          <p:nvPr/>
+        </p:nvPicPr>
+        <p:blipFill>
+          <a:blip r:embed="rId7">
+            <a:extLst>
+              <a:ext uri="{28A0092B-C50C-407E-A947-70E740481C1C}">
+                <a14:useLocalDpi xmlns:a14="http://schemas.microsoft.com/office/drawing/2010/main" val="0"/>
+              </a:ext>
+            </a:extLst>
+          </a:blip>
+          <a:srcRect/>
+          <a:stretch>
+            <a:fillRect/>
+          </a:stretch>
+        </p:blipFill>
+        <p:spPr bwMode="auto">
+          <a:xfrm>
+            <a:off x="4388572" y="5394648"/>
+            <a:ext cx="1707428" cy="1373462"/>
+          </a:xfrm>
+          <a:prstGeom prst="rect">
+            <a:avLst/>
+          </a:prstGeom>
+          <a:noFill/>
+          <a:extLst>
+            <a:ext uri="{909E8E84-426E-40DD-AFC4-6F175D3DCCD1}">
+              <a14:hiddenFill xmlns:a14="http://schemas.microsoft.com/office/drawing/2010/main">
+                <a:solidFill>
+                  <a:srgbClr val="FFFFFF"/>
+                </a:solidFill>
+              </a14:hiddenFill>
+            </a:ext>
+          </a:extLst>
+        </p:spPr>
+      </p:pic>
+      <p:pic>
+        <p:nvPicPr>
+          <p:cNvPr id="1041" name="Picture 17">
+            <a:extLst>
+              <a:ext uri="{FF2B5EF4-FFF2-40B4-BE49-F238E27FC236}">
+                <a16:creationId xmlns:a16="http://schemas.microsoft.com/office/drawing/2014/main" id="{8C7FB935-7EF0-9308-827B-287161EA8CD2}"/>
+              </a:ext>
+            </a:extLst>
+          </p:cNvPr>
+          <p:cNvPicPr>
+            <a:picLocks noChangeAspect="1" noChangeArrowheads="1"/>
+          </p:cNvPicPr>
+          <p:nvPr/>
+        </p:nvPicPr>
+        <p:blipFill>
+          <a:blip r:embed="rId8">
+            <a:extLst>
+              <a:ext uri="{28A0092B-C50C-407E-A947-70E740481C1C}">
+                <a14:useLocalDpi xmlns:a14="http://schemas.microsoft.com/office/drawing/2010/main" val="0"/>
+              </a:ext>
+            </a:extLst>
+          </a:blip>
+          <a:srcRect/>
+          <a:stretch>
+            <a:fillRect/>
+          </a:stretch>
+        </p:blipFill>
+        <p:spPr bwMode="auto">
+          <a:xfrm>
+            <a:off x="6155933" y="5394187"/>
+            <a:ext cx="1703458" cy="1367124"/>
+          </a:xfrm>
+          <a:prstGeom prst="rect">
+            <a:avLst/>
+          </a:prstGeom>
+          <a:noFill/>
+          <a:extLst>
+            <a:ext uri="{909E8E84-426E-40DD-AFC4-6F175D3DCCD1}">
+              <a14:hiddenFill xmlns:a14="http://schemas.microsoft.com/office/drawing/2010/main">
+                <a:solidFill>
+                  <a:srgbClr val="FFFFFF"/>
+                </a:solidFill>
+              </a14:hiddenFill>
+            </a:ext>
+          </a:extLst>
+        </p:spPr>
+      </p:pic>
+      <p:sp>
+        <p:nvSpPr>
+          <p:cNvPr id="22" name="TextBox 21">
+            <a:extLst>
+              <a:ext uri="{FF2B5EF4-FFF2-40B4-BE49-F238E27FC236}">
+                <a16:creationId xmlns:a16="http://schemas.microsoft.com/office/drawing/2014/main" id="{EDD60AB0-16B5-6883-E45B-6C382C354240}"/>
+              </a:ext>
+            </a:extLst>
+          </p:cNvPr>
+          <p:cNvSpPr txBox="1"/>
+          <p:nvPr/>
+        </p:nvSpPr>
+        <p:spPr>
+          <a:xfrm>
+            <a:off x="4321717" y="5103735"/>
+            <a:ext cx="3537674" cy="246221"/>
           </a:xfrm>
           <a:prstGeom prst="rect">
             <a:avLst/>
@@ -12251,76 +15202,25 @@
           </a:bodyPr>
           <a:lstStyle/>
           <a:p>
-            <a:r>
-              <a:rPr lang="en-IN" b="1" i="0" dirty="0">
-                <a:solidFill>
-                  <a:srgbClr val="1F2328"/>
+            <a:pPr algn="l"/>
+            <a:r>
+              <a:rPr lang="en-US" sz="1000" i="0" dirty="0">
+                <a:solidFill>
+                  <a:schemeClr val="bg1"/>
                 </a:solidFill>
                 <a:effectLst/>
-                <a:latin typeface="-apple-system"/>
               </a:rPr>
-              <a:t>(OCCUPATION_TYPE)</a:t>
-            </a:r>
-          </a:p>
-          <a:p>
-            <a:r>
-              <a:rPr lang="en-IN" b="1" i="0" dirty="0">
-                <a:solidFill>
-                  <a:srgbClr val="1F2328"/>
-                </a:solidFill>
-                <a:effectLst/>
-                <a:latin typeface="-apple-system"/>
-              </a:rPr>
-              <a:t>(OWN_CAR_AGE)</a:t>
-            </a:r>
-            <a:endParaRPr lang="en-IN" dirty="0"/>
+              <a:t>Filling missing values with random forest classifier</a:t>
+            </a:r>
           </a:p>
         </p:txBody>
       </p:sp>
-      <p:cxnSp>
-        <p:nvCxnSpPr>
-          <p:cNvPr id="7" name="Straight Connector 6">
-            <a:extLst>
-              <a:ext uri="{FF2B5EF4-FFF2-40B4-BE49-F238E27FC236}">
-                <a16:creationId xmlns:a16="http://schemas.microsoft.com/office/drawing/2014/main" id="{1D749262-BD62-1994-A2A1-D7387947EB92}"/>
-              </a:ext>
-            </a:extLst>
-          </p:cNvPr>
-          <p:cNvCxnSpPr>
-            <a:cxnSpLocks/>
-          </p:cNvCxnSpPr>
-          <p:nvPr/>
-        </p:nvCxnSpPr>
-        <p:spPr>
-          <a:xfrm>
-            <a:off x="5622878" y="464024"/>
-            <a:ext cx="0" cy="6032310"/>
-          </a:xfrm>
-          <a:prstGeom prst="line">
-            <a:avLst/>
-          </a:prstGeom>
-        </p:spPr>
-        <p:style>
-          <a:lnRef idx="1">
-            <a:schemeClr val="accent1"/>
-          </a:lnRef>
-          <a:fillRef idx="0">
-            <a:schemeClr val="accent1"/>
-          </a:fillRef>
-          <a:effectRef idx="0">
-            <a:schemeClr val="accent1"/>
-          </a:effectRef>
-          <a:fontRef idx="minor">
-            <a:schemeClr val="tx1"/>
-          </a:fontRef>
-        </p:style>
-      </p:cxnSp>
       <p:sp>
         <p:nvSpPr>
-          <p:cNvPr id="12" name="TextBox 11">
+          <p:cNvPr id="23" name="TextBox 22">
             <a:extLst>
               <a:ext uri="{FF2B5EF4-FFF2-40B4-BE49-F238E27FC236}">
-                <a16:creationId xmlns:a16="http://schemas.microsoft.com/office/drawing/2014/main" id="{0D88DA2B-8969-D4EF-F3EB-27882A1C677F}"/>
+                <a16:creationId xmlns:a16="http://schemas.microsoft.com/office/drawing/2014/main" id="{4574B2C0-8884-28E8-7BF5-487AA3D076D0}"/>
               </a:ext>
             </a:extLst>
           </p:cNvPr>
@@ -12329,13 +15229,355 @@
         </p:nvSpPr>
         <p:spPr>
           <a:xfrm>
-            <a:off x="241388" y="1679686"/>
-            <a:ext cx="6093724" cy="3600986"/>
+            <a:off x="8028157" y="110142"/>
+            <a:ext cx="4036603" cy="4093428"/>
           </a:xfrm>
           <a:prstGeom prst="rect">
             <a:avLst/>
           </a:prstGeom>
           <a:noFill/>
+          <a:ln>
+            <a:solidFill>
+              <a:schemeClr val="tx2">
+                <a:lumMod val="40000"/>
+                <a:lumOff val="60000"/>
+              </a:schemeClr>
+            </a:solidFill>
+          </a:ln>
+        </p:spPr>
+        <p:txBody>
+          <a:bodyPr wrap="square" rtlCol="0">
+            <a:spAutoFit/>
+          </a:bodyPr>
+          <a:lstStyle/>
+          <a:p>
+            <a:r>
+              <a:rPr lang="en-US" sz="1200" b="1" dirty="0">
+                <a:solidFill>
+                  <a:schemeClr val="bg1"/>
+                </a:solidFill>
+              </a:rPr>
+              <a:t>2. </a:t>
+            </a:r>
+            <a:r>
+              <a:rPr lang="en-IN" sz="1200" b="1" i="0" dirty="0">
+                <a:solidFill>
+                  <a:schemeClr val="bg1"/>
+                </a:solidFill>
+                <a:effectLst/>
+                <a:latin typeface="system-ui"/>
+              </a:rPr>
+              <a:t>OWN_CAR_AGE</a:t>
+            </a:r>
+            <a:endParaRPr lang="en-US" sz="1200" b="1" dirty="0">
+              <a:solidFill>
+                <a:schemeClr val="bg1"/>
+              </a:solidFill>
+            </a:endParaRPr>
+          </a:p>
+          <a:p>
+            <a:endParaRPr lang="en-US" sz="800" dirty="0">
+              <a:solidFill>
+                <a:schemeClr val="bg1"/>
+              </a:solidFill>
+            </a:endParaRPr>
+          </a:p>
+          <a:p>
+            <a:r>
+              <a:rPr lang="en-US" sz="800" b="1" i="0" dirty="0">
+                <a:solidFill>
+                  <a:schemeClr val="bg1"/>
+                </a:solidFill>
+                <a:effectLst/>
+                <a:latin typeface="system-ui"/>
+              </a:rPr>
+              <a:t>RELATIONSHIP BETWEEN "FLAG_OWN_CAR" and "OWN_CAR_AGE"</a:t>
+            </a:r>
+          </a:p>
+          <a:p>
+            <a:endParaRPr lang="en-US" sz="800" dirty="0">
+              <a:solidFill>
+                <a:schemeClr val="bg1"/>
+              </a:solidFill>
+            </a:endParaRPr>
+          </a:p>
+          <a:p>
+            <a:endParaRPr lang="en-US" sz="800" dirty="0">
+              <a:solidFill>
+                <a:schemeClr val="bg1"/>
+              </a:solidFill>
+            </a:endParaRPr>
+          </a:p>
+          <a:p>
+            <a:endParaRPr lang="en-US" sz="800" dirty="0">
+              <a:solidFill>
+                <a:schemeClr val="bg1"/>
+              </a:solidFill>
+            </a:endParaRPr>
+          </a:p>
+          <a:p>
+            <a:endParaRPr lang="en-US" sz="800" dirty="0">
+              <a:solidFill>
+                <a:schemeClr val="bg1"/>
+              </a:solidFill>
+            </a:endParaRPr>
+          </a:p>
+          <a:p>
+            <a:endParaRPr lang="en-US" sz="800" dirty="0">
+              <a:solidFill>
+                <a:schemeClr val="bg1"/>
+              </a:solidFill>
+            </a:endParaRPr>
+          </a:p>
+          <a:p>
+            <a:endParaRPr lang="en-US" sz="800" dirty="0">
+              <a:solidFill>
+                <a:schemeClr val="bg1"/>
+              </a:solidFill>
+            </a:endParaRPr>
+          </a:p>
+          <a:p>
+            <a:endParaRPr lang="en-US" sz="800" dirty="0">
+              <a:solidFill>
+                <a:schemeClr val="bg1"/>
+              </a:solidFill>
+            </a:endParaRPr>
+          </a:p>
+          <a:p>
+            <a:endParaRPr lang="en-US" sz="800" dirty="0">
+              <a:solidFill>
+                <a:schemeClr val="bg1"/>
+              </a:solidFill>
+            </a:endParaRPr>
+          </a:p>
+          <a:p>
+            <a:endParaRPr lang="en-US" sz="800" dirty="0">
+              <a:solidFill>
+                <a:schemeClr val="bg1"/>
+              </a:solidFill>
+            </a:endParaRPr>
+          </a:p>
+          <a:p>
+            <a:endParaRPr lang="en-US" sz="800" dirty="0">
+              <a:solidFill>
+                <a:schemeClr val="bg1"/>
+              </a:solidFill>
+            </a:endParaRPr>
+          </a:p>
+          <a:p>
+            <a:endParaRPr lang="en-US" sz="800" dirty="0">
+              <a:solidFill>
+                <a:schemeClr val="bg1"/>
+              </a:solidFill>
+            </a:endParaRPr>
+          </a:p>
+          <a:p>
+            <a:endParaRPr lang="en-US" sz="800" dirty="0">
+              <a:solidFill>
+                <a:schemeClr val="bg1"/>
+              </a:solidFill>
+            </a:endParaRPr>
+          </a:p>
+          <a:p>
+            <a:endParaRPr lang="en-US" sz="800" dirty="0">
+              <a:solidFill>
+                <a:schemeClr val="bg1"/>
+              </a:solidFill>
+            </a:endParaRPr>
+          </a:p>
+          <a:p>
+            <a:endParaRPr lang="en-US" sz="800" dirty="0">
+              <a:solidFill>
+                <a:schemeClr val="bg1"/>
+              </a:solidFill>
+            </a:endParaRPr>
+          </a:p>
+          <a:p>
+            <a:endParaRPr lang="en-US" sz="800" dirty="0">
+              <a:solidFill>
+                <a:schemeClr val="bg1"/>
+              </a:solidFill>
+            </a:endParaRPr>
+          </a:p>
+          <a:p>
+            <a:endParaRPr lang="en-US" sz="800" dirty="0">
+              <a:solidFill>
+                <a:schemeClr val="bg1"/>
+              </a:solidFill>
+            </a:endParaRPr>
+          </a:p>
+          <a:p>
+            <a:endParaRPr lang="en-US" sz="800" dirty="0">
+              <a:solidFill>
+                <a:schemeClr val="bg1"/>
+              </a:solidFill>
+            </a:endParaRPr>
+          </a:p>
+          <a:p>
+            <a:r>
+              <a:rPr lang="en-US" sz="800" dirty="0">
+                <a:solidFill>
+                  <a:schemeClr val="bg1"/>
+                </a:solidFill>
+              </a:rPr>
+              <a:t>There were 5 missing values for customers who owned car</a:t>
+            </a:r>
+          </a:p>
+          <a:p>
+            <a:r>
+              <a:rPr lang="en-US" sz="800" dirty="0">
+                <a:solidFill>
+                  <a:schemeClr val="bg1"/>
+                </a:solidFill>
+              </a:rPr>
+              <a:t>Logically collected related columns</a:t>
+            </a:r>
+          </a:p>
+          <a:p>
+            <a:r>
+              <a:rPr lang="en-US" sz="800" dirty="0">
+                <a:solidFill>
+                  <a:schemeClr val="bg1"/>
+                </a:solidFill>
+              </a:rPr>
+              <a:t>FLAG_OWN_CAR</a:t>
+            </a:r>
+          </a:p>
+          <a:p>
+            <a:r>
+              <a:rPr lang="en-US" sz="800" dirty="0">
+                <a:solidFill>
+                  <a:schemeClr val="bg1"/>
+                </a:solidFill>
+              </a:rPr>
+              <a:t>OWN_CAR_AGE</a:t>
+            </a:r>
+          </a:p>
+          <a:p>
+            <a:r>
+              <a:rPr lang="en-US" sz="800" dirty="0">
+                <a:solidFill>
+                  <a:schemeClr val="bg1"/>
+                </a:solidFill>
+              </a:rPr>
+              <a:t>CODE_GENDER</a:t>
+            </a:r>
+          </a:p>
+          <a:p>
+            <a:r>
+              <a:rPr lang="en-US" sz="800" dirty="0">
+                <a:solidFill>
+                  <a:schemeClr val="bg1"/>
+                </a:solidFill>
+              </a:rPr>
+              <a:t>DAYS_BIRTH</a:t>
+            </a:r>
+          </a:p>
+          <a:p>
+            <a:r>
+              <a:rPr lang="en-US" sz="800" dirty="0">
+                <a:solidFill>
+                  <a:schemeClr val="bg1"/>
+                </a:solidFill>
+              </a:rPr>
+              <a:t>DAYS_EMPLOYED</a:t>
+            </a:r>
+          </a:p>
+          <a:p>
+            <a:r>
+              <a:rPr lang="en-US" sz="800" dirty="0">
+                <a:solidFill>
+                  <a:schemeClr val="bg1"/>
+                </a:solidFill>
+              </a:rPr>
+              <a:t>OCCUPATION_TYPE	</a:t>
+            </a:r>
+          </a:p>
+          <a:p>
+            <a:r>
+              <a:rPr lang="en-US" sz="800" dirty="0">
+                <a:solidFill>
+                  <a:schemeClr val="bg1"/>
+                </a:solidFill>
+              </a:rPr>
+              <a:t>CNT_FAM_MEMBERS</a:t>
+            </a:r>
+          </a:p>
+          <a:p>
+            <a:endParaRPr lang="en-US" sz="800" dirty="0">
+              <a:solidFill>
+                <a:schemeClr val="bg1"/>
+              </a:solidFill>
+            </a:endParaRPr>
+          </a:p>
+          <a:p>
+            <a:r>
+              <a:rPr lang="en-US" sz="800" dirty="0">
+                <a:solidFill>
+                  <a:schemeClr val="bg1"/>
+                </a:solidFill>
+              </a:rPr>
+              <a:t>Predicted these 5 columns using regression imputation</a:t>
+            </a:r>
+          </a:p>
+        </p:txBody>
+      </p:sp>
+      <p:graphicFrame>
+        <p:nvGraphicFramePr>
+          <p:cNvPr id="25" name="Chart 24">
+            <a:extLst>
+              <a:ext uri="{FF2B5EF4-FFF2-40B4-BE49-F238E27FC236}">
+                <a16:creationId xmlns:a16="http://schemas.microsoft.com/office/drawing/2014/main" id="{1EEA6F48-FB02-F120-8A4C-1161A6B214EA}"/>
+              </a:ext>
+            </a:extLst>
+          </p:cNvPr>
+          <p:cNvGraphicFramePr>
+            <a:graphicFrameLocks/>
+          </p:cNvGraphicFramePr>
+          <p:nvPr>
+            <p:extLst>
+              <p:ext uri="{D42A27DB-BD31-4B8C-83A1-F6EECF244321}">
+                <p14:modId xmlns:p14="http://schemas.microsoft.com/office/powerpoint/2010/main" val="1438508602"/>
+              </p:ext>
+            </p:extLst>
+          </p:nvPr>
+        </p:nvGraphicFramePr>
+        <p:xfrm>
+          <a:off x="10131602" y="760298"/>
+          <a:ext cx="1823632" cy="1733200"/>
+        </p:xfrm>
+        <a:graphic>
+          <a:graphicData uri="http://schemas.openxmlformats.org/drawingml/2006/chart">
+            <c:chart xmlns:c="http://schemas.openxmlformats.org/drawingml/2006/chart" xmlns:r="http://schemas.openxmlformats.org/officeDocument/2006/relationships" r:id="rId9"/>
+          </a:graphicData>
+        </a:graphic>
+      </p:graphicFrame>
+      <p:sp>
+        <p:nvSpPr>
+          <p:cNvPr id="29" name="TextBox 28">
+            <a:extLst>
+              <a:ext uri="{FF2B5EF4-FFF2-40B4-BE49-F238E27FC236}">
+                <a16:creationId xmlns:a16="http://schemas.microsoft.com/office/drawing/2014/main" id="{7A003891-B7E9-795E-4C65-A93F01C99E18}"/>
+              </a:ext>
+            </a:extLst>
+          </p:cNvPr>
+          <p:cNvSpPr txBox="1"/>
+          <p:nvPr/>
+        </p:nvSpPr>
+        <p:spPr>
+          <a:xfrm>
+            <a:off x="8022114" y="4313712"/>
+            <a:ext cx="4035724" cy="2339102"/>
+          </a:xfrm>
+          <a:prstGeom prst="rect">
+            <a:avLst/>
+          </a:prstGeom>
+          <a:noFill/>
+          <a:ln>
+            <a:solidFill>
+              <a:srgbClr val="A8B5D6"/>
+            </a:solidFill>
+          </a:ln>
         </p:spPr>
         <p:txBody>
           <a:bodyPr wrap="square">
@@ -12343,509 +15585,183 @@
           </a:bodyPr>
           <a:lstStyle/>
           <a:p>
-            <a:r>
-              <a:rPr lang="en-IN" b="1" dirty="0">
-                <a:solidFill>
-                  <a:srgbClr val="1F2328"/>
-                </a:solidFill>
-                <a:latin typeface="-apple-system"/>
+            <a:pPr algn="l"/>
+            <a:r>
+              <a:rPr lang="en-IN" sz="1200" b="1" i="0" dirty="0">
+                <a:solidFill>
+                  <a:schemeClr val="bg1"/>
+                </a:solidFill>
+                <a:effectLst/>
               </a:rPr>
-              <a:t>Columns with less than 15% missing values</a:t>
-            </a:r>
-          </a:p>
-          <a:p>
-            <a:endParaRPr lang="en-IN" b="1" i="0" dirty="0">
+              <a:t>AMT_REQ_CREDIT_BUREAU</a:t>
+            </a:r>
+          </a:p>
+          <a:p>
+            <a:pPr algn="l"/>
+            <a:endParaRPr lang="en-IN" sz="1200" b="1" dirty="0">
               <a:solidFill>
-                <a:srgbClr val="1F2328"/>
+                <a:schemeClr val="bg1"/>
+              </a:solidFill>
+            </a:endParaRPr>
+          </a:p>
+          <a:p>
+            <a:pPr algn="l"/>
+            <a:r>
+              <a:rPr lang="en-US" sz="1000" b="1" i="0" dirty="0">
+                <a:solidFill>
+                  <a:schemeClr val="bg1"/>
+                </a:solidFill>
+                <a:effectLst/>
+                <a:latin typeface="var(--jp-content-font-family)"/>
+              </a:rPr>
+              <a:t>DATA IS MISSING COMPLETELY AT RANDOM</a:t>
+            </a:r>
+          </a:p>
+          <a:p>
+            <a:pPr algn="l"/>
+            <a:r>
+              <a:rPr lang="en-US" sz="1000" b="0" i="0" dirty="0">
+                <a:solidFill>
+                  <a:schemeClr val="bg1"/>
+                </a:solidFill>
+                <a:effectLst/>
+                <a:latin typeface="var(--jp-content-font-family)"/>
+              </a:rPr>
+              <a:t>Multiple Imputation by Chained Equations (MICE):</a:t>
+            </a:r>
+            <a:br>
+              <a:rPr lang="en-US" sz="1000" b="0" i="0" dirty="0">
+                <a:solidFill>
+                  <a:schemeClr val="bg1"/>
+                </a:solidFill>
+                <a:effectLst/>
+                <a:latin typeface="var(--jp-content-font-family)"/>
+              </a:rPr>
+            </a:br>
+            <a:r>
+              <a:rPr lang="en-US" sz="1000" b="0" i="0" dirty="0">
+                <a:solidFill>
+                  <a:schemeClr val="bg1"/>
+                </a:solidFill>
+                <a:effectLst/>
+                <a:latin typeface="var(--jp-content-font-family)"/>
+              </a:rPr>
+              <a:t>Pros: Captures relationships between variables, provides multiple imputations for uncertainty estimation.</a:t>
+            </a:r>
+            <a:br>
+              <a:rPr lang="en-US" sz="1000" b="0" i="0" dirty="0">
+                <a:solidFill>
+                  <a:schemeClr val="bg1"/>
+                </a:solidFill>
+                <a:effectLst/>
+                <a:latin typeface="var(--jp-content-font-family)"/>
+              </a:rPr>
+            </a:br>
+            <a:r>
+              <a:rPr lang="en-US" sz="1000" b="0" i="0" dirty="0">
+                <a:solidFill>
+                  <a:schemeClr val="bg1"/>
+                </a:solidFill>
+                <a:effectLst/>
+                <a:latin typeface="var(--jp-content-font-family)"/>
+              </a:rPr>
+              <a:t>Cons: Computationally intensive</a:t>
+            </a:r>
+          </a:p>
+          <a:p>
+            <a:pPr algn="l"/>
+            <a:endParaRPr lang="en-IN" sz="1200" b="1" dirty="0">
+              <a:solidFill>
+                <a:schemeClr val="bg1"/>
+              </a:solidFill>
+            </a:endParaRPr>
+          </a:p>
+          <a:p>
+            <a:pPr algn="l"/>
+            <a:r>
+              <a:rPr lang="en-IN" sz="1000" b="0" i="0" dirty="0">
+                <a:solidFill>
+                  <a:schemeClr val="bg1"/>
+                </a:solidFill>
+                <a:effectLst/>
+                <a:latin typeface="Courier New" panose="02070309020205020404" pitchFamily="49" charset="0"/>
+              </a:rPr>
+              <a:t>"AMT_REQ_CREDIT_BUREAU_HOUR" ,"AMT_REQ_CREDIT_BUREAU_DAY", "AMT_REQ_CREDIT_BUREAU_WEEK", "AMT_REQ_CREDIT_BUREAU_MON", "AMT_REQ_CREDIT_BUREAU_QRT", "AMT_REQ_CREDIT_BUREAU_YEAR"</a:t>
+            </a:r>
+            <a:endParaRPr lang="en-IN" sz="1000" b="1" i="0" dirty="0">
+              <a:solidFill>
+                <a:schemeClr val="bg1"/>
               </a:solidFill>
               <a:effectLst/>
-              <a:latin typeface="-apple-system"/>
             </a:endParaRPr>
-          </a:p>
-          <a:p>
-            <a:r>
-              <a:rPr lang="en-IN" sz="1200" i="0" dirty="0">
-                <a:solidFill>
-                  <a:srgbClr val="1F2328"/>
-                </a:solidFill>
-                <a:effectLst/>
-                <a:latin typeface="-apple-system"/>
-              </a:rPr>
-              <a:t>AMT_REQ_CREDIT_BUREAU_HOUR    13.494982</a:t>
-            </a:r>
-          </a:p>
-          <a:p>
-            <a:r>
-              <a:rPr lang="en-IN" sz="1200" i="0" dirty="0">
-                <a:solidFill>
-                  <a:srgbClr val="1F2328"/>
-                </a:solidFill>
-                <a:effectLst/>
-                <a:latin typeface="-apple-system"/>
-              </a:rPr>
-              <a:t>AMT_REQ_CREDIT_BUREAU_DAY     13.494982</a:t>
-            </a:r>
-          </a:p>
-          <a:p>
-            <a:r>
-              <a:rPr lang="en-IN" sz="1200" i="0" dirty="0">
-                <a:solidFill>
-                  <a:srgbClr val="1F2328"/>
-                </a:solidFill>
-                <a:effectLst/>
-                <a:latin typeface="-apple-system"/>
-              </a:rPr>
-              <a:t>AMT_REQ_CREDIT_BUREAU_WEEK    13.494982</a:t>
-            </a:r>
-          </a:p>
-          <a:p>
-            <a:r>
-              <a:rPr lang="en-IN" sz="1200" i="0" dirty="0">
-                <a:solidFill>
-                  <a:srgbClr val="1F2328"/>
-                </a:solidFill>
-                <a:effectLst/>
-                <a:latin typeface="-apple-system"/>
-              </a:rPr>
-              <a:t>AMT_REQ_CREDIT_BUREAU_MON     13.494982</a:t>
-            </a:r>
-          </a:p>
-          <a:p>
-            <a:r>
-              <a:rPr lang="en-IN" sz="1200" i="0" dirty="0">
-                <a:solidFill>
-                  <a:srgbClr val="1F2328"/>
-                </a:solidFill>
-                <a:effectLst/>
-                <a:latin typeface="-apple-system"/>
-              </a:rPr>
-              <a:t>AMT_REQ_CREDIT_BUREAU_QRT     13.494982</a:t>
-            </a:r>
-          </a:p>
-          <a:p>
-            <a:r>
-              <a:rPr lang="en-IN" sz="1200" i="0" dirty="0">
-                <a:solidFill>
-                  <a:srgbClr val="1F2328"/>
-                </a:solidFill>
-                <a:effectLst/>
-                <a:latin typeface="-apple-system"/>
-              </a:rPr>
-              <a:t>AMT_REQ_CREDIT_BUREAU_YEAR    13.494982</a:t>
-            </a:r>
-          </a:p>
-          <a:p>
-            <a:endParaRPr lang="en-IN" sz="1200" i="0" dirty="0">
-              <a:solidFill>
-                <a:srgbClr val="1F2328"/>
-              </a:solidFill>
-              <a:effectLst/>
-              <a:latin typeface="-apple-system"/>
-            </a:endParaRPr>
-          </a:p>
-          <a:p>
-            <a:r>
-              <a:rPr lang="en-IN" sz="1200" i="0" dirty="0">
-                <a:solidFill>
-                  <a:srgbClr val="1F2328"/>
-                </a:solidFill>
-                <a:effectLst/>
-                <a:latin typeface="-apple-system"/>
-              </a:rPr>
-              <a:t>NAME_TYPE_SUITE                0.419796</a:t>
-            </a:r>
-          </a:p>
-          <a:p>
-            <a:r>
-              <a:rPr lang="en-IN" sz="1200" i="0" dirty="0">
-                <a:solidFill>
-                  <a:srgbClr val="1F2328"/>
-                </a:solidFill>
-                <a:effectLst/>
-                <a:latin typeface="-apple-system"/>
-              </a:rPr>
-              <a:t>OBS_30_CNT_SOCIAL_CIRCLE       0.331281</a:t>
-            </a:r>
-          </a:p>
-          <a:p>
-            <a:r>
-              <a:rPr lang="en-IN" sz="1200" i="0" dirty="0">
-                <a:solidFill>
-                  <a:srgbClr val="1F2328"/>
-                </a:solidFill>
-                <a:effectLst/>
-                <a:latin typeface="-apple-system"/>
-              </a:rPr>
-              <a:t>DEF_30_CNT_SOCIAL_CIRCLE       0.331281</a:t>
-            </a:r>
-          </a:p>
-          <a:p>
-            <a:r>
-              <a:rPr lang="en-IN" sz="1200" i="0" dirty="0">
-                <a:solidFill>
-                  <a:srgbClr val="1F2328"/>
-                </a:solidFill>
-                <a:effectLst/>
-                <a:latin typeface="-apple-system"/>
-              </a:rPr>
-              <a:t>OBS_60_CNT_SOCIAL_CIRCLE       0.331281</a:t>
-            </a:r>
-          </a:p>
-          <a:p>
-            <a:r>
-              <a:rPr lang="en-IN" sz="1200" i="0" dirty="0">
-                <a:solidFill>
-                  <a:srgbClr val="1F2328"/>
-                </a:solidFill>
-                <a:effectLst/>
-                <a:latin typeface="-apple-system"/>
-              </a:rPr>
-              <a:t>DEF_60_CNT_SOCIAL_CIRCLE       0.331281</a:t>
-            </a:r>
-          </a:p>
-          <a:p>
-            <a:r>
-              <a:rPr lang="en-IN" sz="1200" i="0" dirty="0">
-                <a:solidFill>
-                  <a:srgbClr val="1F2328"/>
-                </a:solidFill>
-                <a:effectLst/>
-                <a:latin typeface="-apple-system"/>
-              </a:rPr>
-              <a:t>EXT_SOURCE_2                   0.214779</a:t>
-            </a:r>
-          </a:p>
-          <a:p>
-            <a:r>
-              <a:rPr lang="en-IN" sz="1200" i="0" dirty="0">
-                <a:solidFill>
-                  <a:srgbClr val="1F2328"/>
-                </a:solidFill>
-                <a:effectLst/>
-                <a:latin typeface="-apple-system"/>
-              </a:rPr>
-              <a:t>AMT_GOODS_PRICE                0.090468</a:t>
-            </a:r>
-          </a:p>
-          <a:p>
-            <a:r>
-              <a:rPr lang="en-IN" sz="1200" i="0" dirty="0">
-                <a:solidFill>
-                  <a:srgbClr val="1F2328"/>
-                </a:solidFill>
-                <a:effectLst/>
-                <a:latin typeface="-apple-system"/>
-              </a:rPr>
-              <a:t>AMT_ANNUITY                    0.003905</a:t>
-            </a:r>
-          </a:p>
-          <a:p>
-            <a:r>
-              <a:rPr lang="en-IN" sz="1200" i="0" dirty="0">
-                <a:solidFill>
-                  <a:srgbClr val="1F2328"/>
-                </a:solidFill>
-                <a:effectLst/>
-                <a:latin typeface="-apple-system"/>
-              </a:rPr>
-              <a:t>CNT_FAM_MEMBERS                0.000651</a:t>
-            </a:r>
           </a:p>
         </p:txBody>
       </p:sp>
-      <p:sp>
-        <p:nvSpPr>
-          <p:cNvPr id="15" name="TextBox 14">
+      <p:pic>
+        <p:nvPicPr>
+          <p:cNvPr id="39" name="Picture 38">
             <a:extLst>
               <a:ext uri="{FF2B5EF4-FFF2-40B4-BE49-F238E27FC236}">
-                <a16:creationId xmlns:a16="http://schemas.microsoft.com/office/drawing/2014/main" id="{CD78DF6E-FB91-5AD6-4B7E-452BF1D43EA2}"/>
+                <a16:creationId xmlns:a16="http://schemas.microsoft.com/office/drawing/2014/main" id="{547A9028-1A55-57EF-B376-E7B24C44DB3F}"/>
               </a:ext>
             </a:extLst>
           </p:cNvPr>
-          <p:cNvSpPr txBox="1"/>
+          <p:cNvPicPr>
+            <a:picLocks noChangeAspect="1"/>
+          </p:cNvPicPr>
           <p:nvPr/>
-        </p:nvSpPr>
+        </p:nvPicPr>
+        <p:blipFill>
+          <a:blip r:embed="rId10"/>
+          <a:stretch>
+            <a:fillRect/>
+          </a:stretch>
+        </p:blipFill>
         <p:spPr>
           <a:xfrm>
-            <a:off x="5753869" y="464024"/>
-            <a:ext cx="6093724" cy="3785652"/>
+            <a:off x="158753" y="760298"/>
+            <a:ext cx="3926369" cy="3676282"/>
           </a:xfrm>
           <a:prstGeom prst="rect">
             <a:avLst/>
           </a:prstGeom>
-          <a:noFill/>
+          <a:ln>
+            <a:solidFill>
+              <a:srgbClr val="A8B5D6"/>
+            </a:solidFill>
+          </a:ln>
         </p:spPr>
-        <p:txBody>
-          <a:bodyPr wrap="square">
-            <a:spAutoFit/>
-          </a:bodyPr>
-          <a:lstStyle/>
-          <a:p>
-            <a:r>
-              <a:rPr lang="en-IN" sz="1200" i="0" dirty="0">
-                <a:solidFill>
-                  <a:srgbClr val="1F2328"/>
-                </a:solidFill>
-                <a:effectLst/>
-                <a:latin typeface="-apple-system"/>
-              </a:rPr>
-              <a:t>OBS_30_CNT_SOCIAL_CIRCLE       0.331281</a:t>
-            </a:r>
-          </a:p>
-          <a:p>
-            <a:r>
-              <a:rPr lang="en-IN" sz="1200" i="0" dirty="0">
-                <a:solidFill>
-                  <a:srgbClr val="1F2328"/>
-                </a:solidFill>
-                <a:effectLst/>
-                <a:latin typeface="-apple-system"/>
-              </a:rPr>
-              <a:t>DEF_30_CNT_SOCIAL_CIRCLE       0.331281</a:t>
-            </a:r>
-          </a:p>
-          <a:p>
-            <a:r>
-              <a:rPr lang="en-IN" sz="1200" i="0" dirty="0">
-                <a:solidFill>
-                  <a:srgbClr val="1F2328"/>
-                </a:solidFill>
-                <a:effectLst/>
-                <a:latin typeface="-apple-system"/>
-              </a:rPr>
-              <a:t>OBS_60_CNT_SOCIAL_CIRCLE       0.331281</a:t>
-            </a:r>
-          </a:p>
-          <a:p>
-            <a:r>
-              <a:rPr lang="en-IN" sz="1200" i="0" dirty="0">
-                <a:solidFill>
-                  <a:srgbClr val="1F2328"/>
-                </a:solidFill>
-                <a:effectLst/>
-                <a:latin typeface="-apple-system"/>
-              </a:rPr>
-              <a:t>DEF_60_CNT_SOCIAL_CIRCLE       0.331281</a:t>
-            </a:r>
-          </a:p>
-          <a:p>
-            <a:endParaRPr lang="en-IN" sz="1200" dirty="0">
-              <a:solidFill>
-                <a:srgbClr val="1F2328"/>
-              </a:solidFill>
-              <a:latin typeface="-apple-system"/>
-            </a:endParaRPr>
-          </a:p>
-          <a:p>
-            <a:pPr marL="228600" indent="-228600">
-              <a:buAutoNum type="arabicPeriod"/>
-            </a:pPr>
-            <a:r>
-              <a:rPr lang="en-IN" sz="1200" i="0" dirty="0">
-                <a:solidFill>
-                  <a:srgbClr val="1F2328"/>
-                </a:solidFill>
-                <a:effectLst/>
-                <a:latin typeface="-apple-system"/>
-              </a:rPr>
-              <a:t>OBS_30_CNT_SOCIAL_CIRCLE :</a:t>
-            </a:r>
-            <a:r>
-              <a:rPr lang="en-US" sz="1200" b="0" i="0" dirty="0">
-                <a:solidFill>
-                  <a:srgbClr val="0D0D0D"/>
-                </a:solidFill>
-                <a:effectLst/>
-                <a:latin typeface="Söhne"/>
-              </a:rPr>
-              <a:t> counting the number of times people around the client (like friends or family) have faced payment issues where they didn't pay their bills on time, specifically when the delay is 30 days or more.</a:t>
-            </a:r>
-            <a:r>
-              <a:rPr lang="en-IN" sz="1200" i="0" dirty="0">
-                <a:solidFill>
-                  <a:srgbClr val="1F2328"/>
-                </a:solidFill>
-                <a:effectLst/>
-                <a:latin typeface="-apple-system"/>
-              </a:rPr>
-              <a:t>  </a:t>
-            </a:r>
-          </a:p>
-          <a:p>
-            <a:pPr marL="228600" indent="-228600">
-              <a:buAutoNum type="arabicPeriod"/>
-            </a:pPr>
-            <a:endParaRPr lang="en-IN" sz="1200" dirty="0">
-              <a:solidFill>
-                <a:srgbClr val="1F2328"/>
-              </a:solidFill>
-              <a:latin typeface="-apple-system"/>
-            </a:endParaRPr>
-          </a:p>
-          <a:p>
-            <a:r>
-              <a:rPr lang="en-US" sz="1200" b="0" i="0" dirty="0">
-                <a:solidFill>
-                  <a:srgbClr val="0D0D0D"/>
-                </a:solidFill>
-                <a:effectLst/>
-                <a:latin typeface="Söhne"/>
-              </a:rPr>
-              <a:t>The key difference is in the first one, where it focuses on defaults that are specifically noticeable or observable, while the second one just counts all instances of 30 days past due defaults without emphasizing whether they are easy to observe.</a:t>
-            </a:r>
-            <a:endParaRPr lang="en-IN" sz="1200" b="0" dirty="0">
-              <a:solidFill>
-                <a:srgbClr val="1F2328"/>
-              </a:solidFill>
-              <a:latin typeface="-apple-system"/>
-            </a:endParaRPr>
-          </a:p>
-          <a:p>
-            <a:endParaRPr lang="en-IN" sz="1200" dirty="0">
-              <a:solidFill>
-                <a:srgbClr val="1F2328"/>
-              </a:solidFill>
-              <a:latin typeface="-apple-system"/>
-            </a:endParaRPr>
-          </a:p>
-          <a:p>
-            <a:r>
-              <a:rPr lang="en-IN" sz="1200" dirty="0">
-                <a:solidFill>
-                  <a:srgbClr val="1F2328"/>
-                </a:solidFill>
-                <a:latin typeface="-apple-system"/>
-              </a:rPr>
-              <a:t>2. </a:t>
-            </a:r>
-            <a:r>
-              <a:rPr lang="en-IN" sz="1200" i="0" dirty="0">
-                <a:solidFill>
-                  <a:srgbClr val="1F2328"/>
-                </a:solidFill>
-                <a:effectLst/>
-                <a:latin typeface="-apple-system"/>
-              </a:rPr>
-              <a:t>NAME_TYPE_SUITE : </a:t>
-            </a:r>
-            <a:r>
-              <a:rPr lang="en-US" sz="1200" i="0" dirty="0">
-                <a:solidFill>
-                  <a:srgbClr val="1F2328"/>
-                </a:solidFill>
-                <a:effectLst/>
-                <a:latin typeface="-apple-system"/>
-              </a:rPr>
-              <a:t>Who accompanied client when applying for the previous application</a:t>
-            </a:r>
-            <a:endParaRPr lang="en-IN" sz="1200" dirty="0">
-              <a:solidFill>
-                <a:srgbClr val="1F2328"/>
-              </a:solidFill>
-              <a:latin typeface="-apple-system"/>
-            </a:endParaRPr>
-          </a:p>
-          <a:p>
-            <a:r>
-              <a:rPr lang="en-IN" sz="1200" dirty="0"/>
-              <a:t>3. </a:t>
-            </a:r>
-            <a:r>
-              <a:rPr lang="en-IN" sz="1200" i="0" dirty="0">
-                <a:solidFill>
-                  <a:srgbClr val="1F2328"/>
-                </a:solidFill>
-                <a:effectLst/>
-                <a:latin typeface="-apple-system"/>
-              </a:rPr>
-              <a:t>EXT_SOURCE_2 : </a:t>
-            </a:r>
-            <a:r>
-              <a:rPr lang="en-US" sz="1200" i="0" dirty="0">
-                <a:solidFill>
-                  <a:srgbClr val="1F2328"/>
-                </a:solidFill>
-                <a:effectLst/>
-                <a:latin typeface="-apple-system"/>
-              </a:rPr>
-              <a:t>Normalized score from external data source</a:t>
-            </a:r>
-          </a:p>
-          <a:p>
-            <a:r>
-              <a:rPr lang="en-US" sz="1200" dirty="0">
-                <a:solidFill>
-                  <a:srgbClr val="1F2328"/>
-                </a:solidFill>
-                <a:latin typeface="-apple-system"/>
-              </a:rPr>
-              <a:t>4. </a:t>
-            </a:r>
-            <a:r>
-              <a:rPr lang="en-IN" sz="1200" i="0" dirty="0">
-                <a:solidFill>
-                  <a:srgbClr val="1F2328"/>
-                </a:solidFill>
-                <a:effectLst/>
-                <a:latin typeface="-apple-system"/>
-              </a:rPr>
-              <a:t>AMT_GOODS_PRICE  : </a:t>
-            </a:r>
-            <a:r>
-              <a:rPr lang="en-US" sz="1200" dirty="0">
-                <a:solidFill>
-                  <a:srgbClr val="1F2328"/>
-                </a:solidFill>
-                <a:latin typeface="-apple-system"/>
-              </a:rPr>
-              <a:t>For consumer loans it is the price of the goods for which the loan is given</a:t>
-            </a:r>
-          </a:p>
-          <a:p>
-            <a:r>
-              <a:rPr lang="en-US" sz="1200" dirty="0">
-                <a:solidFill>
-                  <a:srgbClr val="1F2328"/>
-                </a:solidFill>
-                <a:latin typeface="-apple-system"/>
-              </a:rPr>
-              <a:t>5. </a:t>
-            </a:r>
-            <a:r>
-              <a:rPr lang="en-IN" sz="1200" i="0" dirty="0">
-                <a:solidFill>
-                  <a:srgbClr val="1F2328"/>
-                </a:solidFill>
-                <a:effectLst/>
-                <a:latin typeface="-apple-system"/>
-              </a:rPr>
-              <a:t>AMT_ANNUITY : Amount paid / year</a:t>
-            </a:r>
-          </a:p>
-          <a:p>
-            <a:r>
-              <a:rPr lang="en-US" sz="1200" i="0" dirty="0">
-                <a:solidFill>
-                  <a:srgbClr val="1F2328"/>
-                </a:solidFill>
-                <a:effectLst/>
-                <a:latin typeface="-apple-system"/>
-              </a:rPr>
-              <a:t>6. CNT_FAM_MEMBERS: How many family members does client have</a:t>
-            </a:r>
-            <a:endParaRPr lang="en-IN" sz="1200" i="0" dirty="0">
-              <a:solidFill>
-                <a:srgbClr val="1F2328"/>
-              </a:solidFill>
-              <a:effectLst/>
-              <a:latin typeface="-apple-system"/>
-            </a:endParaRPr>
-          </a:p>
-          <a:p>
-            <a:endParaRPr lang="en-IN" sz="1200" dirty="0"/>
-          </a:p>
-        </p:txBody>
-      </p:sp>
+      </p:pic>
+      <p:graphicFrame>
+        <p:nvGraphicFramePr>
+          <p:cNvPr id="44" name="Chart 43">
+            <a:extLst>
+              <a:ext uri="{FF2B5EF4-FFF2-40B4-BE49-F238E27FC236}">
+                <a16:creationId xmlns:a16="http://schemas.microsoft.com/office/drawing/2014/main" id="{E38118D6-8A11-8088-C8AE-AF92FC4F36D8}"/>
+              </a:ext>
+            </a:extLst>
+          </p:cNvPr>
+          <p:cNvGraphicFramePr>
+            <a:graphicFrameLocks/>
+          </p:cNvGraphicFramePr>
+          <p:nvPr>
+            <p:extLst>
+              <p:ext uri="{D42A27DB-BD31-4B8C-83A1-F6EECF244321}">
+                <p14:modId xmlns:p14="http://schemas.microsoft.com/office/powerpoint/2010/main" val="651179685"/>
+              </p:ext>
+            </p:extLst>
+          </p:nvPr>
+        </p:nvGraphicFramePr>
+        <p:xfrm>
+          <a:off x="8084262" y="760298"/>
+          <a:ext cx="1982765" cy="1733200"/>
+        </p:xfrm>
+        <a:graphic>
+          <a:graphicData uri="http://schemas.openxmlformats.org/drawingml/2006/chart">
+            <c:chart xmlns:c="http://schemas.openxmlformats.org/drawingml/2006/chart" xmlns:r="http://schemas.openxmlformats.org/officeDocument/2006/relationships" r:id="rId11"/>
+          </a:graphicData>
+        </a:graphic>
+      </p:graphicFrame>
     </p:spTree>
     <p:extLst>
       <p:ext uri="{BB962C8B-B14F-4D97-AF65-F5344CB8AC3E}">
@@ -12871,7 +15787,7 @@
 </p:sld>
 </file>
 
-<file path=ppt/slides/slide5.xml><?xml version="1.0" encoding="utf-8"?>
+<file path=ppt/slides/slide6.xml><?xml version="1.0" encoding="utf-8"?>
 <p:sld xmlns:a="http://schemas.openxmlformats.org/drawingml/2006/main" xmlns:r="http://schemas.openxmlformats.org/officeDocument/2006/relationships" xmlns:p="http://schemas.openxmlformats.org/presentationml/2006/main">
   <p:cSld>
     <p:spTree>
@@ -12888,6 +15804,915 @@
           <a:chExt cx="0" cy="0"/>
         </a:xfrm>
       </p:grpSpPr>
+      <p:pic>
+        <p:nvPicPr>
+          <p:cNvPr id="8" name="Picture 7">
+            <a:extLst>
+              <a:ext uri="{FF2B5EF4-FFF2-40B4-BE49-F238E27FC236}">
+                <a16:creationId xmlns:a16="http://schemas.microsoft.com/office/drawing/2014/main" id="{73196DFA-1671-2076-1B0C-7E77AFABEAD6}"/>
+              </a:ext>
+            </a:extLst>
+          </p:cNvPr>
+          <p:cNvPicPr>
+            <a:picLocks noChangeAspect="1"/>
+          </p:cNvPicPr>
+          <p:nvPr/>
+        </p:nvPicPr>
+        <p:blipFill rotWithShape="1">
+          <a:blip r:embed="rId2"/>
+          <a:srcRect l="529" t="4817" r="6659" b="-4817"/>
+          <a:stretch/>
+        </p:blipFill>
+        <p:spPr>
+          <a:xfrm>
+            <a:off x="172528" y="60424"/>
+            <a:ext cx="3528204" cy="1844302"/>
+          </a:xfrm>
+          <a:prstGeom prst="rect">
+            <a:avLst/>
+          </a:prstGeom>
+          <a:ln>
+            <a:solidFill>
+              <a:schemeClr val="bg1">
+                <a:lumMod val="75000"/>
+              </a:schemeClr>
+            </a:solidFill>
+          </a:ln>
+        </p:spPr>
+      </p:pic>
+      <p:sp>
+        <p:nvSpPr>
+          <p:cNvPr id="10" name="TextBox 9">
+            <a:extLst>
+              <a:ext uri="{FF2B5EF4-FFF2-40B4-BE49-F238E27FC236}">
+                <a16:creationId xmlns:a16="http://schemas.microsoft.com/office/drawing/2014/main" id="{1393C647-F61A-5C62-3FCC-618FA2A0F5FC}"/>
+              </a:ext>
+            </a:extLst>
+          </p:cNvPr>
+          <p:cNvSpPr txBox="1"/>
+          <p:nvPr/>
+        </p:nvSpPr>
+        <p:spPr>
+          <a:xfrm>
+            <a:off x="172528" y="2575787"/>
+            <a:ext cx="3372929" cy="707886"/>
+          </a:xfrm>
+          <a:prstGeom prst="rect">
+            <a:avLst/>
+          </a:prstGeom>
+          <a:noFill/>
+        </p:spPr>
+        <p:txBody>
+          <a:bodyPr wrap="square">
+            <a:spAutoFit/>
+          </a:bodyPr>
+          <a:lstStyle/>
+          <a:p>
+            <a:pPr algn="l"/>
+            <a:endParaRPr lang="en-US" sz="1000" b="1" dirty="0">
+              <a:solidFill>
+                <a:schemeClr val="bg1"/>
+              </a:solidFill>
+            </a:endParaRPr>
+          </a:p>
+          <a:p>
+            <a:pPr algn="l"/>
+            <a:endParaRPr lang="en-US" sz="1000" b="1" i="0" dirty="0">
+              <a:solidFill>
+                <a:schemeClr val="bg1"/>
+              </a:solidFill>
+              <a:effectLst/>
+            </a:endParaRPr>
+          </a:p>
+          <a:p>
+            <a:pPr algn="l"/>
+            <a:endParaRPr lang="en-US" sz="1000" b="1" dirty="0">
+              <a:solidFill>
+                <a:schemeClr val="bg1"/>
+              </a:solidFill>
+              <a:latin typeface="Courier New" panose="02070309020205020404" pitchFamily="49" charset="0"/>
+            </a:endParaRPr>
+          </a:p>
+          <a:p>
+            <a:pPr algn="l"/>
+            <a:endParaRPr lang="en-IN" sz="1000" b="1" i="0" dirty="0">
+              <a:solidFill>
+                <a:schemeClr val="bg1"/>
+              </a:solidFill>
+              <a:effectLst/>
+              <a:latin typeface="system-ui"/>
+            </a:endParaRPr>
+          </a:p>
+        </p:txBody>
+      </p:sp>
+      <p:sp>
+        <p:nvSpPr>
+          <p:cNvPr id="15" name="TextBox 14">
+            <a:extLst>
+              <a:ext uri="{FF2B5EF4-FFF2-40B4-BE49-F238E27FC236}">
+                <a16:creationId xmlns:a16="http://schemas.microsoft.com/office/drawing/2014/main" id="{CBCAA092-A79E-8B79-C69D-357B05DC3EA0}"/>
+              </a:ext>
+            </a:extLst>
+          </p:cNvPr>
+          <p:cNvSpPr txBox="1"/>
+          <p:nvPr/>
+        </p:nvSpPr>
+        <p:spPr>
+          <a:xfrm>
+            <a:off x="92532" y="2103958"/>
+            <a:ext cx="4626117" cy="5078313"/>
+          </a:xfrm>
+          <a:prstGeom prst="rect">
+            <a:avLst/>
+          </a:prstGeom>
+          <a:noFill/>
+        </p:spPr>
+        <p:txBody>
+          <a:bodyPr wrap="square">
+            <a:spAutoFit/>
+          </a:bodyPr>
+          <a:lstStyle/>
+          <a:p>
+            <a:pPr algn="l"/>
+            <a:r>
+              <a:rPr lang="en-IN" sz="1000" b="1" i="0" dirty="0">
+                <a:effectLst/>
+                <a:latin typeface="system-ui"/>
+              </a:rPr>
+              <a:t>NAME_TYPE_SUITE</a:t>
+            </a:r>
+          </a:p>
+          <a:p>
+            <a:pPr algn="l"/>
+            <a:endParaRPr lang="en-IN" sz="1000" b="1" dirty="0">
+              <a:latin typeface="system-ui"/>
+            </a:endParaRPr>
+          </a:p>
+          <a:p>
+            <a:pPr marL="171450" indent="-171450" algn="l">
+              <a:buFont typeface="Arial" panose="020B0604020202020204" pitchFamily="34" charset="0"/>
+              <a:buChar char="•"/>
+            </a:pPr>
+            <a:r>
+              <a:rPr lang="en-US" sz="1000" b="0" i="0" dirty="0">
+                <a:effectLst/>
+              </a:rPr>
+              <a:t>NAME_TYPE_SUITE","CNT_FAM_MEMBERS","CNT_CHILDREN", "NAME_FAMILY_STATUS", "AMT_INCOME_TOTAL", "NAME_EDUCATION_TYPE", "DAYS_EMPLOYED", "DAYS_BIRTH", "OCCUPATION_TYPE", "ORGANIZATION_TYPE“</a:t>
+            </a:r>
+            <a:endParaRPr lang="en-US" sz="1000" dirty="0"/>
+          </a:p>
+          <a:p>
+            <a:pPr marL="171450" indent="-171450" algn="l">
+              <a:buFont typeface="Arial" panose="020B0604020202020204" pitchFamily="34" charset="0"/>
+              <a:buChar char="•"/>
+            </a:pPr>
+            <a:r>
+              <a:rPr lang="en-US" sz="1000" b="1" i="0" dirty="0">
+                <a:effectLst/>
+              </a:rPr>
+              <a:t>Decision tree imputation</a:t>
+            </a:r>
+            <a:endParaRPr lang="en-US" sz="1000" b="1" dirty="0"/>
+          </a:p>
+          <a:p>
+            <a:pPr marL="171450" indent="-171450" algn="l">
+              <a:buFont typeface="Arial" panose="020B0604020202020204" pitchFamily="34" charset="0"/>
+              <a:buChar char="•"/>
+            </a:pPr>
+            <a:r>
+              <a:rPr lang="en-US" sz="1000" b="1" i="0" dirty="0">
+                <a:effectLst/>
+              </a:rPr>
+              <a:t>VALUES LESS THAN  5%</a:t>
+            </a:r>
+          </a:p>
+          <a:p>
+            <a:pPr marL="171450" indent="-171450" algn="l">
+              <a:buFont typeface="Arial" panose="020B0604020202020204" pitchFamily="34" charset="0"/>
+              <a:buChar char="•"/>
+            </a:pPr>
+            <a:r>
+              <a:rPr lang="en-US" sz="1000" dirty="0"/>
+              <a:t>Columns with missing values  less than 10%:</a:t>
+            </a:r>
+          </a:p>
+          <a:p>
+            <a:pPr algn="l"/>
+            <a:endParaRPr lang="en-US" sz="1000" dirty="0"/>
+          </a:p>
+          <a:p>
+            <a:pPr marL="171450" indent="-171450" algn="l">
+              <a:buFont typeface="Arial" panose="020B0604020202020204" pitchFamily="34" charset="0"/>
+              <a:buChar char="•"/>
+            </a:pPr>
+            <a:r>
+              <a:rPr lang="en-US" sz="1000" dirty="0"/>
+              <a:t>'AMT_ANNUITY’ </a:t>
+            </a:r>
+          </a:p>
+          <a:p>
+            <a:pPr marL="171450" indent="-171450" algn="l">
+              <a:buFont typeface="Arial" panose="020B0604020202020204" pitchFamily="34" charset="0"/>
+              <a:buChar char="•"/>
+            </a:pPr>
+            <a:r>
+              <a:rPr lang="en-US" sz="1000" dirty="0"/>
+              <a:t>'AMT_GOODS_PRICE’</a:t>
+            </a:r>
+          </a:p>
+          <a:p>
+            <a:pPr marL="171450" indent="-171450" algn="l">
+              <a:buFont typeface="Arial" panose="020B0604020202020204" pitchFamily="34" charset="0"/>
+              <a:buChar char="•"/>
+            </a:pPr>
+            <a:r>
+              <a:rPr lang="en-US" sz="1000" dirty="0"/>
+              <a:t>'CNT_FAM_MEMBERS’</a:t>
+            </a:r>
+          </a:p>
+          <a:p>
+            <a:pPr algn="l"/>
+            <a:endParaRPr lang="en-US" sz="1000" b="1" dirty="0"/>
+          </a:p>
+          <a:p>
+            <a:r>
+              <a:rPr lang="en-IN" sz="1000" b="1" dirty="0"/>
+              <a:t>DROPPED "FLAG_MOBIL“ since all the values were 1</a:t>
+            </a:r>
+          </a:p>
+          <a:p>
+            <a:endParaRPr lang="en-IN" sz="1000" dirty="0"/>
+          </a:p>
+          <a:p>
+            <a:r>
+              <a:rPr lang="en-IN" sz="1000" dirty="0"/>
+              <a:t>COLUMNS related to house were having very high null values</a:t>
+            </a:r>
+          </a:p>
+          <a:p>
+            <a:endParaRPr lang="en-IN" sz="1000" dirty="0"/>
+          </a:p>
+          <a:p>
+            <a:pPr algn="l">
+              <a:buFont typeface="Arial" panose="020B0604020202020204" pitchFamily="34" charset="0"/>
+              <a:buChar char="•"/>
+            </a:pPr>
+            <a:r>
+              <a:rPr lang="en-US" sz="1000" b="0" i="0" dirty="0">
+                <a:effectLst/>
+                <a:latin typeface="system-ui"/>
+              </a:rPr>
+              <a:t>"FLAG_OWN_REALTY" checks whether Does the client has a property or not</a:t>
+            </a:r>
+          </a:p>
+          <a:p>
+            <a:pPr algn="l">
+              <a:buFont typeface="Arial" panose="020B0604020202020204" pitchFamily="34" charset="0"/>
+              <a:buChar char="•"/>
+            </a:pPr>
+            <a:r>
+              <a:rPr lang="en-US" sz="1000" b="0" i="0" dirty="0">
+                <a:effectLst/>
+                <a:latin typeface="system-ui"/>
+              </a:rPr>
+              <a:t>"NAME_HOUSING_TYPE": What is the housing situation of the client (renting, living with parents, ...)</a:t>
+            </a:r>
+          </a:p>
+          <a:p>
+            <a:pPr algn="l"/>
+            <a:r>
+              <a:rPr lang="en-US" sz="1000" b="0" i="0" dirty="0">
+                <a:effectLst/>
+                <a:latin typeface="system-ui"/>
+              </a:rPr>
+              <a:t>Conclusions</a:t>
+            </a:r>
+          </a:p>
+          <a:p>
+            <a:pPr algn="l">
+              <a:buFont typeface="Arial" panose="020B0604020202020204" pitchFamily="34" charset="0"/>
+              <a:buChar char="•"/>
+            </a:pPr>
+            <a:r>
+              <a:rPr lang="en-US" sz="1000" b="0" i="0" dirty="0">
+                <a:effectLst/>
+                <a:latin typeface="system-ui"/>
+              </a:rPr>
+              <a:t>Surprisingly people who are having the required conditions have missing info regarding the houses</a:t>
+            </a:r>
+          </a:p>
+          <a:p>
+            <a:pPr algn="l">
+              <a:buFont typeface="Arial" panose="020B0604020202020204" pitchFamily="34" charset="0"/>
+              <a:buChar char="•"/>
+            </a:pPr>
+            <a:r>
+              <a:rPr lang="en-US" sz="1000" b="0" i="0" dirty="0">
+                <a:effectLst/>
+                <a:latin typeface="system-ui"/>
+              </a:rPr>
+              <a:t>This may be because these info might not be required when apply for different types of loans</a:t>
+            </a:r>
+          </a:p>
+          <a:p>
+            <a:pPr algn="l">
+              <a:buFont typeface="Arial" panose="020B0604020202020204" pitchFamily="34" charset="0"/>
+              <a:buChar char="•"/>
+            </a:pPr>
+            <a:r>
+              <a:rPr lang="en-US" sz="1000" b="0" i="0" dirty="0">
+                <a:effectLst/>
+                <a:latin typeface="system-ui"/>
+              </a:rPr>
+              <a:t>Such a kind of information are available in case of people who are applying for housing loans</a:t>
+            </a:r>
+          </a:p>
+          <a:p>
+            <a:pPr algn="l">
+              <a:buFont typeface="Arial" panose="020B0604020202020204" pitchFamily="34" charset="0"/>
+              <a:buChar char="•"/>
+            </a:pPr>
+            <a:r>
+              <a:rPr lang="en-US" sz="1000" b="0" i="0" dirty="0">
+                <a:effectLst/>
+                <a:latin typeface="system-ui"/>
+              </a:rPr>
+              <a:t>Here I am dropping these columns</a:t>
+            </a:r>
+          </a:p>
+          <a:p>
+            <a:pPr algn="l"/>
+            <a:endParaRPr lang="en-US" sz="1000" dirty="0"/>
+          </a:p>
+          <a:p>
+            <a:pPr algn="l"/>
+            <a:endParaRPr lang="en-US" sz="1800" b="1" dirty="0">
+              <a:solidFill>
+                <a:schemeClr val="bg1"/>
+              </a:solidFill>
+            </a:endParaRPr>
+          </a:p>
+        </p:txBody>
+      </p:sp>
+      <p:pic>
+        <p:nvPicPr>
+          <p:cNvPr id="19" name="Picture 18">
+            <a:extLst>
+              <a:ext uri="{FF2B5EF4-FFF2-40B4-BE49-F238E27FC236}">
+                <a16:creationId xmlns:a16="http://schemas.microsoft.com/office/drawing/2014/main" id="{BE9BF2CE-6EFB-5F6E-BEF7-A19153EE86FE}"/>
+              </a:ext>
+            </a:extLst>
+          </p:cNvPr>
+          <p:cNvPicPr>
+            <a:picLocks noChangeAspect="1"/>
+          </p:cNvPicPr>
+          <p:nvPr/>
+        </p:nvPicPr>
+        <p:blipFill>
+          <a:blip r:embed="rId3">
+            <a:extLst>
+              <a:ext uri="{28A0092B-C50C-407E-A947-70E740481C1C}">
+                <a14:useLocalDpi xmlns:a14="http://schemas.microsoft.com/office/drawing/2010/main" val="0"/>
+              </a:ext>
+            </a:extLst>
+          </a:blip>
+          <a:stretch>
+            <a:fillRect/>
+          </a:stretch>
+        </p:blipFill>
+        <p:spPr>
+          <a:xfrm>
+            <a:off x="7816350" y="1359463"/>
+            <a:ext cx="4375650" cy="2789844"/>
+          </a:xfrm>
+          <a:prstGeom prst="rect">
+            <a:avLst/>
+          </a:prstGeom>
+        </p:spPr>
+      </p:pic>
+      <p:sp>
+        <p:nvSpPr>
+          <p:cNvPr id="20" name="Rectangle 19">
+            <a:extLst>
+              <a:ext uri="{FF2B5EF4-FFF2-40B4-BE49-F238E27FC236}">
+                <a16:creationId xmlns:a16="http://schemas.microsoft.com/office/drawing/2014/main" id="{78606989-2362-861B-B403-5FF94D0C7901}"/>
+              </a:ext>
+            </a:extLst>
+          </p:cNvPr>
+          <p:cNvSpPr/>
+          <p:nvPr/>
+        </p:nvSpPr>
+        <p:spPr>
+          <a:xfrm>
+            <a:off x="4649638" y="0"/>
+            <a:ext cx="7542362" cy="6858000"/>
+          </a:xfrm>
+          <a:prstGeom prst="rect">
+            <a:avLst/>
+          </a:prstGeom>
+          <a:solidFill>
+            <a:srgbClr val="16207B">
+              <a:alpha val="96000"/>
+            </a:srgbClr>
+          </a:solidFill>
+          <a:ln>
+            <a:solidFill>
+              <a:srgbClr val="D6E5E3"/>
+            </a:solidFill>
+          </a:ln>
+        </p:spPr>
+        <p:style>
+          <a:lnRef idx="2">
+            <a:schemeClr val="accent1">
+              <a:shade val="15000"/>
+            </a:schemeClr>
+          </a:lnRef>
+          <a:fillRef idx="1">
+            <a:schemeClr val="accent1"/>
+          </a:fillRef>
+          <a:effectRef idx="0">
+            <a:schemeClr val="accent1"/>
+          </a:effectRef>
+          <a:fontRef idx="minor">
+            <a:schemeClr val="lt1"/>
+          </a:fontRef>
+        </p:style>
+        <p:txBody>
+          <a:bodyPr rtlCol="0" anchor="ctr"/>
+          <a:lstStyle/>
+          <a:p>
+            <a:pPr algn="ctr"/>
+            <a:endParaRPr lang="en-IN" dirty="0"/>
+          </a:p>
+        </p:txBody>
+      </p:sp>
+      <p:pic>
+        <p:nvPicPr>
+          <p:cNvPr id="2051" name="Picture 3">
+            <a:extLst>
+              <a:ext uri="{FF2B5EF4-FFF2-40B4-BE49-F238E27FC236}">
+                <a16:creationId xmlns:a16="http://schemas.microsoft.com/office/drawing/2014/main" id="{44EB6A23-2F06-1C3A-1795-C0E60E436B54}"/>
+              </a:ext>
+            </a:extLst>
+          </p:cNvPr>
+          <p:cNvPicPr>
+            <a:picLocks noChangeAspect="1" noChangeArrowheads="1"/>
+          </p:cNvPicPr>
+          <p:nvPr/>
+        </p:nvPicPr>
+        <p:blipFill>
+          <a:blip r:embed="rId4">
+            <a:extLst>
+              <a:ext uri="{28A0092B-C50C-407E-A947-70E740481C1C}">
+                <a14:useLocalDpi xmlns:a14="http://schemas.microsoft.com/office/drawing/2010/main" val="0"/>
+              </a:ext>
+            </a:extLst>
+          </a:blip>
+          <a:srcRect/>
+          <a:stretch>
+            <a:fillRect/>
+          </a:stretch>
+        </p:blipFill>
+        <p:spPr bwMode="auto">
+          <a:xfrm>
+            <a:off x="4893693" y="592873"/>
+            <a:ext cx="1420843" cy="1516143"/>
+          </a:xfrm>
+          <a:prstGeom prst="rect">
+            <a:avLst/>
+          </a:prstGeom>
+          <a:noFill/>
+          <a:extLst>
+            <a:ext uri="{909E8E84-426E-40DD-AFC4-6F175D3DCCD1}">
+              <a14:hiddenFill xmlns:a14="http://schemas.microsoft.com/office/drawing/2010/main">
+                <a:solidFill>
+                  <a:srgbClr val="FFFFFF"/>
+                </a:solidFill>
+              </a14:hiddenFill>
+            </a:ext>
+          </a:extLst>
+        </p:spPr>
+      </p:pic>
+      <p:sp>
+        <p:nvSpPr>
+          <p:cNvPr id="21" name="TextBox 20">
+            <a:extLst>
+              <a:ext uri="{FF2B5EF4-FFF2-40B4-BE49-F238E27FC236}">
+                <a16:creationId xmlns:a16="http://schemas.microsoft.com/office/drawing/2014/main" id="{13CF3938-A3BC-4E29-5E29-C712182614EC}"/>
+              </a:ext>
+            </a:extLst>
+          </p:cNvPr>
+          <p:cNvSpPr txBox="1"/>
+          <p:nvPr/>
+        </p:nvSpPr>
+        <p:spPr>
+          <a:xfrm>
+            <a:off x="4788020" y="111771"/>
+            <a:ext cx="2615960" cy="369332"/>
+          </a:xfrm>
+          <a:prstGeom prst="rect">
+            <a:avLst/>
+          </a:prstGeom>
+          <a:noFill/>
+          <a:ln>
+            <a:solidFill>
+              <a:schemeClr val="bg1"/>
+            </a:solidFill>
+          </a:ln>
+        </p:spPr>
+        <p:txBody>
+          <a:bodyPr wrap="square" rtlCol="0">
+            <a:spAutoFit/>
+          </a:bodyPr>
+          <a:lstStyle/>
+          <a:p>
+            <a:r>
+              <a:rPr lang="en-US" sz="1800" b="1" kern="0" dirty="0">
+                <a:solidFill>
+                  <a:schemeClr val="bg1"/>
+                </a:solidFill>
+                <a:effectLst/>
+                <a:latin typeface="Calibri" panose="020F0502020204030204" pitchFamily="34" charset="0"/>
+                <a:ea typeface="Calibri" panose="020F0502020204030204" pitchFamily="34" charset="0"/>
+              </a:rPr>
+              <a:t>HANDLING OUTLIERS</a:t>
+            </a:r>
+            <a:endParaRPr lang="en-IN" b="1" dirty="0">
+              <a:solidFill>
+                <a:schemeClr val="bg1"/>
+              </a:solidFill>
+            </a:endParaRPr>
+          </a:p>
+        </p:txBody>
+      </p:sp>
+      <p:pic>
+        <p:nvPicPr>
+          <p:cNvPr id="2053" name="Picture 5">
+            <a:extLst>
+              <a:ext uri="{FF2B5EF4-FFF2-40B4-BE49-F238E27FC236}">
+                <a16:creationId xmlns:a16="http://schemas.microsoft.com/office/drawing/2014/main" id="{55AB2DC0-8837-17A8-3195-34C990021178}"/>
+              </a:ext>
+            </a:extLst>
+          </p:cNvPr>
+          <p:cNvPicPr>
+            <a:picLocks noChangeAspect="1" noChangeArrowheads="1"/>
+          </p:cNvPicPr>
+          <p:nvPr/>
+        </p:nvPicPr>
+        <p:blipFill>
+          <a:blip r:embed="rId5">
+            <a:extLst>
+              <a:ext uri="{28A0092B-C50C-407E-A947-70E740481C1C}">
+                <a14:useLocalDpi xmlns:a14="http://schemas.microsoft.com/office/drawing/2010/main" val="0"/>
+              </a:ext>
+            </a:extLst>
+          </a:blip>
+          <a:srcRect/>
+          <a:stretch>
+            <a:fillRect/>
+          </a:stretch>
+        </p:blipFill>
+        <p:spPr bwMode="auto">
+          <a:xfrm>
+            <a:off x="6558591" y="592873"/>
+            <a:ext cx="1416103" cy="1511085"/>
+          </a:xfrm>
+          <a:prstGeom prst="rect">
+            <a:avLst/>
+          </a:prstGeom>
+          <a:noFill/>
+          <a:extLst>
+            <a:ext uri="{909E8E84-426E-40DD-AFC4-6F175D3DCCD1}">
+              <a14:hiddenFill xmlns:a14="http://schemas.microsoft.com/office/drawing/2010/main">
+                <a:solidFill>
+                  <a:srgbClr val="FFFFFF"/>
+                </a:solidFill>
+              </a14:hiddenFill>
+            </a:ext>
+          </a:extLst>
+        </p:spPr>
+      </p:pic>
+      <p:pic>
+        <p:nvPicPr>
+          <p:cNvPr id="2055" name="Picture 7">
+            <a:extLst>
+              <a:ext uri="{FF2B5EF4-FFF2-40B4-BE49-F238E27FC236}">
+                <a16:creationId xmlns:a16="http://schemas.microsoft.com/office/drawing/2014/main" id="{A4BEBBF0-B7DF-56C1-CFBE-D37E64125EEA}"/>
+              </a:ext>
+            </a:extLst>
+          </p:cNvPr>
+          <p:cNvPicPr>
+            <a:picLocks noChangeAspect="1" noChangeArrowheads="1"/>
+          </p:cNvPicPr>
+          <p:nvPr/>
+        </p:nvPicPr>
+        <p:blipFill>
+          <a:blip r:embed="rId6">
+            <a:extLst>
+              <a:ext uri="{28A0092B-C50C-407E-A947-70E740481C1C}">
+                <a14:useLocalDpi xmlns:a14="http://schemas.microsoft.com/office/drawing/2010/main" val="0"/>
+              </a:ext>
+            </a:extLst>
+          </a:blip>
+          <a:srcRect/>
+          <a:stretch>
+            <a:fillRect/>
+          </a:stretch>
+        </p:blipFill>
+        <p:spPr bwMode="auto">
+          <a:xfrm>
+            <a:off x="8257838" y="603920"/>
+            <a:ext cx="1450642" cy="1511085"/>
+          </a:xfrm>
+          <a:prstGeom prst="rect">
+            <a:avLst/>
+          </a:prstGeom>
+          <a:noFill/>
+          <a:extLst>
+            <a:ext uri="{909E8E84-426E-40DD-AFC4-6F175D3DCCD1}">
+              <a14:hiddenFill xmlns:a14="http://schemas.microsoft.com/office/drawing/2010/main">
+                <a:solidFill>
+                  <a:srgbClr val="FFFFFF"/>
+                </a:solidFill>
+              </a14:hiddenFill>
+            </a:ext>
+          </a:extLst>
+        </p:spPr>
+      </p:pic>
+      <p:pic>
+        <p:nvPicPr>
+          <p:cNvPr id="2057" name="Picture 9">
+            <a:extLst>
+              <a:ext uri="{FF2B5EF4-FFF2-40B4-BE49-F238E27FC236}">
+                <a16:creationId xmlns:a16="http://schemas.microsoft.com/office/drawing/2014/main" id="{0119B7E7-864A-E18C-DECB-A52ADA4B6F69}"/>
+              </a:ext>
+            </a:extLst>
+          </p:cNvPr>
+          <p:cNvPicPr>
+            <a:picLocks noChangeAspect="1" noChangeArrowheads="1"/>
+          </p:cNvPicPr>
+          <p:nvPr/>
+        </p:nvPicPr>
+        <p:blipFill>
+          <a:blip r:embed="rId7">
+            <a:extLst>
+              <a:ext uri="{28A0092B-C50C-407E-A947-70E740481C1C}">
+                <a14:useLocalDpi xmlns:a14="http://schemas.microsoft.com/office/drawing/2010/main" val="0"/>
+              </a:ext>
+            </a:extLst>
+          </a:blip>
+          <a:srcRect/>
+          <a:stretch>
+            <a:fillRect/>
+          </a:stretch>
+        </p:blipFill>
+        <p:spPr bwMode="auto">
+          <a:xfrm>
+            <a:off x="9883885" y="603921"/>
+            <a:ext cx="1891172" cy="1542914"/>
+          </a:xfrm>
+          <a:prstGeom prst="rect">
+            <a:avLst/>
+          </a:prstGeom>
+          <a:noFill/>
+          <a:extLst>
+            <a:ext uri="{909E8E84-426E-40DD-AFC4-6F175D3DCCD1}">
+              <a14:hiddenFill xmlns:a14="http://schemas.microsoft.com/office/drawing/2010/main">
+                <a:solidFill>
+                  <a:srgbClr val="FFFFFF"/>
+                </a:solidFill>
+              </a14:hiddenFill>
+            </a:ext>
+          </a:extLst>
+        </p:spPr>
+      </p:pic>
+      <p:pic>
+        <p:nvPicPr>
+          <p:cNvPr id="23" name="Picture 22">
+            <a:extLst>
+              <a:ext uri="{FF2B5EF4-FFF2-40B4-BE49-F238E27FC236}">
+                <a16:creationId xmlns:a16="http://schemas.microsoft.com/office/drawing/2014/main" id="{530DC5E4-CDC7-0042-A38F-4F85CA721FD3}"/>
+              </a:ext>
+            </a:extLst>
+          </p:cNvPr>
+          <p:cNvPicPr>
+            <a:picLocks noChangeAspect="1"/>
+          </p:cNvPicPr>
+          <p:nvPr/>
+        </p:nvPicPr>
+        <p:blipFill>
+          <a:blip r:embed="rId8"/>
+          <a:stretch>
+            <a:fillRect/>
+          </a:stretch>
+        </p:blipFill>
+        <p:spPr>
+          <a:xfrm>
+            <a:off x="4893693" y="2296345"/>
+            <a:ext cx="2248979" cy="2197247"/>
+          </a:xfrm>
+          <a:prstGeom prst="rect">
+            <a:avLst/>
+          </a:prstGeom>
+        </p:spPr>
+      </p:pic>
+      <p:pic>
+        <p:nvPicPr>
+          <p:cNvPr id="25" name="Picture 24">
+            <a:extLst>
+              <a:ext uri="{FF2B5EF4-FFF2-40B4-BE49-F238E27FC236}">
+                <a16:creationId xmlns:a16="http://schemas.microsoft.com/office/drawing/2014/main" id="{6AB61F05-83A9-E2A1-E690-834E2B774470}"/>
+              </a:ext>
+            </a:extLst>
+          </p:cNvPr>
+          <p:cNvPicPr>
+            <a:picLocks noChangeAspect="1"/>
+          </p:cNvPicPr>
+          <p:nvPr/>
+        </p:nvPicPr>
+        <p:blipFill>
+          <a:blip r:embed="rId9"/>
+          <a:stretch>
+            <a:fillRect/>
+          </a:stretch>
+        </p:blipFill>
+        <p:spPr>
+          <a:xfrm>
+            <a:off x="7261715" y="2296346"/>
+            <a:ext cx="2248979" cy="2216066"/>
+          </a:xfrm>
+          <a:prstGeom prst="rect">
+            <a:avLst/>
+          </a:prstGeom>
+        </p:spPr>
+      </p:pic>
+      <p:pic>
+        <p:nvPicPr>
+          <p:cNvPr id="27" name="Picture 26">
+            <a:extLst>
+              <a:ext uri="{FF2B5EF4-FFF2-40B4-BE49-F238E27FC236}">
+                <a16:creationId xmlns:a16="http://schemas.microsoft.com/office/drawing/2014/main" id="{4D3527E1-D0BE-37C0-F829-5FFFCC18AAC2}"/>
+              </a:ext>
+            </a:extLst>
+          </p:cNvPr>
+          <p:cNvPicPr>
+            <a:picLocks noChangeAspect="1"/>
+          </p:cNvPicPr>
+          <p:nvPr/>
+        </p:nvPicPr>
+        <p:blipFill>
+          <a:blip r:embed="rId10"/>
+          <a:stretch>
+            <a:fillRect/>
+          </a:stretch>
+        </p:blipFill>
+        <p:spPr>
+          <a:xfrm>
+            <a:off x="9685739" y="2287720"/>
+            <a:ext cx="2248980" cy="2223991"/>
+          </a:xfrm>
+          <a:prstGeom prst="rect">
+            <a:avLst/>
+          </a:prstGeom>
+        </p:spPr>
+      </p:pic>
+      <p:sp>
+        <p:nvSpPr>
+          <p:cNvPr id="29" name="TextBox 28">
+            <a:extLst>
+              <a:ext uri="{FF2B5EF4-FFF2-40B4-BE49-F238E27FC236}">
+                <a16:creationId xmlns:a16="http://schemas.microsoft.com/office/drawing/2014/main" id="{A90143DD-9780-9AA4-C5D7-4E042B0CED4E}"/>
+              </a:ext>
+            </a:extLst>
+          </p:cNvPr>
+          <p:cNvSpPr txBox="1"/>
+          <p:nvPr/>
+        </p:nvSpPr>
+        <p:spPr>
+          <a:xfrm>
+            <a:off x="4788020" y="4707278"/>
+            <a:ext cx="6570813" cy="830997"/>
+          </a:xfrm>
+          <a:prstGeom prst="rect">
+            <a:avLst/>
+          </a:prstGeom>
+          <a:noFill/>
+        </p:spPr>
+        <p:txBody>
+          <a:bodyPr wrap="square" rtlCol="0">
+            <a:spAutoFit/>
+          </a:bodyPr>
+          <a:lstStyle/>
+          <a:p>
+            <a:pPr marL="171450" indent="-171450">
+              <a:buFont typeface="Arial" panose="020B0604020202020204" pitchFamily="34" charset="0"/>
+              <a:buChar char="•"/>
+            </a:pPr>
+            <a:r>
+              <a:rPr lang="en-IN" sz="1000" dirty="0">
+                <a:solidFill>
+                  <a:schemeClr val="bg1"/>
+                </a:solidFill>
+              </a:rPr>
+              <a:t>binary columns which were having individual values only were  dropped</a:t>
+            </a:r>
+          </a:p>
+          <a:p>
+            <a:pPr marL="171450" indent="-171450">
+              <a:buFont typeface="Arial" panose="020B0604020202020204" pitchFamily="34" charset="0"/>
+              <a:buChar char="•"/>
+            </a:pPr>
+            <a:r>
+              <a:rPr lang="en-IN" sz="1000" dirty="0">
+                <a:solidFill>
+                  <a:schemeClr val="bg1"/>
+                </a:solidFill>
+              </a:rPr>
+              <a:t>More than 3 which was showing irregular shapes were clubbed together</a:t>
+            </a:r>
+          </a:p>
+          <a:p>
+            <a:pPr marL="171450" indent="-171450">
+              <a:buFont typeface="Arial" panose="020B0604020202020204" pitchFamily="34" charset="0"/>
+              <a:buChar char="•"/>
+            </a:pPr>
+            <a:r>
+              <a:rPr lang="en-IN" sz="1000" dirty="0">
+                <a:solidFill>
+                  <a:schemeClr val="bg1"/>
+                </a:solidFill>
+              </a:rPr>
+              <a:t>All the categorical columns were then encoded</a:t>
+            </a:r>
+          </a:p>
+          <a:p>
+            <a:r>
+              <a:rPr lang="en-IN" dirty="0"/>
+              <a:t> </a:t>
+            </a:r>
+          </a:p>
+        </p:txBody>
+      </p:sp>
+      <p:pic>
+        <p:nvPicPr>
+          <p:cNvPr id="31" name="Picture 30">
+            <a:extLst>
+              <a:ext uri="{FF2B5EF4-FFF2-40B4-BE49-F238E27FC236}">
+                <a16:creationId xmlns:a16="http://schemas.microsoft.com/office/drawing/2014/main" id="{5ABD79CA-9705-C5AA-5933-086D93DABFE0}"/>
+              </a:ext>
+            </a:extLst>
+          </p:cNvPr>
+          <p:cNvPicPr>
+            <a:picLocks noChangeAspect="1"/>
+          </p:cNvPicPr>
+          <p:nvPr/>
+        </p:nvPicPr>
+        <p:blipFill>
+          <a:blip r:embed="rId11"/>
+          <a:stretch>
+            <a:fillRect/>
+          </a:stretch>
+        </p:blipFill>
+        <p:spPr>
+          <a:xfrm>
+            <a:off x="4893693" y="5430475"/>
+            <a:ext cx="3145310" cy="1036656"/>
+          </a:xfrm>
+          <a:prstGeom prst="rect">
+            <a:avLst/>
+          </a:prstGeom>
+        </p:spPr>
+      </p:pic>
+      <p:pic>
+        <p:nvPicPr>
+          <p:cNvPr id="33" name="Picture 32">
+            <a:extLst>
+              <a:ext uri="{FF2B5EF4-FFF2-40B4-BE49-F238E27FC236}">
+                <a16:creationId xmlns:a16="http://schemas.microsoft.com/office/drawing/2014/main" id="{FD4766F4-E239-C1CC-345A-DEAECF392A39}"/>
+              </a:ext>
+            </a:extLst>
+          </p:cNvPr>
+          <p:cNvPicPr>
+            <a:picLocks noChangeAspect="1"/>
+          </p:cNvPicPr>
+          <p:nvPr/>
+        </p:nvPicPr>
+        <p:blipFill>
+          <a:blip r:embed="rId12"/>
+          <a:stretch>
+            <a:fillRect/>
+          </a:stretch>
+        </p:blipFill>
+        <p:spPr>
+          <a:xfrm>
+            <a:off x="8214047" y="5430475"/>
+            <a:ext cx="2928554" cy="1036656"/>
+          </a:xfrm>
+          <a:prstGeom prst="rect">
+            <a:avLst/>
+          </a:prstGeom>
+        </p:spPr>
+      </p:pic>
     </p:spTree>
     <p:extLst>
       <p:ext uri="{BB962C8B-B14F-4D97-AF65-F5344CB8AC3E}">
@@ -12901,7 +16726,780 @@
 </p:sld>
 </file>
 
-<file path=ppt/slides/slide6.xml><?xml version="1.0" encoding="utf-8"?>
+<file path=ppt/slides/slide7.xml><?xml version="1.0" encoding="utf-8"?>
+<p:sld xmlns:a="http://schemas.openxmlformats.org/drawingml/2006/main" xmlns:r="http://schemas.openxmlformats.org/officeDocument/2006/relationships" xmlns:p="http://schemas.openxmlformats.org/presentationml/2006/main">
+  <p:cSld>
+    <p:spTree>
+      <p:nvGrpSpPr>
+        <p:cNvPr id="1" name=""/>
+        <p:cNvGrpSpPr/>
+        <p:nvPr/>
+      </p:nvGrpSpPr>
+      <p:grpSpPr>
+        <a:xfrm>
+          <a:off x="0" y="0"/>
+          <a:ext cx="0" cy="0"/>
+          <a:chOff x="0" y="0"/>
+          <a:chExt cx="0" cy="0"/>
+        </a:xfrm>
+      </p:grpSpPr>
+      <p:pic>
+        <p:nvPicPr>
+          <p:cNvPr id="6" name="Picture 5">
+            <a:extLst>
+              <a:ext uri="{FF2B5EF4-FFF2-40B4-BE49-F238E27FC236}">
+                <a16:creationId xmlns:a16="http://schemas.microsoft.com/office/drawing/2014/main" id="{DBBC5F29-4353-23B9-739E-968A524102BD}"/>
+              </a:ext>
+            </a:extLst>
+          </p:cNvPr>
+          <p:cNvPicPr>
+            <a:picLocks noChangeAspect="1"/>
+          </p:cNvPicPr>
+          <p:nvPr/>
+        </p:nvPicPr>
+        <p:blipFill>
+          <a:blip r:embed="rId2"/>
+          <a:stretch>
+            <a:fillRect/>
+          </a:stretch>
+        </p:blipFill>
+        <p:spPr>
+          <a:xfrm>
+            <a:off x="8957094" y="305064"/>
+            <a:ext cx="3062019" cy="3038968"/>
+          </a:xfrm>
+          <a:prstGeom prst="rect">
+            <a:avLst/>
+          </a:prstGeom>
+        </p:spPr>
+      </p:pic>
+      <p:pic>
+        <p:nvPicPr>
+          <p:cNvPr id="8" name="Picture 7">
+            <a:extLst>
+              <a:ext uri="{FF2B5EF4-FFF2-40B4-BE49-F238E27FC236}">
+                <a16:creationId xmlns:a16="http://schemas.microsoft.com/office/drawing/2014/main" id="{5342D9FB-FE9A-8F30-EC1A-449996AF0887}"/>
+              </a:ext>
+            </a:extLst>
+          </p:cNvPr>
+          <p:cNvPicPr>
+            <a:picLocks noChangeAspect="1"/>
+          </p:cNvPicPr>
+          <p:nvPr/>
+        </p:nvPicPr>
+        <p:blipFill>
+          <a:blip r:embed="rId3"/>
+          <a:stretch>
+            <a:fillRect/>
+          </a:stretch>
+        </p:blipFill>
+        <p:spPr>
+          <a:xfrm>
+            <a:off x="8978446" y="3429000"/>
+            <a:ext cx="3040667" cy="2963174"/>
+          </a:xfrm>
+          <a:prstGeom prst="rect">
+            <a:avLst/>
+          </a:prstGeom>
+        </p:spPr>
+      </p:pic>
+      <p:sp>
+        <p:nvSpPr>
+          <p:cNvPr id="9" name="Rectangle 8">
+            <a:extLst>
+              <a:ext uri="{FF2B5EF4-FFF2-40B4-BE49-F238E27FC236}">
+                <a16:creationId xmlns:a16="http://schemas.microsoft.com/office/drawing/2014/main" id="{8A3A5AF9-B861-C260-2DEE-7794A0E02B1E}"/>
+              </a:ext>
+            </a:extLst>
+          </p:cNvPr>
+          <p:cNvSpPr/>
+          <p:nvPr/>
+        </p:nvSpPr>
+        <p:spPr>
+          <a:xfrm>
+            <a:off x="0" y="0"/>
+            <a:ext cx="8758687" cy="6858000"/>
+          </a:xfrm>
+          <a:prstGeom prst="rect">
+            <a:avLst/>
+          </a:prstGeom>
+          <a:solidFill>
+            <a:srgbClr val="16207B">
+              <a:alpha val="96000"/>
+            </a:srgbClr>
+          </a:solidFill>
+          <a:ln>
+            <a:solidFill>
+              <a:srgbClr val="D6E5E3"/>
+            </a:solidFill>
+          </a:ln>
+        </p:spPr>
+        <p:style>
+          <a:lnRef idx="2">
+            <a:schemeClr val="accent1">
+              <a:shade val="15000"/>
+            </a:schemeClr>
+          </a:lnRef>
+          <a:fillRef idx="1">
+            <a:schemeClr val="accent1"/>
+          </a:fillRef>
+          <a:effectRef idx="0">
+            <a:schemeClr val="accent1"/>
+          </a:effectRef>
+          <a:fontRef idx="minor">
+            <a:schemeClr val="lt1"/>
+          </a:fontRef>
+        </p:style>
+        <p:txBody>
+          <a:bodyPr rtlCol="0" anchor="ctr"/>
+          <a:lstStyle/>
+          <a:p>
+            <a:pPr algn="ctr"/>
+            <a:endParaRPr lang="en-IN" dirty="0"/>
+          </a:p>
+        </p:txBody>
+      </p:sp>
+      <p:sp>
+        <p:nvSpPr>
+          <p:cNvPr id="12" name="TextBox 11">
+            <a:extLst>
+              <a:ext uri="{FF2B5EF4-FFF2-40B4-BE49-F238E27FC236}">
+                <a16:creationId xmlns:a16="http://schemas.microsoft.com/office/drawing/2014/main" id="{87BC71CD-FFF7-3379-F504-D607A753F8B0}"/>
+              </a:ext>
+            </a:extLst>
+          </p:cNvPr>
+          <p:cNvSpPr txBox="1"/>
+          <p:nvPr/>
+        </p:nvSpPr>
+        <p:spPr>
+          <a:xfrm>
+            <a:off x="172886" y="610128"/>
+            <a:ext cx="8065339" cy="6099106"/>
+          </a:xfrm>
+          <a:prstGeom prst="rect">
+            <a:avLst/>
+          </a:prstGeom>
+          <a:noFill/>
+        </p:spPr>
+        <p:txBody>
+          <a:bodyPr wrap="square">
+            <a:spAutoFit/>
+          </a:bodyPr>
+          <a:lstStyle/>
+          <a:p>
+            <a:r>
+              <a:rPr lang="en-IN" sz="1000" b="1" dirty="0">
+                <a:solidFill>
+                  <a:schemeClr val="bg1"/>
+                </a:solidFill>
+              </a:rPr>
+              <a:t>1. Numerical Input, Numerical Output</a:t>
+            </a:r>
+          </a:p>
+          <a:p>
+            <a:endParaRPr lang="en-IN" sz="1000" dirty="0">
+              <a:solidFill>
+                <a:schemeClr val="bg1"/>
+              </a:solidFill>
+            </a:endParaRPr>
+          </a:p>
+          <a:p>
+            <a:r>
+              <a:rPr lang="en-IN" sz="1000" dirty="0">
+                <a:solidFill>
+                  <a:schemeClr val="bg1"/>
+                </a:solidFill>
+              </a:rPr>
+              <a:t>This is a regression predictive </a:t>
+            </a:r>
+            <a:r>
+              <a:rPr lang="en-IN" sz="1000" dirty="0" err="1">
+                <a:solidFill>
+                  <a:schemeClr val="bg1"/>
+                </a:solidFill>
+              </a:rPr>
+              <a:t>modeling</a:t>
+            </a:r>
+            <a:r>
+              <a:rPr lang="en-IN" sz="1000" dirty="0">
+                <a:solidFill>
+                  <a:schemeClr val="bg1"/>
+                </a:solidFill>
+              </a:rPr>
+              <a:t> problem with numerical input variables.</a:t>
+            </a:r>
+          </a:p>
+          <a:p>
+            <a:r>
+              <a:rPr lang="en-IN" sz="1000" dirty="0">
+                <a:solidFill>
+                  <a:schemeClr val="bg1"/>
+                </a:solidFill>
+              </a:rPr>
+              <a:t>The most common techniques are to use a correlation coefficient, such as Pearson’s for a linear correlation, or rank-based methods for a nonlinear correlation.</a:t>
+            </a:r>
+          </a:p>
+          <a:p>
+            <a:r>
+              <a:rPr lang="en-IN" sz="1000" dirty="0">
+                <a:solidFill>
+                  <a:schemeClr val="bg1"/>
+                </a:solidFill>
+              </a:rPr>
+              <a:t>•	Pearson’s correlation coefficient (linear).</a:t>
+            </a:r>
+          </a:p>
+          <a:p>
+            <a:r>
+              <a:rPr lang="en-IN" sz="1000" dirty="0">
+                <a:solidFill>
+                  <a:schemeClr val="bg1"/>
+                </a:solidFill>
+              </a:rPr>
+              <a:t>•	Spearman’s rank coefficient (nonlinear)</a:t>
+            </a:r>
+          </a:p>
+          <a:p>
+            <a:endParaRPr lang="en-IN" sz="1000" dirty="0">
+              <a:solidFill>
+                <a:schemeClr val="bg1"/>
+              </a:solidFill>
+            </a:endParaRPr>
+          </a:p>
+          <a:p>
+            <a:endParaRPr lang="en-IN" sz="1000" dirty="0">
+              <a:solidFill>
+                <a:schemeClr val="bg1"/>
+              </a:solidFill>
+            </a:endParaRPr>
+          </a:p>
+          <a:p>
+            <a:pPr algn="just" fontAlgn="base">
+              <a:lnSpc>
+                <a:spcPts val="1800"/>
+              </a:lnSpc>
+              <a:spcAft>
+                <a:spcPts val="600"/>
+              </a:spcAft>
+            </a:pPr>
+            <a:r>
+              <a:rPr lang="en-IN" sz="1000" b="1" dirty="0">
+                <a:solidFill>
+                  <a:schemeClr val="bg1"/>
+                </a:solidFill>
+                <a:effectLst/>
+                <a:latin typeface="Helvetica" panose="020B0604020202020204" pitchFamily="34" charset="0"/>
+                <a:ea typeface="Times New Roman" panose="02020603050405020304" pitchFamily="18" charset="0"/>
+                <a:cs typeface="Times New Roman" panose="02020603050405020304" pitchFamily="18" charset="0"/>
+              </a:rPr>
+              <a:t>2. Numerical Input, Categorical Output </a:t>
+            </a:r>
+            <a:endParaRPr lang="en-IN" sz="1000" dirty="0">
+              <a:solidFill>
+                <a:schemeClr val="bg1"/>
+              </a:solidFill>
+              <a:effectLst/>
+              <a:latin typeface="Calibri" panose="020F0502020204030204" pitchFamily="34" charset="0"/>
+              <a:ea typeface="Calibri" panose="020F0502020204030204" pitchFamily="34" charset="0"/>
+              <a:cs typeface="Times New Roman" panose="02020603050405020304" pitchFamily="18" charset="0"/>
+            </a:endParaRPr>
+          </a:p>
+          <a:p>
+            <a:pPr algn="just">
+              <a:lnSpc>
+                <a:spcPct val="110000"/>
+              </a:lnSpc>
+              <a:spcAft>
+                <a:spcPts val="600"/>
+              </a:spcAft>
+            </a:pPr>
+            <a:r>
+              <a:rPr lang="en-US" sz="1000" dirty="0">
+                <a:solidFill>
+                  <a:schemeClr val="bg1"/>
+                </a:solidFill>
+                <a:effectLst/>
+                <a:latin typeface="Calibri" panose="020F0502020204030204" pitchFamily="34" charset="0"/>
+                <a:ea typeface="Calibri" panose="020F0502020204030204" pitchFamily="34" charset="0"/>
+                <a:cs typeface="Times New Roman" panose="02020603050405020304" pitchFamily="18" charset="0"/>
+              </a:rPr>
+              <a:t>This is a classification predictive modeling problem with numerical input variables. This might be the most common example of a classification problem. Again, the most common techniques are correlation based, although in this case, they must take the categorical target into account.</a:t>
+            </a:r>
+            <a:endParaRPr lang="en-IN" sz="1000" dirty="0">
+              <a:solidFill>
+                <a:schemeClr val="bg1"/>
+              </a:solidFill>
+              <a:effectLst/>
+              <a:latin typeface="Calibri" panose="020F0502020204030204" pitchFamily="34" charset="0"/>
+              <a:ea typeface="Calibri" panose="020F0502020204030204" pitchFamily="34" charset="0"/>
+              <a:cs typeface="Times New Roman" panose="02020603050405020304" pitchFamily="18" charset="0"/>
+            </a:endParaRPr>
+          </a:p>
+          <a:p>
+            <a:pPr algn="just">
+              <a:lnSpc>
+                <a:spcPct val="110000"/>
+              </a:lnSpc>
+              <a:spcAft>
+                <a:spcPts val="600"/>
+              </a:spcAft>
+            </a:pPr>
+            <a:r>
+              <a:rPr lang="en-US" sz="1000" dirty="0">
+                <a:solidFill>
+                  <a:schemeClr val="bg1"/>
+                </a:solidFill>
+                <a:effectLst/>
+                <a:latin typeface="Calibri" panose="020F0502020204030204" pitchFamily="34" charset="0"/>
+                <a:ea typeface="Calibri" panose="020F0502020204030204" pitchFamily="34" charset="0"/>
+                <a:cs typeface="Times New Roman" panose="02020603050405020304" pitchFamily="18" charset="0"/>
+              </a:rPr>
+              <a:t>•	ANOVA correlation coefficient (linear).</a:t>
+            </a:r>
+            <a:endParaRPr lang="en-IN" sz="1000" dirty="0">
+              <a:solidFill>
+                <a:schemeClr val="bg1"/>
+              </a:solidFill>
+              <a:effectLst/>
+              <a:latin typeface="Calibri" panose="020F0502020204030204" pitchFamily="34" charset="0"/>
+              <a:ea typeface="Calibri" panose="020F0502020204030204" pitchFamily="34" charset="0"/>
+              <a:cs typeface="Times New Roman" panose="02020603050405020304" pitchFamily="18" charset="0"/>
+            </a:endParaRPr>
+          </a:p>
+          <a:p>
+            <a:pPr algn="just">
+              <a:lnSpc>
+                <a:spcPct val="110000"/>
+              </a:lnSpc>
+              <a:spcAft>
+                <a:spcPts val="600"/>
+              </a:spcAft>
+            </a:pPr>
+            <a:r>
+              <a:rPr lang="en-US" sz="1000" dirty="0">
+                <a:solidFill>
+                  <a:schemeClr val="bg1"/>
+                </a:solidFill>
+                <a:effectLst/>
+                <a:latin typeface="Calibri" panose="020F0502020204030204" pitchFamily="34" charset="0"/>
+                <a:ea typeface="Calibri" panose="020F0502020204030204" pitchFamily="34" charset="0"/>
+                <a:cs typeface="Times New Roman" panose="02020603050405020304" pitchFamily="18" charset="0"/>
+              </a:rPr>
+              <a:t>•	Kendall’s rank coefficient (nonlinear).</a:t>
+            </a:r>
+          </a:p>
+          <a:p>
+            <a:pPr algn="just" fontAlgn="base">
+              <a:lnSpc>
+                <a:spcPts val="1800"/>
+              </a:lnSpc>
+              <a:spcAft>
+                <a:spcPts val="600"/>
+              </a:spcAft>
+            </a:pPr>
+            <a:r>
+              <a:rPr lang="en-IN" sz="1000" b="1" dirty="0">
+                <a:solidFill>
+                  <a:srgbClr val="629DD1"/>
+                </a:solidFill>
+                <a:effectLst/>
+                <a:latin typeface="Helvetica" panose="020B0604020202020204" pitchFamily="34" charset="0"/>
+                <a:ea typeface="Times New Roman" panose="02020603050405020304" pitchFamily="18" charset="0"/>
+                <a:cs typeface="Times New Roman" panose="02020603050405020304" pitchFamily="18" charset="0"/>
+              </a:rPr>
+              <a:t>3. Categorical Input, Numerical Output</a:t>
+            </a:r>
+            <a:endParaRPr lang="en-IN" sz="1000" dirty="0">
+              <a:solidFill>
+                <a:srgbClr val="629DD1"/>
+              </a:solidFill>
+              <a:effectLst/>
+              <a:latin typeface="Calibri" panose="020F0502020204030204" pitchFamily="34" charset="0"/>
+              <a:ea typeface="Calibri" panose="020F0502020204030204" pitchFamily="34" charset="0"/>
+              <a:cs typeface="Times New Roman" panose="02020603050405020304" pitchFamily="18" charset="0"/>
+            </a:endParaRPr>
+          </a:p>
+          <a:p>
+            <a:pPr algn="just" fontAlgn="base">
+              <a:lnSpc>
+                <a:spcPts val="1800"/>
+              </a:lnSpc>
+              <a:spcAft>
+                <a:spcPts val="600"/>
+              </a:spcAft>
+            </a:pPr>
+            <a:r>
+              <a:rPr lang="en-IN" sz="1000" dirty="0">
+                <a:solidFill>
+                  <a:srgbClr val="629DD1"/>
+                </a:solidFill>
+                <a:effectLst/>
+                <a:latin typeface="Calibri" panose="020F0502020204030204" pitchFamily="34" charset="0"/>
+                <a:ea typeface="Times New Roman" panose="02020603050405020304" pitchFamily="18" charset="0"/>
+                <a:cs typeface="Calibri" panose="020F0502020204030204" pitchFamily="34" charset="0"/>
+              </a:rPr>
+              <a:t>This is a regression predictive </a:t>
+            </a:r>
+            <a:r>
+              <a:rPr lang="en-IN" sz="1000" dirty="0" err="1">
+                <a:solidFill>
+                  <a:srgbClr val="629DD1"/>
+                </a:solidFill>
+                <a:effectLst/>
+                <a:latin typeface="Calibri" panose="020F0502020204030204" pitchFamily="34" charset="0"/>
+                <a:ea typeface="Times New Roman" panose="02020603050405020304" pitchFamily="18" charset="0"/>
+                <a:cs typeface="Calibri" panose="020F0502020204030204" pitchFamily="34" charset="0"/>
+              </a:rPr>
+              <a:t>modeling</a:t>
+            </a:r>
+            <a:r>
+              <a:rPr lang="en-IN" sz="1000" dirty="0">
+                <a:solidFill>
+                  <a:srgbClr val="629DD1"/>
+                </a:solidFill>
+                <a:effectLst/>
+                <a:latin typeface="Calibri" panose="020F0502020204030204" pitchFamily="34" charset="0"/>
+                <a:ea typeface="Times New Roman" panose="02020603050405020304" pitchFamily="18" charset="0"/>
+                <a:cs typeface="Calibri" panose="020F0502020204030204" pitchFamily="34" charset="0"/>
+              </a:rPr>
+              <a:t> problem with categorical input variables. This is a strange example of a regression problem (e.g. you would not encounter it often). Nevertheless, you can use the same “Numerical Input, Categorical Output” methods (described above), but in reverse.</a:t>
+            </a:r>
+          </a:p>
+          <a:p>
+            <a:pPr algn="just" fontAlgn="base">
+              <a:lnSpc>
+                <a:spcPts val="1800"/>
+              </a:lnSpc>
+              <a:spcAft>
+                <a:spcPts val="600"/>
+              </a:spcAft>
+            </a:pPr>
+            <a:r>
+              <a:rPr lang="en-IN" sz="1000" b="1" dirty="0">
+                <a:solidFill>
+                  <a:schemeClr val="bg1"/>
+                </a:solidFill>
+                <a:effectLst/>
+                <a:latin typeface="Helvetica" panose="020B0604020202020204" pitchFamily="34" charset="0"/>
+                <a:ea typeface="Times New Roman" panose="02020603050405020304" pitchFamily="18" charset="0"/>
+                <a:cs typeface="Times New Roman" panose="02020603050405020304" pitchFamily="18" charset="0"/>
+              </a:rPr>
+              <a:t>4. Categorical Input, Categorical Output</a:t>
+            </a:r>
+            <a:endParaRPr lang="en-IN" sz="1000" dirty="0">
+              <a:solidFill>
+                <a:schemeClr val="bg1"/>
+              </a:solidFill>
+              <a:effectLst/>
+              <a:latin typeface="Calibri" panose="020F0502020204030204" pitchFamily="34" charset="0"/>
+              <a:ea typeface="Calibri" panose="020F0502020204030204" pitchFamily="34" charset="0"/>
+              <a:cs typeface="Times New Roman" panose="02020603050405020304" pitchFamily="18" charset="0"/>
+            </a:endParaRPr>
+          </a:p>
+          <a:p>
+            <a:pPr algn="just" fontAlgn="base">
+              <a:lnSpc>
+                <a:spcPts val="1800"/>
+              </a:lnSpc>
+              <a:spcAft>
+                <a:spcPts val="1440"/>
+              </a:spcAft>
+            </a:pPr>
+            <a:r>
+              <a:rPr lang="en-IN" sz="1000" dirty="0">
+                <a:solidFill>
+                  <a:schemeClr val="bg1"/>
+                </a:solidFill>
+                <a:effectLst/>
+                <a:latin typeface="Calibri" panose="020F0502020204030204" pitchFamily="34" charset="0"/>
+                <a:ea typeface="Times New Roman" panose="02020603050405020304" pitchFamily="18" charset="0"/>
+                <a:cs typeface="Calibri" panose="020F0502020204030204" pitchFamily="34" charset="0"/>
+              </a:rPr>
+              <a:t>This is a classification predictive </a:t>
+            </a:r>
+            <a:r>
+              <a:rPr lang="en-IN" sz="1000" dirty="0" err="1">
+                <a:solidFill>
+                  <a:schemeClr val="bg1"/>
+                </a:solidFill>
+                <a:effectLst/>
+                <a:latin typeface="Calibri" panose="020F0502020204030204" pitchFamily="34" charset="0"/>
+                <a:ea typeface="Times New Roman" panose="02020603050405020304" pitchFamily="18" charset="0"/>
+                <a:cs typeface="Calibri" panose="020F0502020204030204" pitchFamily="34" charset="0"/>
+              </a:rPr>
+              <a:t>modeling</a:t>
+            </a:r>
+            <a:r>
+              <a:rPr lang="en-IN" sz="1000" dirty="0">
+                <a:solidFill>
+                  <a:schemeClr val="bg1"/>
+                </a:solidFill>
+                <a:effectLst/>
+                <a:latin typeface="Calibri" panose="020F0502020204030204" pitchFamily="34" charset="0"/>
+                <a:ea typeface="Times New Roman" panose="02020603050405020304" pitchFamily="18" charset="0"/>
+                <a:cs typeface="Calibri" panose="020F0502020204030204" pitchFamily="34" charset="0"/>
+              </a:rPr>
+              <a:t> problem with categorical input variables. The most common correlation measure for categorical data is the </a:t>
+            </a:r>
+            <a:r>
+              <a:rPr lang="en-IN" sz="1000" u="none" strike="noStrike" dirty="0">
+                <a:solidFill>
+                  <a:schemeClr val="bg1"/>
+                </a:solidFill>
+                <a:effectLst/>
+                <a:latin typeface="Calibri" panose="020F0502020204030204" pitchFamily="34" charset="0"/>
+                <a:ea typeface="Times New Roman" panose="02020603050405020304" pitchFamily="18" charset="0"/>
+                <a:cs typeface="Calibri" panose="020F0502020204030204" pitchFamily="34" charset="0"/>
+                <a:hlinkClick r:id="rId4">
+                  <a:extLst>
+                    <a:ext uri="{A12FA001-AC4F-418D-AE19-62706E023703}">
+                      <ahyp:hlinkClr xmlns:ahyp="http://schemas.microsoft.com/office/drawing/2018/hyperlinkcolor" val="tx"/>
+                    </a:ext>
+                  </a:extLst>
+                </a:hlinkClick>
+              </a:rPr>
+              <a:t>chi-squared test</a:t>
+            </a:r>
+            <a:r>
+              <a:rPr lang="en-IN" sz="1000" dirty="0">
+                <a:solidFill>
+                  <a:schemeClr val="bg1"/>
+                </a:solidFill>
+                <a:effectLst/>
+                <a:latin typeface="Calibri" panose="020F0502020204030204" pitchFamily="34" charset="0"/>
+                <a:ea typeface="Times New Roman" panose="02020603050405020304" pitchFamily="18" charset="0"/>
+                <a:cs typeface="Calibri" panose="020F0502020204030204" pitchFamily="34" charset="0"/>
+              </a:rPr>
+              <a:t>. You can also use mutual information (information gain) from the field of information theory.</a:t>
+            </a:r>
+            <a:endParaRPr lang="en-IN" sz="1000" dirty="0">
+              <a:solidFill>
+                <a:schemeClr val="bg1"/>
+              </a:solidFill>
+              <a:effectLst/>
+              <a:latin typeface="Calibri" panose="020F0502020204030204" pitchFamily="34" charset="0"/>
+              <a:ea typeface="Calibri" panose="020F0502020204030204" pitchFamily="34" charset="0"/>
+              <a:cs typeface="Times New Roman" panose="02020603050405020304" pitchFamily="18" charset="0"/>
+            </a:endParaRPr>
+          </a:p>
+          <a:p>
+            <a:pPr marL="342900" lvl="0" indent="-342900" algn="just" fontAlgn="base">
+              <a:lnSpc>
+                <a:spcPct val="110000"/>
+              </a:lnSpc>
+              <a:spcAft>
+                <a:spcPts val="600"/>
+              </a:spcAft>
+              <a:buSzPts val="1000"/>
+              <a:buFont typeface="Symbol" panose="05050102010706020507" pitchFamily="18" charset="2"/>
+              <a:buChar char=""/>
+              <a:tabLst>
+                <a:tab pos="457200" algn="l"/>
+              </a:tabLst>
+            </a:pPr>
+            <a:r>
+              <a:rPr lang="en-IN" sz="1000" dirty="0">
+                <a:solidFill>
+                  <a:schemeClr val="bg1"/>
+                </a:solidFill>
+                <a:effectLst/>
+                <a:latin typeface="Calibri" panose="020F0502020204030204" pitchFamily="34" charset="0"/>
+                <a:ea typeface="Times New Roman" panose="02020603050405020304" pitchFamily="18" charset="0"/>
+                <a:cs typeface="Calibri" panose="020F0502020204030204" pitchFamily="34" charset="0"/>
+              </a:rPr>
+              <a:t>Chi-Squared test (contingency tables).</a:t>
+            </a:r>
+            <a:endParaRPr lang="en-IN" sz="1000" dirty="0">
+              <a:solidFill>
+                <a:schemeClr val="bg1"/>
+              </a:solidFill>
+              <a:effectLst/>
+              <a:latin typeface="Calibri" panose="020F0502020204030204" pitchFamily="34" charset="0"/>
+              <a:ea typeface="Calibri" panose="020F0502020204030204" pitchFamily="34" charset="0"/>
+              <a:cs typeface="Times New Roman" panose="02020603050405020304" pitchFamily="18" charset="0"/>
+            </a:endParaRPr>
+          </a:p>
+          <a:p>
+            <a:pPr marL="342900" lvl="0" indent="-342900" algn="just" fontAlgn="base">
+              <a:lnSpc>
+                <a:spcPct val="110000"/>
+              </a:lnSpc>
+              <a:spcAft>
+                <a:spcPts val="600"/>
+              </a:spcAft>
+              <a:buSzPts val="1000"/>
+              <a:buFont typeface="Symbol" panose="05050102010706020507" pitchFamily="18" charset="2"/>
+              <a:buChar char=""/>
+              <a:tabLst>
+                <a:tab pos="457200" algn="l"/>
+              </a:tabLst>
+            </a:pPr>
+            <a:r>
+              <a:rPr lang="en-IN" sz="1000" dirty="0">
+                <a:solidFill>
+                  <a:schemeClr val="bg1"/>
+                </a:solidFill>
+                <a:effectLst/>
+                <a:latin typeface="Calibri" panose="020F0502020204030204" pitchFamily="34" charset="0"/>
+                <a:ea typeface="Times New Roman" panose="02020603050405020304" pitchFamily="18" charset="0"/>
+                <a:cs typeface="Calibri" panose="020F0502020204030204" pitchFamily="34" charset="0"/>
+              </a:rPr>
+              <a:t>Mutual Information.</a:t>
+            </a:r>
+            <a:endParaRPr lang="en-IN" sz="1000" dirty="0">
+              <a:solidFill>
+                <a:schemeClr val="bg1"/>
+              </a:solidFill>
+              <a:effectLst/>
+              <a:latin typeface="Calibri" panose="020F0502020204030204" pitchFamily="34" charset="0"/>
+              <a:ea typeface="Calibri" panose="020F0502020204030204" pitchFamily="34" charset="0"/>
+              <a:cs typeface="Times New Roman" panose="02020603050405020304" pitchFamily="18" charset="0"/>
+            </a:endParaRPr>
+          </a:p>
+          <a:p>
+            <a:pPr algn="just" fontAlgn="base">
+              <a:lnSpc>
+                <a:spcPts val="1800"/>
+              </a:lnSpc>
+              <a:spcAft>
+                <a:spcPts val="1440"/>
+              </a:spcAft>
+            </a:pPr>
+            <a:r>
+              <a:rPr lang="en-IN" sz="1000" dirty="0">
+                <a:solidFill>
+                  <a:schemeClr val="bg1"/>
+                </a:solidFill>
+                <a:effectLst/>
+                <a:latin typeface="Calibri" panose="020F0502020204030204" pitchFamily="34" charset="0"/>
+                <a:ea typeface="Times New Roman" panose="02020603050405020304" pitchFamily="18" charset="0"/>
+                <a:cs typeface="Calibri" panose="020F0502020204030204" pitchFamily="34" charset="0"/>
+              </a:rPr>
+              <a:t>In fact, mutual information is a powerful method that may prove useful for both categorical and numerical data, e.g. it is agnostic to the data types.</a:t>
+            </a:r>
+            <a:endParaRPr lang="en-IN" sz="1000" dirty="0">
+              <a:solidFill>
+                <a:schemeClr val="bg1"/>
+              </a:solidFill>
+              <a:effectLst/>
+              <a:latin typeface="Calibri" panose="020F0502020204030204" pitchFamily="34" charset="0"/>
+              <a:ea typeface="Calibri" panose="020F0502020204030204" pitchFamily="34" charset="0"/>
+              <a:cs typeface="Times New Roman" panose="02020603050405020304" pitchFamily="18" charset="0"/>
+            </a:endParaRPr>
+          </a:p>
+          <a:p>
+            <a:pPr algn="just" fontAlgn="base">
+              <a:lnSpc>
+                <a:spcPts val="1800"/>
+              </a:lnSpc>
+              <a:spcAft>
+                <a:spcPts val="600"/>
+              </a:spcAft>
+            </a:pPr>
+            <a:endParaRPr lang="en-IN" sz="1000" dirty="0">
+              <a:solidFill>
+                <a:srgbClr val="629DD1"/>
+              </a:solidFill>
+              <a:effectLst/>
+              <a:latin typeface="Calibri" panose="020F0502020204030204" pitchFamily="34" charset="0"/>
+              <a:ea typeface="Calibri" panose="020F0502020204030204" pitchFamily="34" charset="0"/>
+              <a:cs typeface="Times New Roman" panose="02020603050405020304" pitchFamily="18" charset="0"/>
+            </a:endParaRPr>
+          </a:p>
+          <a:p>
+            <a:pPr algn="just">
+              <a:lnSpc>
+                <a:spcPct val="110000"/>
+              </a:lnSpc>
+              <a:spcAft>
+                <a:spcPts val="600"/>
+              </a:spcAft>
+            </a:pPr>
+            <a:endParaRPr lang="en-IN" sz="1000" dirty="0">
+              <a:solidFill>
+                <a:schemeClr val="bg1"/>
+              </a:solidFill>
+              <a:effectLst/>
+              <a:latin typeface="Calibri" panose="020F0502020204030204" pitchFamily="34" charset="0"/>
+              <a:ea typeface="Calibri" panose="020F0502020204030204" pitchFamily="34" charset="0"/>
+              <a:cs typeface="Times New Roman" panose="02020603050405020304" pitchFamily="18" charset="0"/>
+            </a:endParaRPr>
+          </a:p>
+          <a:p>
+            <a:endParaRPr lang="en-IN" sz="1000" dirty="0">
+              <a:solidFill>
+                <a:schemeClr val="bg1"/>
+              </a:solidFill>
+            </a:endParaRPr>
+          </a:p>
+        </p:txBody>
+      </p:sp>
+      <p:sp>
+        <p:nvSpPr>
+          <p:cNvPr id="13" name="TextBox 12">
+            <a:extLst>
+              <a:ext uri="{FF2B5EF4-FFF2-40B4-BE49-F238E27FC236}">
+                <a16:creationId xmlns:a16="http://schemas.microsoft.com/office/drawing/2014/main" id="{CFD2E18B-58B0-E810-3963-75C863C09B6A}"/>
+              </a:ext>
+            </a:extLst>
+          </p:cNvPr>
+          <p:cNvSpPr txBox="1"/>
+          <p:nvPr/>
+        </p:nvSpPr>
+        <p:spPr>
+          <a:xfrm>
+            <a:off x="172887" y="120398"/>
+            <a:ext cx="2242509" cy="369332"/>
+          </a:xfrm>
+          <a:prstGeom prst="rect">
+            <a:avLst/>
+          </a:prstGeom>
+          <a:noFill/>
+          <a:ln>
+            <a:solidFill>
+              <a:schemeClr val="bg1"/>
+            </a:solidFill>
+          </a:ln>
+        </p:spPr>
+        <p:txBody>
+          <a:bodyPr wrap="square" rtlCol="0">
+            <a:spAutoFit/>
+          </a:bodyPr>
+          <a:lstStyle/>
+          <a:p>
+            <a:r>
+              <a:rPr lang="en-US" sz="1800" b="1" kern="0" dirty="0">
+                <a:solidFill>
+                  <a:schemeClr val="bg1"/>
+                </a:solidFill>
+                <a:effectLst/>
+                <a:latin typeface="Calibri" panose="020F0502020204030204" pitchFamily="34" charset="0"/>
+                <a:ea typeface="Calibri" panose="020F0502020204030204" pitchFamily="34" charset="0"/>
+              </a:rPr>
+              <a:t>HANDLING OUTLIERS</a:t>
+            </a:r>
+            <a:endParaRPr lang="en-IN" b="1" dirty="0">
+              <a:solidFill>
+                <a:schemeClr val="bg1"/>
+              </a:solidFill>
+            </a:endParaRPr>
+          </a:p>
+        </p:txBody>
+      </p:sp>
+    </p:spTree>
+    <p:extLst>
+      <p:ext uri="{BB962C8B-B14F-4D97-AF65-F5344CB8AC3E}">
+        <p14:creationId xmlns:p14="http://schemas.microsoft.com/office/powerpoint/2010/main" val="2742899118"/>
+      </p:ext>
+    </p:extLst>
+  </p:cSld>
+  <p:clrMapOvr>
+    <a:masterClrMapping/>
+  </p:clrMapOvr>
+</p:sld>
+</file>
+
+<file path=ppt/slides/slide8.xml><?xml version="1.0" encoding="utf-8"?>
 <p:sld xmlns:a="http://schemas.openxmlformats.org/drawingml/2006/main" xmlns:r="http://schemas.openxmlformats.org/officeDocument/2006/relationships" xmlns:p="http://schemas.openxmlformats.org/presentationml/2006/main">
   <p:cSld>
     <p:spTree>
